--- a/PPT/week3_OT, 기도편지 및 회의_20250318.pptx
+++ b/PPT/week3_OT, 기도편지 및 회의_20250318.pptx
@@ -6,7 +6,22 @@
   </p:sldMasterIdLst>
   <p:sldIdLst>
     <p:sldId id="256" r:id="rId2"/>
-    <p:sldId id="257" r:id="rId3"/>
+    <p:sldId id="263" r:id="rId3"/>
+    <p:sldId id="257" r:id="rId4"/>
+    <p:sldId id="260" r:id="rId5"/>
+    <p:sldId id="259" r:id="rId6"/>
+    <p:sldId id="258" r:id="rId7"/>
+    <p:sldId id="261" r:id="rId8"/>
+    <p:sldId id="268" r:id="rId9"/>
+    <p:sldId id="269" r:id="rId10"/>
+    <p:sldId id="264" r:id="rId11"/>
+    <p:sldId id="265" r:id="rId12"/>
+    <p:sldId id="266" r:id="rId13"/>
+    <p:sldId id="267" r:id="rId14"/>
+    <p:sldId id="270" r:id="rId15"/>
+    <p:sldId id="262" r:id="rId16"/>
+    <p:sldId id="271" r:id="rId17"/>
+    <p:sldId id="272" r:id="rId18"/>
   </p:sldIdLst>
   <p:sldSz cx="12192000" cy="6858000"/>
   <p:notesSz cx="6858000" cy="9144000"/>
@@ -3492,10 +3507,3714 @@
           </a:p>
         </p:txBody>
       </p:sp>
+      <p:pic>
+        <p:nvPicPr>
+          <p:cNvPr id="9" name="그림 8">
+            <a:extLst>
+              <a:ext uri="{FF2B5EF4-FFF2-40B4-BE49-F238E27FC236}">
+                <a16:creationId xmlns:a16="http://schemas.microsoft.com/office/drawing/2014/main" id="{799C68B8-47DB-99C4-BDA8-D2B15BF46BD0}"/>
+              </a:ext>
+            </a:extLst>
+          </p:cNvPr>
+          <p:cNvPicPr>
+            <a:picLocks noChangeAspect="1"/>
+          </p:cNvPicPr>
+          <p:nvPr/>
+        </p:nvPicPr>
+        <p:blipFill>
+          <a:blip r:embed="rId2"/>
+          <a:stretch>
+            <a:fillRect/>
+          </a:stretch>
+        </p:blipFill>
+        <p:spPr>
+          <a:xfrm>
+            <a:off x="3761066" y="0"/>
+            <a:ext cx="2038635" cy="2010056"/>
+          </a:xfrm>
+          <a:prstGeom prst="rect">
+            <a:avLst/>
+          </a:prstGeom>
+        </p:spPr>
+      </p:pic>
     </p:spTree>
     <p:extLst>
       <p:ext uri="{BB962C8B-B14F-4D97-AF65-F5344CB8AC3E}">
         <p14:creationId xmlns:p14="http://schemas.microsoft.com/office/powerpoint/2010/main" val="1246031261"/>
+      </p:ext>
+    </p:extLst>
+  </p:cSld>
+  <p:clrMapOvr>
+    <a:masterClrMapping/>
+  </p:clrMapOvr>
+</p:sld>
+</file>
+
+<file path=ppt/slides/slide10.xml><?xml version="1.0" encoding="utf-8"?>
+<p:sld xmlns:a="http://schemas.openxmlformats.org/drawingml/2006/main" xmlns:r="http://schemas.openxmlformats.org/officeDocument/2006/relationships" xmlns:p="http://schemas.openxmlformats.org/presentationml/2006/main">
+  <p:cSld>
+    <p:spTree>
+      <p:nvGrpSpPr>
+        <p:cNvPr id="1" name="">
+          <a:extLst>
+            <a:ext uri="{FF2B5EF4-FFF2-40B4-BE49-F238E27FC236}">
+              <a16:creationId xmlns:a16="http://schemas.microsoft.com/office/drawing/2014/main" id="{E31572A6-A4A2-31CD-B804-170B2C791FE1}"/>
+            </a:ext>
+          </a:extLst>
+        </p:cNvPr>
+        <p:cNvGrpSpPr/>
+        <p:nvPr/>
+      </p:nvGrpSpPr>
+      <p:grpSpPr>
+        <a:xfrm>
+          <a:off x="0" y="0"/>
+          <a:ext cx="0" cy="0"/>
+          <a:chOff x="0" y="0"/>
+          <a:chExt cx="0" cy="0"/>
+        </a:xfrm>
+      </p:grpSpPr>
+      <p:sp>
+        <p:nvSpPr>
+          <p:cNvPr id="2" name="TextBox 1">
+            <a:extLst>
+              <a:ext uri="{FF2B5EF4-FFF2-40B4-BE49-F238E27FC236}">
+                <a16:creationId xmlns:a16="http://schemas.microsoft.com/office/drawing/2014/main" id="{0D6A6E6A-21FF-A8AE-6979-0B882DF3E681}"/>
+              </a:ext>
+            </a:extLst>
+          </p:cNvPr>
+          <p:cNvSpPr txBox="1"/>
+          <p:nvPr/>
+        </p:nvSpPr>
+        <p:spPr>
+          <a:xfrm>
+            <a:off x="350982" y="350982"/>
+            <a:ext cx="8438529" cy="1077218"/>
+          </a:xfrm>
+          <a:prstGeom prst="rect">
+            <a:avLst/>
+          </a:prstGeom>
+          <a:noFill/>
+        </p:spPr>
+        <p:txBody>
+          <a:bodyPr wrap="none" rtlCol="0">
+            <a:spAutoFit/>
+          </a:bodyPr>
+          <a:lstStyle/>
+          <a:p>
+            <a:r>
+              <a:rPr lang="ko-KR" altLang="en-US" sz="3200" dirty="0">
+                <a:latin typeface="HY견고딕" panose="02030600000101010101" pitchFamily="18" charset="-127"/>
+                <a:ea typeface="HY견고딕" panose="02030600000101010101" pitchFamily="18" charset="-127"/>
+              </a:rPr>
+              <a:t>기도편지 작성해보기</a:t>
+            </a:r>
+            <a:endParaRPr lang="en-US" altLang="ko-KR" sz="3200" dirty="0">
+              <a:latin typeface="HY견고딕" panose="02030600000101010101" pitchFamily="18" charset="-127"/>
+              <a:ea typeface="HY견고딕" panose="02030600000101010101" pitchFamily="18" charset="-127"/>
+            </a:endParaRPr>
+          </a:p>
+          <a:p>
+            <a:r>
+              <a:rPr lang="en-US" altLang="ko-KR" sz="3200" dirty="0">
+                <a:latin typeface="HY견고딕" panose="02030600000101010101" pitchFamily="18" charset="-127"/>
+                <a:ea typeface="HY견고딕" panose="02030600000101010101" pitchFamily="18" charset="-127"/>
+              </a:rPr>
+              <a:t>(1) </a:t>
+            </a:r>
+            <a:r>
+              <a:rPr lang="ko-KR" altLang="en-US" sz="3200" dirty="0">
+                <a:latin typeface="HY견고딕" panose="02030600000101010101" pitchFamily="18" charset="-127"/>
+                <a:ea typeface="HY견고딕" panose="02030600000101010101" pitchFamily="18" charset="-127"/>
+              </a:rPr>
+              <a:t>현재 나는 </a:t>
+            </a:r>
+            <a:r>
+              <a:rPr lang="ko-KR" altLang="en-US" sz="3200" dirty="0" err="1">
+                <a:latin typeface="HY견고딕" panose="02030600000101010101" pitchFamily="18" charset="-127"/>
+                <a:ea typeface="HY견고딕" panose="02030600000101010101" pitchFamily="18" charset="-127"/>
+              </a:rPr>
+              <a:t>어떤가</a:t>
+            </a:r>
+            <a:r>
+              <a:rPr lang="en-US" altLang="ko-KR" sz="3200" dirty="0">
+                <a:latin typeface="HY견고딕" panose="02030600000101010101" pitchFamily="18" charset="-127"/>
+                <a:ea typeface="HY견고딕" panose="02030600000101010101" pitchFamily="18" charset="-127"/>
+              </a:rPr>
+              <a:t>? – </a:t>
+            </a:r>
+            <a:r>
+              <a:rPr lang="ko-KR" altLang="en-US" sz="3200" dirty="0">
+                <a:latin typeface="HY견고딕" panose="02030600000101010101" pitchFamily="18" charset="-127"/>
+                <a:ea typeface="HY견고딕" panose="02030600000101010101" pitchFamily="18" charset="-127"/>
+              </a:rPr>
+              <a:t>솔직하게 답해보자</a:t>
+            </a:r>
+            <a:r>
+              <a:rPr lang="en-US" altLang="ko-KR" sz="3200" dirty="0">
+                <a:latin typeface="HY견고딕" panose="02030600000101010101" pitchFamily="18" charset="-127"/>
+                <a:ea typeface="HY견고딕" panose="02030600000101010101" pitchFamily="18" charset="-127"/>
+              </a:rPr>
+              <a:t>.</a:t>
+            </a:r>
+            <a:endParaRPr lang="ko-KR" altLang="en-US" sz="3200" dirty="0">
+              <a:latin typeface="HY견고딕" panose="02030600000101010101" pitchFamily="18" charset="-127"/>
+              <a:ea typeface="HY견고딕" panose="02030600000101010101" pitchFamily="18" charset="-127"/>
+            </a:endParaRPr>
+          </a:p>
+        </p:txBody>
+      </p:sp>
+      <p:sp>
+        <p:nvSpPr>
+          <p:cNvPr id="8" name="직사각형 7">
+            <a:extLst>
+              <a:ext uri="{FF2B5EF4-FFF2-40B4-BE49-F238E27FC236}">
+                <a16:creationId xmlns:a16="http://schemas.microsoft.com/office/drawing/2014/main" id="{B39C9E3A-66C9-5D18-741D-24F25E643497}"/>
+              </a:ext>
+            </a:extLst>
+          </p:cNvPr>
+          <p:cNvSpPr/>
+          <p:nvPr/>
+        </p:nvSpPr>
+        <p:spPr>
+          <a:xfrm>
+            <a:off x="618836" y="1838035"/>
+            <a:ext cx="4378037" cy="4498109"/>
+          </a:xfrm>
+          <a:prstGeom prst="rect">
+            <a:avLst/>
+          </a:prstGeom>
+          <a:solidFill>
+            <a:schemeClr val="accent2">
+              <a:alpha val="50000"/>
+            </a:schemeClr>
+          </a:solidFill>
+          <a:ln>
+            <a:noFill/>
+          </a:ln>
+        </p:spPr>
+        <p:style>
+          <a:lnRef idx="0">
+            <a:scrgbClr r="0" g="0" b="0"/>
+          </a:lnRef>
+          <a:fillRef idx="0">
+            <a:scrgbClr r="0" g="0" b="0"/>
+          </a:fillRef>
+          <a:effectRef idx="0">
+            <a:scrgbClr r="0" g="0" b="0"/>
+          </a:effectRef>
+          <a:fontRef idx="minor">
+            <a:schemeClr val="lt1"/>
+          </a:fontRef>
+        </p:style>
+        <p:txBody>
+          <a:bodyPr rtlCol="0" anchor="ctr"/>
+          <a:lstStyle/>
+          <a:p>
+            <a:pPr algn="ctr"/>
+            <a:endParaRPr lang="ko-KR" altLang="en-US"/>
+          </a:p>
+        </p:txBody>
+      </p:sp>
+      <p:sp>
+        <p:nvSpPr>
+          <p:cNvPr id="10" name="타원 9">
+            <a:extLst>
+              <a:ext uri="{FF2B5EF4-FFF2-40B4-BE49-F238E27FC236}">
+                <a16:creationId xmlns:a16="http://schemas.microsoft.com/office/drawing/2014/main" id="{E205E4CE-A656-E302-82FC-5E1CCEDAE0D0}"/>
+              </a:ext>
+            </a:extLst>
+          </p:cNvPr>
+          <p:cNvSpPr/>
+          <p:nvPr/>
+        </p:nvSpPr>
+        <p:spPr>
+          <a:xfrm>
+            <a:off x="350982" y="1499175"/>
+            <a:ext cx="748145" cy="748145"/>
+          </a:xfrm>
+          <a:prstGeom prst="ellipse">
+            <a:avLst/>
+          </a:prstGeom>
+          <a:gradFill flip="none" rotWithShape="1">
+            <a:gsLst>
+              <a:gs pos="0">
+                <a:schemeClr val="accent2">
+                  <a:lumMod val="67000"/>
+                </a:schemeClr>
+              </a:gs>
+              <a:gs pos="48000">
+                <a:schemeClr val="accent2">
+                  <a:lumMod val="97000"/>
+                  <a:lumOff val="3000"/>
+                </a:schemeClr>
+              </a:gs>
+              <a:gs pos="100000">
+                <a:schemeClr val="accent2">
+                  <a:lumMod val="60000"/>
+                  <a:lumOff val="40000"/>
+                </a:schemeClr>
+              </a:gs>
+            </a:gsLst>
+            <a:lin ang="16200000" scaled="1"/>
+            <a:tileRect/>
+          </a:gradFill>
+          <a:ln>
+            <a:noFill/>
+          </a:ln>
+        </p:spPr>
+        <p:style>
+          <a:lnRef idx="0">
+            <a:scrgbClr r="0" g="0" b="0"/>
+          </a:lnRef>
+          <a:fillRef idx="0">
+            <a:scrgbClr r="0" g="0" b="0"/>
+          </a:fillRef>
+          <a:effectRef idx="0">
+            <a:scrgbClr r="0" g="0" b="0"/>
+          </a:effectRef>
+          <a:fontRef idx="minor">
+            <a:schemeClr val="lt1"/>
+          </a:fontRef>
+        </p:style>
+        <p:txBody>
+          <a:bodyPr rtlCol="0" anchor="ctr"/>
+          <a:lstStyle/>
+          <a:p>
+            <a:pPr algn="ctr"/>
+            <a:r>
+              <a:rPr lang="en-US" altLang="ko-KR" dirty="0"/>
+              <a:t>1</a:t>
+            </a:r>
+            <a:endParaRPr lang="ko-KR" altLang="en-US" dirty="0"/>
+          </a:p>
+        </p:txBody>
+      </p:sp>
+      <p:sp>
+        <p:nvSpPr>
+          <p:cNvPr id="16" name="사각형: 둥근 모서리 15">
+            <a:extLst>
+              <a:ext uri="{FF2B5EF4-FFF2-40B4-BE49-F238E27FC236}">
+                <a16:creationId xmlns:a16="http://schemas.microsoft.com/office/drawing/2014/main" id="{04103FA8-CB0D-08B6-5656-1ED66774D020}"/>
+              </a:ext>
+            </a:extLst>
+          </p:cNvPr>
+          <p:cNvSpPr/>
+          <p:nvPr/>
+        </p:nvSpPr>
+        <p:spPr>
+          <a:xfrm>
+            <a:off x="1099127" y="2247320"/>
+            <a:ext cx="3454400" cy="584775"/>
+          </a:xfrm>
+          <a:prstGeom prst="roundRect">
+            <a:avLst/>
+          </a:prstGeom>
+          <a:solidFill>
+            <a:schemeClr val="accent2"/>
+          </a:solidFill>
+          <a:ln>
+            <a:noFill/>
+          </a:ln>
+        </p:spPr>
+        <p:style>
+          <a:lnRef idx="0">
+            <a:scrgbClr r="0" g="0" b="0"/>
+          </a:lnRef>
+          <a:fillRef idx="0">
+            <a:scrgbClr r="0" g="0" b="0"/>
+          </a:fillRef>
+          <a:effectRef idx="0">
+            <a:scrgbClr r="0" g="0" b="0"/>
+          </a:effectRef>
+          <a:fontRef idx="minor">
+            <a:schemeClr val="lt1"/>
+          </a:fontRef>
+        </p:style>
+        <p:txBody>
+          <a:bodyPr rtlCol="0" anchor="ctr"/>
+          <a:lstStyle/>
+          <a:p>
+            <a:pPr algn="ctr"/>
+            <a:r>
+              <a:rPr lang="ko-KR" altLang="en-US" dirty="0"/>
+              <a:t>지금 나와 하나님과의 관계</a:t>
+            </a:r>
+          </a:p>
+        </p:txBody>
+      </p:sp>
+      <p:sp>
+        <p:nvSpPr>
+          <p:cNvPr id="17" name="TextBox 16">
+            <a:extLst>
+              <a:ext uri="{FF2B5EF4-FFF2-40B4-BE49-F238E27FC236}">
+                <a16:creationId xmlns:a16="http://schemas.microsoft.com/office/drawing/2014/main" id="{DD4B2A4A-B597-F6E5-EA2E-C7D8E7C4997E}"/>
+              </a:ext>
+            </a:extLst>
+          </p:cNvPr>
+          <p:cNvSpPr txBox="1"/>
+          <p:nvPr/>
+        </p:nvSpPr>
+        <p:spPr>
+          <a:xfrm>
+            <a:off x="831272" y="2989112"/>
+            <a:ext cx="4054764" cy="1754326"/>
+          </a:xfrm>
+          <a:prstGeom prst="rect">
+            <a:avLst/>
+          </a:prstGeom>
+          <a:noFill/>
+        </p:spPr>
+        <p:txBody>
+          <a:bodyPr wrap="square" rtlCol="0">
+            <a:spAutoFit/>
+          </a:bodyPr>
+          <a:lstStyle/>
+          <a:p>
+            <a:r>
+              <a:rPr lang="en-US" altLang="ko-KR" dirty="0">
+                <a:solidFill>
+                  <a:schemeClr val="tx1"/>
+                </a:solidFill>
+              </a:rPr>
+              <a:t>(</a:t>
+            </a:r>
+            <a:r>
+              <a:rPr lang="ko-KR" altLang="en-US" dirty="0">
+                <a:solidFill>
+                  <a:schemeClr val="tx1"/>
+                </a:solidFill>
+              </a:rPr>
+              <a:t>예시</a:t>
+            </a:r>
+            <a:r>
+              <a:rPr lang="en-US" altLang="ko-KR" dirty="0">
+                <a:solidFill>
+                  <a:schemeClr val="tx1"/>
+                </a:solidFill>
+              </a:rPr>
+              <a:t>)</a:t>
+            </a:r>
+          </a:p>
+          <a:p>
+            <a:pPr marL="342900" indent="-342900">
+              <a:buAutoNum type="arabicPeriod"/>
+            </a:pPr>
+            <a:r>
+              <a:rPr lang="ko-KR" altLang="en-US" dirty="0">
+                <a:solidFill>
+                  <a:schemeClr val="tx1"/>
+                </a:solidFill>
+              </a:rPr>
+              <a:t>평범한 이야기는 잘 해도 내 깊은 이야기는 하나님께 잘 못 꺼내겠다</a:t>
+            </a:r>
+            <a:r>
+              <a:rPr lang="en-US" altLang="ko-KR" dirty="0">
+                <a:solidFill>
+                  <a:schemeClr val="tx1"/>
+                </a:solidFill>
+              </a:rPr>
+              <a:t>.</a:t>
+            </a:r>
+          </a:p>
+          <a:p>
+            <a:pPr marL="342900" indent="-342900">
+              <a:buAutoNum type="arabicPeriod"/>
+            </a:pPr>
+            <a:r>
+              <a:rPr lang="ko-KR" altLang="en-US" dirty="0" err="1">
+                <a:solidFill>
+                  <a:schemeClr val="tx1"/>
+                </a:solidFill>
+              </a:rPr>
+              <a:t>요즘따라</a:t>
+            </a:r>
+            <a:r>
+              <a:rPr lang="ko-KR" altLang="en-US" dirty="0">
+                <a:solidFill>
+                  <a:schemeClr val="tx1"/>
+                </a:solidFill>
+              </a:rPr>
+              <a:t> 하나님이 있는지 잘 모르겠다</a:t>
+            </a:r>
+            <a:r>
+              <a:rPr lang="en-US" altLang="ko-KR" dirty="0">
+                <a:solidFill>
+                  <a:schemeClr val="tx1"/>
+                </a:solidFill>
+              </a:rPr>
+              <a:t>.</a:t>
+            </a:r>
+          </a:p>
+          <a:p>
+            <a:pPr marL="342900" indent="-342900">
+              <a:buAutoNum type="arabicPeriod"/>
+            </a:pPr>
+            <a:r>
+              <a:rPr lang="ko-KR" altLang="en-US" dirty="0">
+                <a:solidFill>
+                  <a:schemeClr val="tx1"/>
+                </a:solidFill>
+              </a:rPr>
+              <a:t>너무 친밀하다</a:t>
+            </a:r>
+            <a:r>
+              <a:rPr lang="en-US" altLang="ko-KR" dirty="0">
+                <a:solidFill>
+                  <a:schemeClr val="tx1"/>
+                </a:solidFill>
+              </a:rPr>
+              <a:t>.</a:t>
+            </a:r>
+          </a:p>
+        </p:txBody>
+      </p:sp>
+      <p:sp>
+        <p:nvSpPr>
+          <p:cNvPr id="18" name="직사각형 17">
+            <a:extLst>
+              <a:ext uri="{FF2B5EF4-FFF2-40B4-BE49-F238E27FC236}">
+                <a16:creationId xmlns:a16="http://schemas.microsoft.com/office/drawing/2014/main" id="{98A6317B-31C4-00C8-4D3F-B72AA0C08CF4}"/>
+              </a:ext>
+            </a:extLst>
+          </p:cNvPr>
+          <p:cNvSpPr/>
+          <p:nvPr/>
+        </p:nvSpPr>
+        <p:spPr>
+          <a:xfrm>
+            <a:off x="6363854" y="1838035"/>
+            <a:ext cx="4378037" cy="4498109"/>
+          </a:xfrm>
+          <a:prstGeom prst="rect">
+            <a:avLst/>
+          </a:prstGeom>
+          <a:solidFill>
+            <a:schemeClr val="accent6">
+              <a:alpha val="50000"/>
+            </a:schemeClr>
+          </a:solidFill>
+          <a:ln>
+            <a:noFill/>
+          </a:ln>
+        </p:spPr>
+        <p:style>
+          <a:lnRef idx="0">
+            <a:scrgbClr r="0" g="0" b="0"/>
+          </a:lnRef>
+          <a:fillRef idx="0">
+            <a:scrgbClr r="0" g="0" b="0"/>
+          </a:fillRef>
+          <a:effectRef idx="0">
+            <a:scrgbClr r="0" g="0" b="0"/>
+          </a:effectRef>
+          <a:fontRef idx="minor">
+            <a:schemeClr val="lt1"/>
+          </a:fontRef>
+        </p:style>
+        <p:txBody>
+          <a:bodyPr rtlCol="0" anchor="ctr"/>
+          <a:lstStyle/>
+          <a:p>
+            <a:pPr algn="ctr"/>
+            <a:endParaRPr lang="ko-KR" altLang="en-US"/>
+          </a:p>
+        </p:txBody>
+      </p:sp>
+      <p:sp>
+        <p:nvSpPr>
+          <p:cNvPr id="19" name="타원 18">
+            <a:extLst>
+              <a:ext uri="{FF2B5EF4-FFF2-40B4-BE49-F238E27FC236}">
+                <a16:creationId xmlns:a16="http://schemas.microsoft.com/office/drawing/2014/main" id="{7B0F577E-0399-C096-7376-D9AC3D90BB9D}"/>
+              </a:ext>
+            </a:extLst>
+          </p:cNvPr>
+          <p:cNvSpPr/>
+          <p:nvPr/>
+        </p:nvSpPr>
+        <p:spPr>
+          <a:xfrm>
+            <a:off x="6096000" y="1499175"/>
+            <a:ext cx="748145" cy="748145"/>
+          </a:xfrm>
+          <a:prstGeom prst="ellipse">
+            <a:avLst/>
+          </a:prstGeom>
+          <a:gradFill flip="none" rotWithShape="1">
+            <a:gsLst>
+              <a:gs pos="0">
+                <a:schemeClr val="accent6">
+                  <a:lumMod val="67000"/>
+                </a:schemeClr>
+              </a:gs>
+              <a:gs pos="48000">
+                <a:schemeClr val="accent6">
+                  <a:lumMod val="97000"/>
+                  <a:lumOff val="3000"/>
+                </a:schemeClr>
+              </a:gs>
+              <a:gs pos="100000">
+                <a:schemeClr val="accent6">
+                  <a:lumMod val="60000"/>
+                  <a:lumOff val="40000"/>
+                </a:schemeClr>
+              </a:gs>
+            </a:gsLst>
+            <a:lin ang="16200000" scaled="1"/>
+            <a:tileRect/>
+          </a:gradFill>
+          <a:ln>
+            <a:noFill/>
+          </a:ln>
+        </p:spPr>
+        <p:style>
+          <a:lnRef idx="0">
+            <a:scrgbClr r="0" g="0" b="0"/>
+          </a:lnRef>
+          <a:fillRef idx="0">
+            <a:scrgbClr r="0" g="0" b="0"/>
+          </a:fillRef>
+          <a:effectRef idx="0">
+            <a:scrgbClr r="0" g="0" b="0"/>
+          </a:effectRef>
+          <a:fontRef idx="minor">
+            <a:schemeClr val="lt1"/>
+          </a:fontRef>
+        </p:style>
+        <p:txBody>
+          <a:bodyPr rtlCol="0" anchor="ctr"/>
+          <a:lstStyle/>
+          <a:p>
+            <a:pPr algn="ctr"/>
+            <a:r>
+              <a:rPr lang="en-US" altLang="ko-KR" dirty="0"/>
+              <a:t>2</a:t>
+            </a:r>
+            <a:endParaRPr lang="ko-KR" altLang="en-US" dirty="0"/>
+          </a:p>
+        </p:txBody>
+      </p:sp>
+      <p:sp>
+        <p:nvSpPr>
+          <p:cNvPr id="20" name="사각형: 둥근 모서리 19">
+            <a:extLst>
+              <a:ext uri="{FF2B5EF4-FFF2-40B4-BE49-F238E27FC236}">
+                <a16:creationId xmlns:a16="http://schemas.microsoft.com/office/drawing/2014/main" id="{7910B8B5-7761-4E1D-AB8F-1D651A34E434}"/>
+              </a:ext>
+            </a:extLst>
+          </p:cNvPr>
+          <p:cNvSpPr/>
+          <p:nvPr/>
+        </p:nvSpPr>
+        <p:spPr>
+          <a:xfrm>
+            <a:off x="6844145" y="2247320"/>
+            <a:ext cx="3454400" cy="584775"/>
+          </a:xfrm>
+          <a:prstGeom prst="roundRect">
+            <a:avLst/>
+          </a:prstGeom>
+          <a:solidFill>
+            <a:schemeClr val="accent6"/>
+          </a:solidFill>
+          <a:ln>
+            <a:noFill/>
+          </a:ln>
+        </p:spPr>
+        <p:style>
+          <a:lnRef idx="0">
+            <a:scrgbClr r="0" g="0" b="0"/>
+          </a:lnRef>
+          <a:fillRef idx="0">
+            <a:scrgbClr r="0" g="0" b="0"/>
+          </a:fillRef>
+          <a:effectRef idx="0">
+            <a:scrgbClr r="0" g="0" b="0"/>
+          </a:effectRef>
+          <a:fontRef idx="minor">
+            <a:schemeClr val="lt1"/>
+          </a:fontRef>
+        </p:style>
+        <p:txBody>
+          <a:bodyPr rtlCol="0" anchor="ctr"/>
+          <a:lstStyle/>
+          <a:p>
+            <a:pPr algn="ctr"/>
+            <a:r>
+              <a:rPr lang="ko-KR" altLang="en-US" dirty="0"/>
+              <a:t>현재 나의 상황</a:t>
+            </a:r>
+          </a:p>
+        </p:txBody>
+      </p:sp>
+      <p:sp>
+        <p:nvSpPr>
+          <p:cNvPr id="21" name="TextBox 20">
+            <a:extLst>
+              <a:ext uri="{FF2B5EF4-FFF2-40B4-BE49-F238E27FC236}">
+                <a16:creationId xmlns:a16="http://schemas.microsoft.com/office/drawing/2014/main" id="{41B9BEE3-C027-DD73-D200-54D1E0D3E7EE}"/>
+              </a:ext>
+            </a:extLst>
+          </p:cNvPr>
+          <p:cNvSpPr txBox="1"/>
+          <p:nvPr/>
+        </p:nvSpPr>
+        <p:spPr>
+          <a:xfrm>
+            <a:off x="6576290" y="2989112"/>
+            <a:ext cx="4054764" cy="1477328"/>
+          </a:xfrm>
+          <a:prstGeom prst="rect">
+            <a:avLst/>
+          </a:prstGeom>
+          <a:noFill/>
+        </p:spPr>
+        <p:txBody>
+          <a:bodyPr wrap="square" rtlCol="0">
+            <a:spAutoFit/>
+          </a:bodyPr>
+          <a:lstStyle/>
+          <a:p>
+            <a:r>
+              <a:rPr lang="en-US" altLang="ko-KR" dirty="0">
+                <a:solidFill>
+                  <a:schemeClr val="tx1"/>
+                </a:solidFill>
+              </a:rPr>
+              <a:t>(</a:t>
+            </a:r>
+            <a:r>
+              <a:rPr lang="ko-KR" altLang="en-US" dirty="0">
+                <a:solidFill>
+                  <a:schemeClr val="tx1"/>
+                </a:solidFill>
+              </a:rPr>
+              <a:t>예시</a:t>
+            </a:r>
+            <a:r>
+              <a:rPr lang="en-US" altLang="ko-KR" dirty="0">
+                <a:solidFill>
+                  <a:schemeClr val="tx1"/>
+                </a:solidFill>
+              </a:rPr>
+              <a:t>)</a:t>
+            </a:r>
+          </a:p>
+          <a:p>
+            <a:pPr marL="342900" indent="-342900">
+              <a:buAutoNum type="arabicPeriod"/>
+            </a:pPr>
+            <a:r>
+              <a:rPr lang="ko-KR" altLang="en-US" dirty="0">
+                <a:solidFill>
+                  <a:schemeClr val="tx1"/>
+                </a:solidFill>
+              </a:rPr>
+              <a:t>미래에 대한 걱정을 하고 있음</a:t>
+            </a:r>
+            <a:r>
+              <a:rPr lang="en-US" altLang="ko-KR" dirty="0">
+                <a:solidFill>
+                  <a:schemeClr val="tx1"/>
+                </a:solidFill>
+              </a:rPr>
+              <a:t>.</a:t>
+            </a:r>
+          </a:p>
+          <a:p>
+            <a:pPr marL="342900" indent="-342900">
+              <a:buAutoNum type="arabicPeriod"/>
+            </a:pPr>
+            <a:r>
+              <a:rPr lang="ko-KR" altLang="en-US" dirty="0">
+                <a:solidFill>
+                  <a:schemeClr val="tx1"/>
+                </a:solidFill>
+              </a:rPr>
+              <a:t>휴학하고 행복함</a:t>
+            </a:r>
+            <a:r>
+              <a:rPr lang="en-US" altLang="ko-KR" dirty="0">
+                <a:solidFill>
+                  <a:schemeClr val="tx1"/>
+                </a:solidFill>
+              </a:rPr>
+              <a:t>.</a:t>
+            </a:r>
+          </a:p>
+          <a:p>
+            <a:pPr marL="342900" indent="-342900">
+              <a:buAutoNum type="arabicPeriod"/>
+            </a:pPr>
+            <a:r>
+              <a:rPr lang="ko-KR" altLang="en-US" dirty="0">
+                <a:solidFill>
+                  <a:schemeClr val="tx1"/>
+                </a:solidFill>
+              </a:rPr>
+              <a:t>마음에 여유가 없음</a:t>
+            </a:r>
+            <a:endParaRPr lang="en-US" altLang="ko-KR" dirty="0">
+              <a:solidFill>
+                <a:schemeClr val="tx1"/>
+              </a:solidFill>
+            </a:endParaRPr>
+          </a:p>
+          <a:p>
+            <a:pPr marL="342900" indent="-342900">
+              <a:buAutoNum type="arabicPeriod"/>
+            </a:pPr>
+            <a:r>
+              <a:rPr lang="ko-KR" altLang="en-US" dirty="0">
+                <a:solidFill>
+                  <a:schemeClr val="tx1"/>
+                </a:solidFill>
+              </a:rPr>
+              <a:t>친구 관계가</a:t>
+            </a:r>
+            <a:r>
+              <a:rPr lang="en-US" altLang="ko-KR" dirty="0">
+                <a:solidFill>
+                  <a:schemeClr val="tx1"/>
+                </a:solidFill>
+              </a:rPr>
+              <a:t>..</a:t>
+            </a:r>
+          </a:p>
+        </p:txBody>
+      </p:sp>
+    </p:spTree>
+    <p:extLst>
+      <p:ext uri="{BB962C8B-B14F-4D97-AF65-F5344CB8AC3E}">
+        <p14:creationId xmlns:p14="http://schemas.microsoft.com/office/powerpoint/2010/main" val="2629821814"/>
+      </p:ext>
+    </p:extLst>
+  </p:cSld>
+  <p:clrMapOvr>
+    <a:masterClrMapping/>
+  </p:clrMapOvr>
+</p:sld>
+</file>
+
+<file path=ppt/slides/slide11.xml><?xml version="1.0" encoding="utf-8"?>
+<p:sld xmlns:a="http://schemas.openxmlformats.org/drawingml/2006/main" xmlns:r="http://schemas.openxmlformats.org/officeDocument/2006/relationships" xmlns:p="http://schemas.openxmlformats.org/presentationml/2006/main">
+  <p:cSld>
+    <p:spTree>
+      <p:nvGrpSpPr>
+        <p:cNvPr id="1" name="">
+          <a:extLst>
+            <a:ext uri="{FF2B5EF4-FFF2-40B4-BE49-F238E27FC236}">
+              <a16:creationId xmlns:a16="http://schemas.microsoft.com/office/drawing/2014/main" id="{7BA02BF2-CEE5-337E-B826-9466E4E005B5}"/>
+            </a:ext>
+          </a:extLst>
+        </p:cNvPr>
+        <p:cNvGrpSpPr/>
+        <p:nvPr/>
+      </p:nvGrpSpPr>
+      <p:grpSpPr>
+        <a:xfrm>
+          <a:off x="0" y="0"/>
+          <a:ext cx="0" cy="0"/>
+          <a:chOff x="0" y="0"/>
+          <a:chExt cx="0" cy="0"/>
+        </a:xfrm>
+      </p:grpSpPr>
+      <p:sp>
+        <p:nvSpPr>
+          <p:cNvPr id="2" name="TextBox 1">
+            <a:extLst>
+              <a:ext uri="{FF2B5EF4-FFF2-40B4-BE49-F238E27FC236}">
+                <a16:creationId xmlns:a16="http://schemas.microsoft.com/office/drawing/2014/main" id="{BB10A450-F68D-9C10-5C34-A96AC78A6B68}"/>
+              </a:ext>
+            </a:extLst>
+          </p:cNvPr>
+          <p:cNvSpPr txBox="1"/>
+          <p:nvPr/>
+        </p:nvSpPr>
+        <p:spPr>
+          <a:xfrm>
+            <a:off x="350982" y="350982"/>
+            <a:ext cx="7532831" cy="1077218"/>
+          </a:xfrm>
+          <a:prstGeom prst="rect">
+            <a:avLst/>
+          </a:prstGeom>
+          <a:noFill/>
+        </p:spPr>
+        <p:txBody>
+          <a:bodyPr wrap="none" rtlCol="0">
+            <a:spAutoFit/>
+          </a:bodyPr>
+          <a:lstStyle/>
+          <a:p>
+            <a:r>
+              <a:rPr lang="ko-KR" altLang="en-US" sz="3200" dirty="0">
+                <a:latin typeface="HY견고딕" panose="02030600000101010101" pitchFamily="18" charset="-127"/>
+                <a:ea typeface="HY견고딕" panose="02030600000101010101" pitchFamily="18" charset="-127"/>
+              </a:rPr>
+              <a:t>기도편지 작성해보기</a:t>
+            </a:r>
+            <a:endParaRPr lang="en-US" altLang="ko-KR" sz="3200" dirty="0">
+              <a:latin typeface="HY견고딕" panose="02030600000101010101" pitchFamily="18" charset="-127"/>
+              <a:ea typeface="HY견고딕" panose="02030600000101010101" pitchFamily="18" charset="-127"/>
+            </a:endParaRPr>
+          </a:p>
+          <a:p>
+            <a:r>
+              <a:rPr lang="en-US" altLang="ko-KR" sz="3200" dirty="0">
+                <a:latin typeface="HY견고딕" panose="02030600000101010101" pitchFamily="18" charset="-127"/>
+                <a:ea typeface="HY견고딕" panose="02030600000101010101" pitchFamily="18" charset="-127"/>
+              </a:rPr>
+              <a:t>(2) </a:t>
+            </a:r>
+            <a:r>
+              <a:rPr lang="ko-KR" altLang="en-US" sz="3200" dirty="0">
+                <a:latin typeface="HY견고딕" panose="02030600000101010101" pitchFamily="18" charset="-127"/>
+                <a:ea typeface="HY견고딕" panose="02030600000101010101" pitchFamily="18" charset="-127"/>
+              </a:rPr>
+              <a:t>이 소그룹을 시작하며 나의 마음은</a:t>
+            </a:r>
+            <a:r>
+              <a:rPr lang="en-US" altLang="ko-KR" sz="3200" dirty="0">
+                <a:latin typeface="HY견고딕" panose="02030600000101010101" pitchFamily="18" charset="-127"/>
+                <a:ea typeface="HY견고딕" panose="02030600000101010101" pitchFamily="18" charset="-127"/>
+              </a:rPr>
+              <a:t>?</a:t>
+            </a:r>
+            <a:endParaRPr lang="ko-KR" altLang="en-US" sz="3200" dirty="0">
+              <a:latin typeface="HY견고딕" panose="02030600000101010101" pitchFamily="18" charset="-127"/>
+              <a:ea typeface="HY견고딕" panose="02030600000101010101" pitchFamily="18" charset="-127"/>
+            </a:endParaRPr>
+          </a:p>
+        </p:txBody>
+      </p:sp>
+      <p:sp>
+        <p:nvSpPr>
+          <p:cNvPr id="8" name="직사각형 7">
+            <a:extLst>
+              <a:ext uri="{FF2B5EF4-FFF2-40B4-BE49-F238E27FC236}">
+                <a16:creationId xmlns:a16="http://schemas.microsoft.com/office/drawing/2014/main" id="{95CA466D-7754-912B-D057-F9DE1856919B}"/>
+              </a:ext>
+            </a:extLst>
+          </p:cNvPr>
+          <p:cNvSpPr/>
+          <p:nvPr/>
+        </p:nvSpPr>
+        <p:spPr>
+          <a:xfrm>
+            <a:off x="618836" y="1838035"/>
+            <a:ext cx="4378037" cy="4498109"/>
+          </a:xfrm>
+          <a:prstGeom prst="rect">
+            <a:avLst/>
+          </a:prstGeom>
+          <a:solidFill>
+            <a:schemeClr val="accent2">
+              <a:alpha val="50000"/>
+            </a:schemeClr>
+          </a:solidFill>
+          <a:ln>
+            <a:noFill/>
+          </a:ln>
+        </p:spPr>
+        <p:style>
+          <a:lnRef idx="0">
+            <a:scrgbClr r="0" g="0" b="0"/>
+          </a:lnRef>
+          <a:fillRef idx="0">
+            <a:scrgbClr r="0" g="0" b="0"/>
+          </a:fillRef>
+          <a:effectRef idx="0">
+            <a:scrgbClr r="0" g="0" b="0"/>
+          </a:effectRef>
+          <a:fontRef idx="minor">
+            <a:schemeClr val="lt1"/>
+          </a:fontRef>
+        </p:style>
+        <p:txBody>
+          <a:bodyPr rtlCol="0" anchor="ctr"/>
+          <a:lstStyle/>
+          <a:p>
+            <a:pPr algn="ctr"/>
+            <a:endParaRPr lang="ko-KR" altLang="en-US"/>
+          </a:p>
+        </p:txBody>
+      </p:sp>
+      <p:sp>
+        <p:nvSpPr>
+          <p:cNvPr id="10" name="타원 9">
+            <a:extLst>
+              <a:ext uri="{FF2B5EF4-FFF2-40B4-BE49-F238E27FC236}">
+                <a16:creationId xmlns:a16="http://schemas.microsoft.com/office/drawing/2014/main" id="{0F2E7283-D986-866E-E5EE-4073C5AE7C48}"/>
+              </a:ext>
+            </a:extLst>
+          </p:cNvPr>
+          <p:cNvSpPr/>
+          <p:nvPr/>
+        </p:nvSpPr>
+        <p:spPr>
+          <a:xfrm>
+            <a:off x="350982" y="1499175"/>
+            <a:ext cx="748145" cy="748145"/>
+          </a:xfrm>
+          <a:prstGeom prst="ellipse">
+            <a:avLst/>
+          </a:prstGeom>
+          <a:gradFill flip="none" rotWithShape="1">
+            <a:gsLst>
+              <a:gs pos="0">
+                <a:schemeClr val="accent2">
+                  <a:lumMod val="67000"/>
+                </a:schemeClr>
+              </a:gs>
+              <a:gs pos="48000">
+                <a:schemeClr val="accent2">
+                  <a:lumMod val="97000"/>
+                  <a:lumOff val="3000"/>
+                </a:schemeClr>
+              </a:gs>
+              <a:gs pos="100000">
+                <a:schemeClr val="accent2">
+                  <a:lumMod val="60000"/>
+                  <a:lumOff val="40000"/>
+                </a:schemeClr>
+              </a:gs>
+            </a:gsLst>
+            <a:lin ang="16200000" scaled="1"/>
+            <a:tileRect/>
+          </a:gradFill>
+          <a:ln>
+            <a:noFill/>
+          </a:ln>
+        </p:spPr>
+        <p:style>
+          <a:lnRef idx="0">
+            <a:scrgbClr r="0" g="0" b="0"/>
+          </a:lnRef>
+          <a:fillRef idx="0">
+            <a:scrgbClr r="0" g="0" b="0"/>
+          </a:fillRef>
+          <a:effectRef idx="0">
+            <a:scrgbClr r="0" g="0" b="0"/>
+          </a:effectRef>
+          <a:fontRef idx="minor">
+            <a:schemeClr val="lt1"/>
+          </a:fontRef>
+        </p:style>
+        <p:txBody>
+          <a:bodyPr rtlCol="0" anchor="ctr"/>
+          <a:lstStyle/>
+          <a:p>
+            <a:pPr algn="ctr"/>
+            <a:r>
+              <a:rPr lang="en-US" altLang="ko-KR" dirty="0"/>
+              <a:t>1</a:t>
+            </a:r>
+            <a:endParaRPr lang="ko-KR" altLang="en-US" dirty="0"/>
+          </a:p>
+        </p:txBody>
+      </p:sp>
+      <p:sp>
+        <p:nvSpPr>
+          <p:cNvPr id="16" name="사각형: 둥근 모서리 15">
+            <a:extLst>
+              <a:ext uri="{FF2B5EF4-FFF2-40B4-BE49-F238E27FC236}">
+                <a16:creationId xmlns:a16="http://schemas.microsoft.com/office/drawing/2014/main" id="{798C7473-94E6-C641-71C1-0B45B6660003}"/>
+              </a:ext>
+            </a:extLst>
+          </p:cNvPr>
+          <p:cNvSpPr/>
+          <p:nvPr/>
+        </p:nvSpPr>
+        <p:spPr>
+          <a:xfrm>
+            <a:off x="1099127" y="2247320"/>
+            <a:ext cx="3454400" cy="584775"/>
+          </a:xfrm>
+          <a:prstGeom prst="roundRect">
+            <a:avLst/>
+          </a:prstGeom>
+          <a:solidFill>
+            <a:schemeClr val="accent2"/>
+          </a:solidFill>
+          <a:ln>
+            <a:noFill/>
+          </a:ln>
+        </p:spPr>
+        <p:style>
+          <a:lnRef idx="0">
+            <a:scrgbClr r="0" g="0" b="0"/>
+          </a:lnRef>
+          <a:fillRef idx="0">
+            <a:scrgbClr r="0" g="0" b="0"/>
+          </a:fillRef>
+          <a:effectRef idx="0">
+            <a:scrgbClr r="0" g="0" b="0"/>
+          </a:effectRef>
+          <a:fontRef idx="minor">
+            <a:schemeClr val="lt1"/>
+          </a:fontRef>
+        </p:style>
+        <p:txBody>
+          <a:bodyPr rtlCol="0" anchor="ctr"/>
+          <a:lstStyle/>
+          <a:p>
+            <a:pPr algn="ctr"/>
+            <a:r>
+              <a:rPr lang="ko-KR" altLang="en-US" dirty="0"/>
+              <a:t>걱정과 불안</a:t>
+            </a:r>
+          </a:p>
+        </p:txBody>
+      </p:sp>
+      <p:sp>
+        <p:nvSpPr>
+          <p:cNvPr id="17" name="TextBox 16">
+            <a:extLst>
+              <a:ext uri="{FF2B5EF4-FFF2-40B4-BE49-F238E27FC236}">
+                <a16:creationId xmlns:a16="http://schemas.microsoft.com/office/drawing/2014/main" id="{33E8DF03-6D7B-2C9F-7622-06CDC3958A41}"/>
+              </a:ext>
+            </a:extLst>
+          </p:cNvPr>
+          <p:cNvSpPr txBox="1"/>
+          <p:nvPr/>
+        </p:nvSpPr>
+        <p:spPr>
+          <a:xfrm>
+            <a:off x="831272" y="2989112"/>
+            <a:ext cx="4054764" cy="3139321"/>
+          </a:xfrm>
+          <a:prstGeom prst="rect">
+            <a:avLst/>
+          </a:prstGeom>
+          <a:noFill/>
+        </p:spPr>
+        <p:txBody>
+          <a:bodyPr wrap="square" rtlCol="0">
+            <a:spAutoFit/>
+          </a:bodyPr>
+          <a:lstStyle/>
+          <a:p>
+            <a:pPr marL="342900" indent="-342900">
+              <a:buAutoNum type="arabicPeriod"/>
+            </a:pPr>
+            <a:r>
+              <a:rPr lang="ko-KR" altLang="en-US" dirty="0">
+                <a:solidFill>
+                  <a:schemeClr val="tx1"/>
+                </a:solidFill>
+              </a:rPr>
+              <a:t>재정적인 걱정과 부담</a:t>
+            </a:r>
+            <a:endParaRPr lang="en-US" altLang="ko-KR" dirty="0">
+              <a:solidFill>
+                <a:schemeClr val="tx1"/>
+              </a:solidFill>
+            </a:endParaRPr>
+          </a:p>
+          <a:p>
+            <a:pPr marL="342900" indent="-342900">
+              <a:buAutoNum type="arabicPeriod"/>
+            </a:pPr>
+            <a:r>
+              <a:rPr lang="ko-KR" altLang="en-US" dirty="0">
+                <a:solidFill>
+                  <a:schemeClr val="tx1"/>
+                </a:solidFill>
+              </a:rPr>
+              <a:t>영어에 대한 걱정</a:t>
+            </a:r>
+            <a:endParaRPr lang="en-US" altLang="ko-KR" dirty="0">
+              <a:solidFill>
+                <a:schemeClr val="tx1"/>
+              </a:solidFill>
+            </a:endParaRPr>
+          </a:p>
+          <a:p>
+            <a:pPr marL="342900" indent="-342900">
+              <a:buAutoNum type="arabicPeriod"/>
+            </a:pPr>
+            <a:r>
+              <a:rPr lang="ko-KR" altLang="en-US" dirty="0">
+                <a:solidFill>
+                  <a:schemeClr val="tx1"/>
+                </a:solidFill>
+              </a:rPr>
+              <a:t>벌레는 많을까</a:t>
+            </a:r>
+            <a:r>
+              <a:rPr lang="en-US" altLang="ko-KR" dirty="0">
+                <a:solidFill>
+                  <a:schemeClr val="tx1"/>
+                </a:solidFill>
+              </a:rPr>
+              <a:t>..?</a:t>
+            </a:r>
+          </a:p>
+          <a:p>
+            <a:pPr marL="342900" indent="-342900">
+              <a:buAutoNum type="arabicPeriod"/>
+            </a:pPr>
+            <a:r>
+              <a:rPr lang="ko-KR" altLang="en-US" dirty="0">
+                <a:solidFill>
+                  <a:schemeClr val="tx1"/>
+                </a:solidFill>
+              </a:rPr>
+              <a:t>나는 피부가 예민한데</a:t>
+            </a:r>
+            <a:r>
+              <a:rPr lang="en-US" altLang="ko-KR" dirty="0">
+                <a:solidFill>
+                  <a:schemeClr val="tx1"/>
+                </a:solidFill>
+              </a:rPr>
+              <a:t>..</a:t>
+            </a:r>
+          </a:p>
+          <a:p>
+            <a:pPr marL="342900" indent="-342900">
+              <a:buAutoNum type="arabicPeriod"/>
+            </a:pPr>
+            <a:r>
+              <a:rPr lang="ko-KR" altLang="en-US" dirty="0">
+                <a:solidFill>
+                  <a:schemeClr val="tx1"/>
+                </a:solidFill>
+              </a:rPr>
+              <a:t>나는 아직 </a:t>
+            </a:r>
+            <a:r>
+              <a:rPr lang="en-US" altLang="ko-KR" dirty="0">
+                <a:solidFill>
+                  <a:schemeClr val="tx1"/>
+                </a:solidFill>
+              </a:rPr>
+              <a:t>IVF</a:t>
+            </a:r>
+            <a:r>
+              <a:rPr lang="ko-KR" altLang="en-US" dirty="0">
+                <a:solidFill>
+                  <a:schemeClr val="tx1"/>
+                </a:solidFill>
+              </a:rPr>
+              <a:t>가 </a:t>
+            </a:r>
+            <a:r>
+              <a:rPr lang="ko-KR" altLang="en-US" dirty="0" err="1">
+                <a:solidFill>
+                  <a:schemeClr val="tx1"/>
+                </a:solidFill>
+              </a:rPr>
+              <a:t>뭔지</a:t>
+            </a:r>
+            <a:r>
+              <a:rPr lang="ko-KR" altLang="en-US" dirty="0">
+                <a:solidFill>
+                  <a:schemeClr val="tx1"/>
+                </a:solidFill>
+              </a:rPr>
+              <a:t> 잘 모르는데</a:t>
+            </a:r>
+            <a:r>
+              <a:rPr lang="en-US" altLang="ko-KR" dirty="0">
+                <a:solidFill>
+                  <a:schemeClr val="tx1"/>
+                </a:solidFill>
+              </a:rPr>
+              <a:t>..</a:t>
+            </a:r>
+            <a:r>
+              <a:rPr lang="en-US" altLang="ko-KR" dirty="0"/>
+              <a:t> </a:t>
+            </a:r>
+            <a:r>
+              <a:rPr lang="ko-KR" altLang="en-US" dirty="0"/>
+              <a:t>이런 거 잘 할 수 있을까</a:t>
+            </a:r>
+            <a:r>
+              <a:rPr lang="en-US" altLang="ko-KR" dirty="0"/>
+              <a:t>?</a:t>
+            </a:r>
+          </a:p>
+          <a:p>
+            <a:pPr marL="342900" indent="-342900">
+              <a:buAutoNum type="arabicPeriod"/>
+            </a:pPr>
+            <a:r>
+              <a:rPr lang="ko-KR" altLang="en-US" dirty="0">
+                <a:solidFill>
+                  <a:schemeClr val="tx1"/>
+                </a:solidFill>
+              </a:rPr>
+              <a:t>필리핀 친구들이 한국에 오면 내가 잘 섬길 수 있을까</a:t>
+            </a:r>
+            <a:r>
+              <a:rPr lang="en-US" altLang="ko-KR" dirty="0">
+                <a:solidFill>
+                  <a:schemeClr val="tx1"/>
+                </a:solidFill>
+              </a:rPr>
+              <a:t>?</a:t>
+            </a:r>
+          </a:p>
+          <a:p>
+            <a:pPr marL="342900" indent="-342900">
+              <a:buAutoNum type="arabicPeriod"/>
+            </a:pPr>
+            <a:r>
+              <a:rPr lang="ko-KR" altLang="en-US" dirty="0">
+                <a:solidFill>
+                  <a:schemeClr val="tx1"/>
+                </a:solidFill>
+              </a:rPr>
+              <a:t>외국인과 친구가 될 수 있을까</a:t>
+            </a:r>
+            <a:r>
+              <a:rPr lang="en-US" altLang="ko-KR" dirty="0">
+                <a:solidFill>
+                  <a:schemeClr val="tx1"/>
+                </a:solidFill>
+              </a:rPr>
+              <a:t>?</a:t>
+            </a:r>
+          </a:p>
+          <a:p>
+            <a:pPr marL="342900" indent="-342900">
+              <a:buAutoNum type="arabicPeriod"/>
+            </a:pPr>
+            <a:r>
+              <a:rPr lang="ko-KR" altLang="en-US" dirty="0">
+                <a:solidFill>
+                  <a:schemeClr val="tx1"/>
+                </a:solidFill>
+              </a:rPr>
+              <a:t>덥지는 않을까</a:t>
+            </a:r>
+            <a:r>
+              <a:rPr lang="en-US" altLang="ko-KR" dirty="0">
+                <a:solidFill>
+                  <a:schemeClr val="tx1"/>
+                </a:solidFill>
+              </a:rPr>
+              <a:t>…</a:t>
+            </a:r>
+          </a:p>
+          <a:p>
+            <a:r>
+              <a:rPr lang="ko-KR" altLang="en-US" dirty="0">
+                <a:solidFill>
+                  <a:schemeClr val="tx1"/>
+                </a:solidFill>
+              </a:rPr>
+              <a:t>기타 등등</a:t>
+            </a:r>
+            <a:endParaRPr lang="en-US" altLang="ko-KR" dirty="0">
+              <a:solidFill>
+                <a:schemeClr val="tx1"/>
+              </a:solidFill>
+            </a:endParaRPr>
+          </a:p>
+        </p:txBody>
+      </p:sp>
+      <p:sp>
+        <p:nvSpPr>
+          <p:cNvPr id="18" name="직사각형 17">
+            <a:extLst>
+              <a:ext uri="{FF2B5EF4-FFF2-40B4-BE49-F238E27FC236}">
+                <a16:creationId xmlns:a16="http://schemas.microsoft.com/office/drawing/2014/main" id="{DEBF21E5-4395-BD9E-4828-BFAF35893E23}"/>
+              </a:ext>
+            </a:extLst>
+          </p:cNvPr>
+          <p:cNvSpPr/>
+          <p:nvPr/>
+        </p:nvSpPr>
+        <p:spPr>
+          <a:xfrm>
+            <a:off x="6363854" y="1838035"/>
+            <a:ext cx="4378037" cy="4498109"/>
+          </a:xfrm>
+          <a:prstGeom prst="rect">
+            <a:avLst/>
+          </a:prstGeom>
+          <a:solidFill>
+            <a:schemeClr val="accent6">
+              <a:alpha val="50000"/>
+            </a:schemeClr>
+          </a:solidFill>
+          <a:ln>
+            <a:noFill/>
+          </a:ln>
+        </p:spPr>
+        <p:style>
+          <a:lnRef idx="0">
+            <a:scrgbClr r="0" g="0" b="0"/>
+          </a:lnRef>
+          <a:fillRef idx="0">
+            <a:scrgbClr r="0" g="0" b="0"/>
+          </a:fillRef>
+          <a:effectRef idx="0">
+            <a:scrgbClr r="0" g="0" b="0"/>
+          </a:effectRef>
+          <a:fontRef idx="minor">
+            <a:schemeClr val="lt1"/>
+          </a:fontRef>
+        </p:style>
+        <p:txBody>
+          <a:bodyPr rtlCol="0" anchor="ctr"/>
+          <a:lstStyle/>
+          <a:p>
+            <a:pPr algn="ctr"/>
+            <a:endParaRPr lang="ko-KR" altLang="en-US"/>
+          </a:p>
+        </p:txBody>
+      </p:sp>
+      <p:sp>
+        <p:nvSpPr>
+          <p:cNvPr id="19" name="타원 18">
+            <a:extLst>
+              <a:ext uri="{FF2B5EF4-FFF2-40B4-BE49-F238E27FC236}">
+                <a16:creationId xmlns:a16="http://schemas.microsoft.com/office/drawing/2014/main" id="{9FAE60FE-E7C8-C015-9B8B-05E632F5754B}"/>
+              </a:ext>
+            </a:extLst>
+          </p:cNvPr>
+          <p:cNvSpPr/>
+          <p:nvPr/>
+        </p:nvSpPr>
+        <p:spPr>
+          <a:xfrm>
+            <a:off x="6096000" y="1499175"/>
+            <a:ext cx="748145" cy="748145"/>
+          </a:xfrm>
+          <a:prstGeom prst="ellipse">
+            <a:avLst/>
+          </a:prstGeom>
+          <a:gradFill flip="none" rotWithShape="1">
+            <a:gsLst>
+              <a:gs pos="0">
+                <a:schemeClr val="accent6">
+                  <a:lumMod val="67000"/>
+                </a:schemeClr>
+              </a:gs>
+              <a:gs pos="48000">
+                <a:schemeClr val="accent6">
+                  <a:lumMod val="97000"/>
+                  <a:lumOff val="3000"/>
+                </a:schemeClr>
+              </a:gs>
+              <a:gs pos="100000">
+                <a:schemeClr val="accent6">
+                  <a:lumMod val="60000"/>
+                  <a:lumOff val="40000"/>
+                </a:schemeClr>
+              </a:gs>
+            </a:gsLst>
+            <a:lin ang="16200000" scaled="1"/>
+            <a:tileRect/>
+          </a:gradFill>
+          <a:ln>
+            <a:noFill/>
+          </a:ln>
+        </p:spPr>
+        <p:style>
+          <a:lnRef idx="0">
+            <a:scrgbClr r="0" g="0" b="0"/>
+          </a:lnRef>
+          <a:fillRef idx="0">
+            <a:scrgbClr r="0" g="0" b="0"/>
+          </a:fillRef>
+          <a:effectRef idx="0">
+            <a:scrgbClr r="0" g="0" b="0"/>
+          </a:effectRef>
+          <a:fontRef idx="minor">
+            <a:schemeClr val="lt1"/>
+          </a:fontRef>
+        </p:style>
+        <p:txBody>
+          <a:bodyPr rtlCol="0" anchor="ctr"/>
+          <a:lstStyle/>
+          <a:p>
+            <a:pPr algn="ctr"/>
+            <a:r>
+              <a:rPr lang="en-US" altLang="ko-KR" dirty="0"/>
+              <a:t>2</a:t>
+            </a:r>
+            <a:endParaRPr lang="ko-KR" altLang="en-US" dirty="0"/>
+          </a:p>
+        </p:txBody>
+      </p:sp>
+      <p:sp>
+        <p:nvSpPr>
+          <p:cNvPr id="20" name="사각형: 둥근 모서리 19">
+            <a:extLst>
+              <a:ext uri="{FF2B5EF4-FFF2-40B4-BE49-F238E27FC236}">
+                <a16:creationId xmlns:a16="http://schemas.microsoft.com/office/drawing/2014/main" id="{9ED5F01D-9F2C-9EA6-C2BF-C84557BAEE38}"/>
+              </a:ext>
+            </a:extLst>
+          </p:cNvPr>
+          <p:cNvSpPr/>
+          <p:nvPr/>
+        </p:nvSpPr>
+        <p:spPr>
+          <a:xfrm>
+            <a:off x="6844145" y="2247320"/>
+            <a:ext cx="3454400" cy="584775"/>
+          </a:xfrm>
+          <a:prstGeom prst="roundRect">
+            <a:avLst/>
+          </a:prstGeom>
+          <a:solidFill>
+            <a:schemeClr val="accent6"/>
+          </a:solidFill>
+          <a:ln>
+            <a:noFill/>
+          </a:ln>
+        </p:spPr>
+        <p:style>
+          <a:lnRef idx="0">
+            <a:scrgbClr r="0" g="0" b="0"/>
+          </a:lnRef>
+          <a:fillRef idx="0">
+            <a:scrgbClr r="0" g="0" b="0"/>
+          </a:fillRef>
+          <a:effectRef idx="0">
+            <a:scrgbClr r="0" g="0" b="0"/>
+          </a:effectRef>
+          <a:fontRef idx="minor">
+            <a:schemeClr val="lt1"/>
+          </a:fontRef>
+        </p:style>
+        <p:txBody>
+          <a:bodyPr rtlCol="0" anchor="ctr"/>
+          <a:lstStyle/>
+          <a:p>
+            <a:pPr algn="ctr"/>
+            <a:r>
+              <a:rPr lang="ko-KR" altLang="en-US" dirty="0"/>
+              <a:t>기대</a:t>
+            </a:r>
+          </a:p>
+        </p:txBody>
+      </p:sp>
+      <p:sp>
+        <p:nvSpPr>
+          <p:cNvPr id="21" name="TextBox 20">
+            <a:extLst>
+              <a:ext uri="{FF2B5EF4-FFF2-40B4-BE49-F238E27FC236}">
+                <a16:creationId xmlns:a16="http://schemas.microsoft.com/office/drawing/2014/main" id="{7B4DCB24-7C0C-0786-7626-1B2DEB0B099E}"/>
+              </a:ext>
+            </a:extLst>
+          </p:cNvPr>
+          <p:cNvSpPr txBox="1"/>
+          <p:nvPr/>
+        </p:nvSpPr>
+        <p:spPr>
+          <a:xfrm>
+            <a:off x="6576290" y="2989112"/>
+            <a:ext cx="4054764" cy="1754326"/>
+          </a:xfrm>
+          <a:prstGeom prst="rect">
+            <a:avLst/>
+          </a:prstGeom>
+          <a:noFill/>
+        </p:spPr>
+        <p:txBody>
+          <a:bodyPr wrap="square" rtlCol="0">
+            <a:spAutoFit/>
+          </a:bodyPr>
+          <a:lstStyle/>
+          <a:p>
+            <a:pPr marL="342900" indent="-342900">
+              <a:buAutoNum type="arabicPeriod"/>
+            </a:pPr>
+            <a:r>
+              <a:rPr lang="ko-KR" altLang="en-US" dirty="0">
+                <a:solidFill>
+                  <a:schemeClr val="tx1"/>
+                </a:solidFill>
+              </a:rPr>
+              <a:t>믿음의 동역자들을 사귈 수 있기를</a:t>
+            </a:r>
+            <a:r>
+              <a:rPr lang="en-US" altLang="ko-KR" dirty="0">
+                <a:solidFill>
+                  <a:schemeClr val="tx1"/>
+                </a:solidFill>
+              </a:rPr>
+              <a:t>!</a:t>
+            </a:r>
+          </a:p>
+          <a:p>
+            <a:pPr marL="342900" indent="-342900">
+              <a:buAutoNum type="arabicPeriod"/>
+            </a:pPr>
+            <a:r>
+              <a:rPr lang="ko-KR" altLang="en-US" dirty="0">
+                <a:solidFill>
+                  <a:schemeClr val="tx1"/>
+                </a:solidFill>
+              </a:rPr>
+              <a:t>하나님과의 관계가 회복되기를</a:t>
+            </a:r>
+            <a:r>
+              <a:rPr lang="en-US" altLang="ko-KR" dirty="0">
+                <a:solidFill>
+                  <a:schemeClr val="tx1"/>
+                </a:solidFill>
+              </a:rPr>
+              <a:t>!</a:t>
+            </a:r>
+          </a:p>
+          <a:p>
+            <a:pPr marL="342900" indent="-342900">
+              <a:buAutoNum type="arabicPeriod"/>
+            </a:pPr>
+            <a:r>
+              <a:rPr lang="ko-KR" altLang="en-US" dirty="0">
+                <a:solidFill>
+                  <a:schemeClr val="tx1"/>
+                </a:solidFill>
+              </a:rPr>
+              <a:t>더 넓은 세상을 볼 수 있기를</a:t>
+            </a:r>
+            <a:r>
+              <a:rPr lang="en-US" altLang="ko-KR" dirty="0">
+                <a:solidFill>
+                  <a:schemeClr val="tx1"/>
+                </a:solidFill>
+              </a:rPr>
+              <a:t>!</a:t>
+            </a:r>
+          </a:p>
+          <a:p>
+            <a:pPr marL="342900" indent="-342900">
+              <a:buAutoNum type="arabicPeriod"/>
+            </a:pPr>
+            <a:r>
+              <a:rPr lang="en-US" altLang="ko-KR" dirty="0"/>
+              <a:t>UNIST IVF </a:t>
+            </a:r>
+            <a:r>
+              <a:rPr lang="ko-KR" altLang="en-US" dirty="0"/>
+              <a:t>친구들과 친해질 수 있기를</a:t>
+            </a:r>
+            <a:r>
+              <a:rPr lang="en-US" altLang="ko-KR" dirty="0"/>
+              <a:t>!</a:t>
+            </a:r>
+            <a:endParaRPr lang="en-US" altLang="ko-KR" dirty="0">
+              <a:solidFill>
+                <a:schemeClr val="tx1"/>
+              </a:solidFill>
+            </a:endParaRPr>
+          </a:p>
+          <a:p>
+            <a:r>
+              <a:rPr lang="ko-KR" altLang="en-US" dirty="0">
+                <a:solidFill>
+                  <a:schemeClr val="tx1"/>
+                </a:solidFill>
+              </a:rPr>
+              <a:t>등등</a:t>
+            </a:r>
+            <a:r>
+              <a:rPr lang="en-US" altLang="ko-KR" dirty="0">
+                <a:solidFill>
+                  <a:schemeClr val="tx1"/>
+                </a:solidFill>
+              </a:rPr>
+              <a:t>..</a:t>
+            </a:r>
+          </a:p>
+        </p:txBody>
+      </p:sp>
+    </p:spTree>
+    <p:extLst>
+      <p:ext uri="{BB962C8B-B14F-4D97-AF65-F5344CB8AC3E}">
+        <p14:creationId xmlns:p14="http://schemas.microsoft.com/office/powerpoint/2010/main" val="1636677431"/>
+      </p:ext>
+    </p:extLst>
+  </p:cSld>
+  <p:clrMapOvr>
+    <a:masterClrMapping/>
+  </p:clrMapOvr>
+</p:sld>
+</file>
+
+<file path=ppt/slides/slide12.xml><?xml version="1.0" encoding="utf-8"?>
+<p:sld xmlns:a="http://schemas.openxmlformats.org/drawingml/2006/main" xmlns:r="http://schemas.openxmlformats.org/officeDocument/2006/relationships" xmlns:p="http://schemas.openxmlformats.org/presentationml/2006/main">
+  <p:cSld>
+    <p:spTree>
+      <p:nvGrpSpPr>
+        <p:cNvPr id="1" name="">
+          <a:extLst>
+            <a:ext uri="{FF2B5EF4-FFF2-40B4-BE49-F238E27FC236}">
+              <a16:creationId xmlns:a16="http://schemas.microsoft.com/office/drawing/2014/main" id="{6ED269D1-C683-DEA7-C754-47D57F3A2DB0}"/>
+            </a:ext>
+          </a:extLst>
+        </p:cNvPr>
+        <p:cNvGrpSpPr/>
+        <p:nvPr/>
+      </p:nvGrpSpPr>
+      <p:grpSpPr>
+        <a:xfrm>
+          <a:off x="0" y="0"/>
+          <a:ext cx="0" cy="0"/>
+          <a:chOff x="0" y="0"/>
+          <a:chExt cx="0" cy="0"/>
+        </a:xfrm>
+      </p:grpSpPr>
+      <p:sp>
+        <p:nvSpPr>
+          <p:cNvPr id="2" name="TextBox 1">
+            <a:extLst>
+              <a:ext uri="{FF2B5EF4-FFF2-40B4-BE49-F238E27FC236}">
+                <a16:creationId xmlns:a16="http://schemas.microsoft.com/office/drawing/2014/main" id="{ECF8F96A-2E4B-23B5-8C34-C00F46A5CCE0}"/>
+              </a:ext>
+            </a:extLst>
+          </p:cNvPr>
+          <p:cNvSpPr txBox="1"/>
+          <p:nvPr/>
+        </p:nvSpPr>
+        <p:spPr>
+          <a:xfrm>
+            <a:off x="350982" y="350982"/>
+            <a:ext cx="4014240" cy="1077218"/>
+          </a:xfrm>
+          <a:prstGeom prst="rect">
+            <a:avLst/>
+          </a:prstGeom>
+          <a:noFill/>
+        </p:spPr>
+        <p:txBody>
+          <a:bodyPr wrap="none" rtlCol="0">
+            <a:spAutoFit/>
+          </a:bodyPr>
+          <a:lstStyle/>
+          <a:p>
+            <a:r>
+              <a:rPr lang="ko-KR" altLang="en-US" sz="3200" dirty="0">
+                <a:latin typeface="HY견고딕" panose="02030600000101010101" pitchFamily="18" charset="-127"/>
+                <a:ea typeface="HY견고딕" panose="02030600000101010101" pitchFamily="18" charset="-127"/>
+              </a:rPr>
+              <a:t>기도편지 작성해보기</a:t>
+            </a:r>
+            <a:endParaRPr lang="en-US" altLang="ko-KR" sz="3200" dirty="0">
+              <a:latin typeface="HY견고딕" panose="02030600000101010101" pitchFamily="18" charset="-127"/>
+              <a:ea typeface="HY견고딕" panose="02030600000101010101" pitchFamily="18" charset="-127"/>
+            </a:endParaRPr>
+          </a:p>
+          <a:p>
+            <a:r>
+              <a:rPr lang="en-US" altLang="ko-KR" sz="3200" dirty="0">
+                <a:latin typeface="HY견고딕" panose="02030600000101010101" pitchFamily="18" charset="-127"/>
+                <a:ea typeface="HY견고딕" panose="02030600000101010101" pitchFamily="18" charset="-127"/>
+              </a:rPr>
+              <a:t>(3) </a:t>
+            </a:r>
+            <a:r>
+              <a:rPr lang="ko-KR" altLang="en-US" sz="3200" dirty="0">
+                <a:latin typeface="HY견고딕" panose="02030600000101010101" pitchFamily="18" charset="-127"/>
+                <a:ea typeface="HY견고딕" panose="02030600000101010101" pitchFamily="18" charset="-127"/>
+              </a:rPr>
+              <a:t>질문에 답해보기</a:t>
+            </a:r>
+          </a:p>
+        </p:txBody>
+      </p:sp>
+      <p:sp>
+        <p:nvSpPr>
+          <p:cNvPr id="3" name="TextBox 2">
+            <a:extLst>
+              <a:ext uri="{FF2B5EF4-FFF2-40B4-BE49-F238E27FC236}">
+                <a16:creationId xmlns:a16="http://schemas.microsoft.com/office/drawing/2014/main" id="{C7243DED-F74D-549F-1A41-D49B49C18418}"/>
+              </a:ext>
+            </a:extLst>
+          </p:cNvPr>
+          <p:cNvSpPr txBox="1"/>
+          <p:nvPr/>
+        </p:nvSpPr>
+        <p:spPr>
+          <a:xfrm>
+            <a:off x="858416" y="2062065"/>
+            <a:ext cx="7731604" cy="1477328"/>
+          </a:xfrm>
+          <a:prstGeom prst="rect">
+            <a:avLst/>
+          </a:prstGeom>
+          <a:noFill/>
+        </p:spPr>
+        <p:txBody>
+          <a:bodyPr wrap="none" rtlCol="0">
+            <a:spAutoFit/>
+          </a:bodyPr>
+          <a:lstStyle/>
+          <a:p>
+            <a:pPr marL="342900" indent="-342900">
+              <a:buAutoNum type="arabicPeriod"/>
+            </a:pPr>
+            <a:r>
+              <a:rPr lang="ko-KR" altLang="en-US" dirty="0"/>
+              <a:t>나는 왜 이 소그룹에 들어왔는가</a:t>
+            </a:r>
+            <a:r>
+              <a:rPr lang="en-US" altLang="ko-KR" dirty="0"/>
+              <a:t>?</a:t>
+            </a:r>
+          </a:p>
+          <a:p>
+            <a:pPr marL="342900" indent="-342900">
+              <a:buAutoNum type="arabicPeriod"/>
+            </a:pPr>
+            <a:endParaRPr lang="en-US" altLang="ko-KR" dirty="0"/>
+          </a:p>
+          <a:p>
+            <a:pPr marL="342900" indent="-342900">
+              <a:buAutoNum type="arabicPeriod"/>
+            </a:pPr>
+            <a:r>
+              <a:rPr lang="ko-KR" altLang="en-US" dirty="0"/>
+              <a:t>이 기회를 통해 나는 무엇을 배우고</a:t>
+            </a:r>
+            <a:r>
+              <a:rPr lang="en-US" altLang="ko-KR" dirty="0"/>
+              <a:t>/</a:t>
+            </a:r>
+            <a:r>
+              <a:rPr lang="ko-KR" altLang="en-US" dirty="0"/>
+              <a:t>경험하고 싶은가</a:t>
+            </a:r>
+            <a:r>
+              <a:rPr lang="en-US" altLang="ko-KR" dirty="0"/>
+              <a:t>?</a:t>
+            </a:r>
+          </a:p>
+          <a:p>
+            <a:pPr marL="342900" indent="-342900">
+              <a:buAutoNum type="arabicPeriod"/>
+            </a:pPr>
+            <a:endParaRPr lang="en-US" altLang="ko-KR" dirty="0"/>
+          </a:p>
+          <a:p>
+            <a:pPr marL="342900" indent="-342900">
+              <a:buAutoNum type="arabicPeriod"/>
+            </a:pPr>
+            <a:r>
+              <a:rPr lang="ko-KR" altLang="en-US" dirty="0"/>
+              <a:t>이 소그룹을 진행하며</a:t>
+            </a:r>
+            <a:r>
+              <a:rPr lang="en-US" altLang="ko-KR" dirty="0"/>
+              <a:t>… </a:t>
+            </a:r>
+            <a:r>
+              <a:rPr lang="ko-KR" altLang="en-US" dirty="0"/>
+              <a:t>나의 기도제목이 있다면</a:t>
+            </a:r>
+            <a:r>
+              <a:rPr lang="en-US" altLang="ko-KR" dirty="0"/>
+              <a:t>? (4</a:t>
+            </a:r>
+            <a:r>
+              <a:rPr lang="ko-KR" altLang="en-US" dirty="0"/>
+              <a:t>개 이상 적어보기</a:t>
+            </a:r>
+            <a:r>
+              <a:rPr lang="en-US" altLang="ko-KR" dirty="0"/>
+              <a:t>)</a:t>
+            </a:r>
+            <a:endParaRPr lang="ko-KR" altLang="en-US" dirty="0"/>
+          </a:p>
+        </p:txBody>
+      </p:sp>
+    </p:spTree>
+    <p:extLst>
+      <p:ext uri="{BB962C8B-B14F-4D97-AF65-F5344CB8AC3E}">
+        <p14:creationId xmlns:p14="http://schemas.microsoft.com/office/powerpoint/2010/main" val="1353795660"/>
+      </p:ext>
+    </p:extLst>
+  </p:cSld>
+  <p:clrMapOvr>
+    <a:masterClrMapping/>
+  </p:clrMapOvr>
+</p:sld>
+</file>
+
+<file path=ppt/slides/slide13.xml><?xml version="1.0" encoding="utf-8"?>
+<p:sld xmlns:a="http://schemas.openxmlformats.org/drawingml/2006/main" xmlns:r="http://schemas.openxmlformats.org/officeDocument/2006/relationships" xmlns:p="http://schemas.openxmlformats.org/presentationml/2006/main">
+  <p:cSld>
+    <p:spTree>
+      <p:nvGrpSpPr>
+        <p:cNvPr id="1" name="">
+          <a:extLst>
+            <a:ext uri="{FF2B5EF4-FFF2-40B4-BE49-F238E27FC236}">
+              <a16:creationId xmlns:a16="http://schemas.microsoft.com/office/drawing/2014/main" id="{B7F0408B-3EFC-800B-B2DF-2B3386B371D0}"/>
+            </a:ext>
+          </a:extLst>
+        </p:cNvPr>
+        <p:cNvGrpSpPr/>
+        <p:nvPr/>
+      </p:nvGrpSpPr>
+      <p:grpSpPr>
+        <a:xfrm>
+          <a:off x="0" y="0"/>
+          <a:ext cx="0" cy="0"/>
+          <a:chOff x="0" y="0"/>
+          <a:chExt cx="0" cy="0"/>
+        </a:xfrm>
+      </p:grpSpPr>
+      <p:sp>
+        <p:nvSpPr>
+          <p:cNvPr id="2" name="TextBox 1">
+            <a:extLst>
+              <a:ext uri="{FF2B5EF4-FFF2-40B4-BE49-F238E27FC236}">
+                <a16:creationId xmlns:a16="http://schemas.microsoft.com/office/drawing/2014/main" id="{A133B294-52E3-1BEF-A035-BEAEF0E61EE3}"/>
+              </a:ext>
+            </a:extLst>
+          </p:cNvPr>
+          <p:cNvSpPr txBox="1"/>
+          <p:nvPr/>
+        </p:nvSpPr>
+        <p:spPr>
+          <a:xfrm>
+            <a:off x="350982" y="350982"/>
+            <a:ext cx="4782078" cy="1077218"/>
+          </a:xfrm>
+          <a:prstGeom prst="rect">
+            <a:avLst/>
+          </a:prstGeom>
+          <a:noFill/>
+        </p:spPr>
+        <p:txBody>
+          <a:bodyPr wrap="none" rtlCol="0">
+            <a:spAutoFit/>
+          </a:bodyPr>
+          <a:lstStyle/>
+          <a:p>
+            <a:r>
+              <a:rPr lang="ko-KR" altLang="en-US" sz="3200" dirty="0">
+                <a:latin typeface="HY견고딕" panose="02030600000101010101" pitchFamily="18" charset="-127"/>
+                <a:ea typeface="HY견고딕" panose="02030600000101010101" pitchFamily="18" charset="-127"/>
+              </a:rPr>
+              <a:t>기도편지 작성해보기</a:t>
+            </a:r>
+            <a:endParaRPr lang="en-US" altLang="ko-KR" sz="3200" dirty="0">
+              <a:latin typeface="HY견고딕" panose="02030600000101010101" pitchFamily="18" charset="-127"/>
+              <a:ea typeface="HY견고딕" panose="02030600000101010101" pitchFamily="18" charset="-127"/>
+            </a:endParaRPr>
+          </a:p>
+          <a:p>
+            <a:r>
+              <a:rPr lang="en-US" altLang="ko-KR" sz="3200" dirty="0">
+                <a:latin typeface="HY견고딕" panose="02030600000101010101" pitchFamily="18" charset="-127"/>
+                <a:ea typeface="HY견고딕" panose="02030600000101010101" pitchFamily="18" charset="-127"/>
+              </a:rPr>
+              <a:t>(4) </a:t>
+            </a:r>
+            <a:r>
+              <a:rPr lang="ko-KR" altLang="en-US" sz="3200" dirty="0">
+                <a:latin typeface="HY견고딕" panose="02030600000101010101" pitchFamily="18" charset="-127"/>
+                <a:ea typeface="HY견고딕" panose="02030600000101010101" pitchFamily="18" charset="-127"/>
+              </a:rPr>
+              <a:t>기도편지 작성해보기</a:t>
+            </a:r>
+          </a:p>
+        </p:txBody>
+      </p:sp>
+      <p:pic>
+        <p:nvPicPr>
+          <p:cNvPr id="5" name="그림 4" descr="텍스트, 스크린샷, 폰트, 디자인이(가) 표시된 사진&#10;&#10;AI가 생성한 콘텐츠는 부정확할 수 있습니다.">
+            <a:extLst>
+              <a:ext uri="{FF2B5EF4-FFF2-40B4-BE49-F238E27FC236}">
+                <a16:creationId xmlns:a16="http://schemas.microsoft.com/office/drawing/2014/main" id="{97176707-D030-3074-B849-0CD50E3D62FF}"/>
+              </a:ext>
+            </a:extLst>
+          </p:cNvPr>
+          <p:cNvPicPr>
+            <a:picLocks noChangeAspect="1"/>
+          </p:cNvPicPr>
+          <p:nvPr/>
+        </p:nvPicPr>
+        <p:blipFill>
+          <a:blip r:embed="rId2">
+            <a:extLst>
+              <a:ext uri="{28A0092B-C50C-407E-A947-70E740481C1C}">
+                <a14:useLocalDpi xmlns:a14="http://schemas.microsoft.com/office/drawing/2010/main" val="0"/>
+              </a:ext>
+            </a:extLst>
+          </a:blip>
+          <a:srcRect l="34362" t="25170" r="4949" b="13470"/>
+          <a:stretch/>
+        </p:blipFill>
+        <p:spPr>
+          <a:xfrm>
+            <a:off x="8451397" y="0"/>
+            <a:ext cx="3740603" cy="2127380"/>
+          </a:xfrm>
+          <a:prstGeom prst="rect">
+            <a:avLst/>
+          </a:prstGeom>
+        </p:spPr>
+      </p:pic>
+      <p:sp>
+        <p:nvSpPr>
+          <p:cNvPr id="6" name="TextBox 5">
+            <a:extLst>
+              <a:ext uri="{FF2B5EF4-FFF2-40B4-BE49-F238E27FC236}">
+                <a16:creationId xmlns:a16="http://schemas.microsoft.com/office/drawing/2014/main" id="{59C142C3-B298-2D5C-E917-70F8BF627210}"/>
+              </a:ext>
+            </a:extLst>
+          </p:cNvPr>
+          <p:cNvSpPr txBox="1"/>
+          <p:nvPr/>
+        </p:nvSpPr>
+        <p:spPr>
+          <a:xfrm>
+            <a:off x="4777273" y="2004311"/>
+            <a:ext cx="4606686" cy="4832092"/>
+          </a:xfrm>
+          <a:prstGeom prst="rect">
+            <a:avLst/>
+          </a:prstGeom>
+          <a:noFill/>
+        </p:spPr>
+        <p:txBody>
+          <a:bodyPr wrap="square" rtlCol="0">
+            <a:spAutoFit/>
+          </a:bodyPr>
+          <a:lstStyle/>
+          <a:p>
+            <a:r>
+              <a:rPr lang="ko-KR" altLang="en-US" sz="1400" dirty="0"/>
+              <a:t>안녕하세요</a:t>
+            </a:r>
+            <a:r>
+              <a:rPr lang="en-US" altLang="ko-KR" sz="1400" dirty="0"/>
+              <a:t>,</a:t>
+            </a:r>
+          </a:p>
+          <a:p>
+            <a:endParaRPr lang="en-US" altLang="ko-KR" sz="1400" dirty="0"/>
+          </a:p>
+          <a:p>
+            <a:r>
+              <a:rPr lang="ko-KR" altLang="en-US" sz="1400" dirty="0"/>
+              <a:t>이번에 </a:t>
+            </a:r>
+            <a:r>
+              <a:rPr lang="en-US" altLang="ko-KR" sz="1400" dirty="0"/>
+              <a:t>2023 IFES World Assembly</a:t>
+            </a:r>
+            <a:r>
+              <a:rPr lang="ko-KR" altLang="en-US" sz="1400" dirty="0"/>
+              <a:t>에 한국 참여자로 참여하게 된 박승빈입니다</a:t>
+            </a:r>
+            <a:r>
+              <a:rPr lang="en-US" altLang="ko-KR" sz="1400" dirty="0"/>
+              <a:t>.</a:t>
+            </a:r>
+          </a:p>
+          <a:p>
+            <a:endParaRPr lang="en-US" altLang="ko-KR" sz="1400" dirty="0"/>
+          </a:p>
+          <a:p>
+            <a:r>
+              <a:rPr lang="ko-KR" altLang="en-US" sz="1400" dirty="0"/>
+              <a:t>한국 </a:t>
+            </a:r>
+            <a:r>
+              <a:rPr lang="en-US" altLang="ko-KR" sz="1400" dirty="0"/>
+              <a:t>IVF</a:t>
+            </a:r>
+            <a:r>
+              <a:rPr lang="ko-KR" altLang="en-US" sz="1400" dirty="0"/>
+              <a:t>는 </a:t>
+            </a:r>
+            <a:r>
+              <a:rPr lang="en-US" altLang="ko-KR" sz="1400" dirty="0"/>
+              <a:t>IFES(</a:t>
+            </a:r>
+            <a:r>
+              <a:rPr lang="ko-KR" altLang="en-US" sz="1400" dirty="0"/>
+              <a:t>국제 복음주의 학생회</a:t>
+            </a:r>
+            <a:r>
+              <a:rPr lang="en-US" altLang="ko-KR" sz="1400" dirty="0"/>
+              <a:t>)</a:t>
+            </a:r>
+            <a:r>
+              <a:rPr lang="ko-KR" altLang="en-US" sz="1400" dirty="0"/>
+              <a:t>에 소속된 단체로</a:t>
+            </a:r>
+            <a:r>
+              <a:rPr lang="en-US" altLang="ko-KR" sz="1400" dirty="0"/>
+              <a:t>, </a:t>
+            </a:r>
+            <a:r>
+              <a:rPr lang="ko-KR" altLang="en-US" sz="1400" dirty="0"/>
+              <a:t>전 세계 </a:t>
+            </a:r>
+            <a:r>
+              <a:rPr lang="en-US" altLang="ko-KR" sz="1400" dirty="0"/>
+              <a:t>IFES</a:t>
+            </a:r>
+            <a:r>
+              <a:rPr lang="ko-KR" altLang="en-US" sz="1400" dirty="0"/>
+              <a:t>와 연합하여 교류하고 있습니다</a:t>
+            </a:r>
+            <a:r>
+              <a:rPr lang="en-US" altLang="ko-KR" sz="1400" dirty="0"/>
+              <a:t>. IFES</a:t>
+            </a:r>
+            <a:r>
+              <a:rPr lang="ko-KR" altLang="en-US" sz="1400" dirty="0"/>
+              <a:t>에서는 </a:t>
+            </a:r>
+            <a:r>
+              <a:rPr lang="en-US" altLang="ko-KR" sz="1400" dirty="0"/>
+              <a:t>4</a:t>
+            </a:r>
+            <a:r>
+              <a:rPr lang="ko-KR" altLang="en-US" sz="1400" dirty="0"/>
+              <a:t>년에 한 번씩 전 세계 </a:t>
+            </a:r>
+            <a:r>
+              <a:rPr lang="en-US" altLang="ko-KR" sz="1400" dirty="0"/>
+              <a:t>IFES</a:t>
+            </a:r>
+            <a:r>
+              <a:rPr lang="ko-KR" altLang="en-US" sz="1400" dirty="0"/>
+              <a:t>가 함께 모이는 대회가 열리는데</a:t>
+            </a:r>
+            <a:r>
+              <a:rPr lang="en-US" altLang="ko-KR" sz="1400" dirty="0"/>
+              <a:t>, </a:t>
+            </a:r>
+            <a:r>
+              <a:rPr lang="ko-KR" altLang="en-US" sz="1400" dirty="0"/>
+              <a:t>저는 </a:t>
+            </a:r>
+            <a:r>
+              <a:rPr lang="en-US" altLang="ko-KR" sz="1400" dirty="0"/>
+              <a:t>UNIST IVF</a:t>
+            </a:r>
+            <a:r>
+              <a:rPr lang="ko-KR" altLang="en-US" sz="1400" dirty="0"/>
+              <a:t>에서 활동하며 이번에 열리는 </a:t>
+            </a:r>
+            <a:r>
+              <a:rPr lang="en-US" altLang="ko-KR" sz="1400" dirty="0"/>
+              <a:t>2023 World Assembly(</a:t>
+            </a:r>
+            <a:r>
+              <a:rPr lang="ko-KR" altLang="en-US" sz="1400" dirty="0"/>
+              <a:t>세계 총회</a:t>
+            </a:r>
+            <a:r>
+              <a:rPr lang="en-US" altLang="ko-KR" sz="1400" dirty="0"/>
+              <a:t>)</a:t>
+            </a:r>
+            <a:r>
+              <a:rPr lang="ko-KR" altLang="en-US" sz="1400" dirty="0"/>
+              <a:t>에 대한민국 학생 대표로 참여하게 되었습니다</a:t>
+            </a:r>
+            <a:r>
+              <a:rPr lang="en-US" altLang="ko-KR" sz="1400" dirty="0"/>
+              <a:t>.</a:t>
+            </a:r>
+          </a:p>
+          <a:p>
+            <a:endParaRPr lang="en-US" altLang="ko-KR" sz="1400" dirty="0"/>
+          </a:p>
+          <a:p>
+            <a:r>
+              <a:rPr lang="ko-KR" altLang="en-US" sz="1400" dirty="0"/>
+              <a:t>이번 </a:t>
+            </a:r>
+            <a:r>
+              <a:rPr lang="en-US" altLang="ko-KR" sz="1400" dirty="0"/>
+              <a:t>2023 World Assembly </a:t>
+            </a:r>
+            <a:r>
+              <a:rPr lang="ko-KR" altLang="en-US" sz="1400" dirty="0"/>
+              <a:t>대회에 대한민국에서는 간사 </a:t>
+            </a:r>
+            <a:r>
+              <a:rPr lang="en-US" altLang="ko-KR" sz="1400" dirty="0"/>
+              <a:t>4</a:t>
+            </a:r>
+            <a:r>
+              <a:rPr lang="ko-KR" altLang="en-US" sz="1400" dirty="0"/>
+              <a:t>명</a:t>
+            </a:r>
+            <a:r>
+              <a:rPr lang="en-US" altLang="ko-KR" sz="1400" dirty="0"/>
+              <a:t>, </a:t>
+            </a:r>
+            <a:r>
+              <a:rPr lang="ko-KR" altLang="en-US" sz="1400" dirty="0"/>
+              <a:t>학생 </a:t>
+            </a:r>
+            <a:r>
+              <a:rPr lang="en-US" altLang="ko-KR" sz="1400" dirty="0"/>
+              <a:t>6</a:t>
+            </a:r>
+            <a:r>
+              <a:rPr lang="ko-KR" altLang="en-US" sz="1400" dirty="0"/>
+              <a:t>명이 참석합니다</a:t>
+            </a:r>
+            <a:r>
+              <a:rPr lang="en-US" altLang="ko-KR" sz="1400" dirty="0"/>
+              <a:t>. </a:t>
+            </a:r>
+            <a:r>
+              <a:rPr lang="ko-KR" altLang="en-US" sz="1400" dirty="0"/>
+              <a:t>대회 일정 이외에도 사전 모임</a:t>
+            </a:r>
+            <a:r>
+              <a:rPr lang="en-US" altLang="ko-KR" sz="1400" dirty="0"/>
+              <a:t>, </a:t>
+            </a:r>
+            <a:r>
+              <a:rPr lang="ko-KR" altLang="en-US" sz="1400" dirty="0"/>
+              <a:t>여행 일정을 포함하여 약 </a:t>
+            </a:r>
+            <a:r>
+              <a:rPr lang="en-US" altLang="ko-KR" sz="1400" dirty="0"/>
+              <a:t>6</a:t>
+            </a:r>
+            <a:r>
+              <a:rPr lang="ko-KR" altLang="en-US" sz="1400" dirty="0"/>
+              <a:t>주간 함께합니다</a:t>
+            </a:r>
+            <a:r>
+              <a:rPr lang="en-US" altLang="ko-KR" sz="1400" dirty="0"/>
+              <a:t>. </a:t>
+            </a:r>
+            <a:r>
+              <a:rPr lang="ko-KR" altLang="en-US" sz="1400" dirty="0"/>
+              <a:t>전 세계에서 모인 청년들과 예배하고 교제하며 </a:t>
+            </a:r>
+            <a:r>
+              <a:rPr lang="ko-KR" altLang="en-US" sz="1400" dirty="0" err="1"/>
+              <a:t>한국뿐만</a:t>
+            </a:r>
+            <a:r>
+              <a:rPr lang="ko-KR" altLang="en-US" sz="1400" dirty="0"/>
+              <a:t> 아니라 전 세계 대학을 향한 하나님의 사랑과 일하심을 발견하고 느낄 수 있는 시간이 되기를 기대합니다</a:t>
+            </a:r>
+            <a:r>
+              <a:rPr lang="en-US" altLang="ko-KR" sz="1400" dirty="0"/>
+              <a:t>.</a:t>
+            </a:r>
+          </a:p>
+          <a:p>
+            <a:endParaRPr lang="en-US" altLang="ko-KR" sz="1400" dirty="0"/>
+          </a:p>
+          <a:p>
+            <a:r>
+              <a:rPr lang="ko-KR" altLang="en-US" sz="1400" dirty="0"/>
+              <a:t>기도와 재정으로 함께해 주시면 감사하겠습니다</a:t>
+            </a:r>
+            <a:r>
+              <a:rPr lang="en-US" altLang="ko-KR" sz="1400" dirty="0"/>
+              <a:t>.</a:t>
+            </a:r>
+          </a:p>
+          <a:p>
+            <a:endParaRPr lang="en-US" altLang="ko-KR" sz="1400" dirty="0"/>
+          </a:p>
+          <a:p>
+            <a:r>
+              <a:rPr lang="en-US" altLang="ko-KR" sz="1400" dirty="0"/>
+              <a:t>UNIST IVF </a:t>
+            </a:r>
+            <a:r>
+              <a:rPr lang="ko-KR" altLang="en-US" sz="1400" dirty="0"/>
+              <a:t>박승빈 드림</a:t>
+            </a:r>
+            <a:r>
+              <a:rPr lang="en-US" altLang="ko-KR" sz="1400" dirty="0"/>
+              <a:t>.</a:t>
+            </a:r>
+            <a:endParaRPr lang="ko-KR" altLang="en-US" sz="1400" dirty="0"/>
+          </a:p>
+        </p:txBody>
+      </p:sp>
+      <p:sp>
+        <p:nvSpPr>
+          <p:cNvPr id="7" name="TextBox 6">
+            <a:extLst>
+              <a:ext uri="{FF2B5EF4-FFF2-40B4-BE49-F238E27FC236}">
+                <a16:creationId xmlns:a16="http://schemas.microsoft.com/office/drawing/2014/main" id="{F6C183B4-1556-D69C-E336-6B959681E4AF}"/>
+              </a:ext>
+            </a:extLst>
+          </p:cNvPr>
+          <p:cNvSpPr txBox="1"/>
+          <p:nvPr/>
+        </p:nvSpPr>
+        <p:spPr>
+          <a:xfrm>
+            <a:off x="9787812" y="2133346"/>
+            <a:ext cx="2404188" cy="2893100"/>
+          </a:xfrm>
+          <a:prstGeom prst="rect">
+            <a:avLst/>
+          </a:prstGeom>
+          <a:noFill/>
+        </p:spPr>
+        <p:txBody>
+          <a:bodyPr wrap="square" rtlCol="0">
+            <a:spAutoFit/>
+          </a:bodyPr>
+          <a:lstStyle/>
+          <a:p>
+            <a:r>
+              <a:rPr lang="ko-KR" altLang="en-US" sz="1400" dirty="0"/>
+              <a:t>일정</a:t>
+            </a:r>
+            <a:r>
+              <a:rPr lang="en-US" altLang="ko-KR" sz="1400" dirty="0"/>
+              <a:t>, </a:t>
+            </a:r>
+            <a:r>
+              <a:rPr lang="ko-KR" altLang="en-US" sz="1400" dirty="0"/>
+              <a:t>장소</a:t>
+            </a:r>
+            <a:r>
+              <a:rPr lang="en-US" altLang="ko-KR" sz="1400" dirty="0"/>
+              <a:t>, </a:t>
+            </a:r>
+            <a:r>
+              <a:rPr lang="ko-KR" altLang="en-US" sz="1400" dirty="0"/>
+              <a:t>연락처</a:t>
+            </a:r>
+            <a:endParaRPr lang="en-US" altLang="ko-KR" sz="1400" dirty="0"/>
+          </a:p>
+          <a:p>
+            <a:r>
+              <a:rPr lang="ko-KR" altLang="en-US" sz="1400" dirty="0"/>
+              <a:t>후원계좌</a:t>
+            </a:r>
+            <a:r>
+              <a:rPr lang="en-US" altLang="ko-KR" sz="1400" dirty="0"/>
+              <a:t>, </a:t>
+            </a:r>
+            <a:r>
+              <a:rPr lang="ko-KR" altLang="en-US" sz="1400" dirty="0"/>
+              <a:t>모금액</a:t>
+            </a:r>
+            <a:endParaRPr lang="en-US" altLang="ko-KR" sz="1400" dirty="0"/>
+          </a:p>
+          <a:p>
+            <a:endParaRPr lang="en-US" altLang="ko-KR" sz="1400" dirty="0"/>
+          </a:p>
+          <a:p>
+            <a:r>
+              <a:rPr lang="ko-KR" altLang="en-US" sz="1400" dirty="0"/>
+              <a:t>기도제목</a:t>
+            </a:r>
+            <a:endParaRPr lang="en-US" altLang="ko-KR" sz="1400" dirty="0"/>
+          </a:p>
+          <a:p>
+            <a:pPr marL="342900" indent="-342900">
+              <a:buAutoNum type="arabicPeriod"/>
+            </a:pPr>
+            <a:r>
+              <a:rPr lang="en-US" altLang="ko-KR" sz="1400" dirty="0"/>
+              <a:t>…</a:t>
+            </a:r>
+          </a:p>
+          <a:p>
+            <a:pPr marL="342900" indent="-342900">
+              <a:buAutoNum type="arabicPeriod"/>
+            </a:pPr>
+            <a:r>
+              <a:rPr lang="en-US" altLang="ko-KR" sz="1400" dirty="0"/>
+              <a:t>…</a:t>
+            </a:r>
+          </a:p>
+          <a:p>
+            <a:pPr marL="342900" indent="-342900">
+              <a:buAutoNum type="arabicPeriod"/>
+            </a:pPr>
+            <a:r>
+              <a:rPr lang="en-US" altLang="ko-KR" sz="1400" dirty="0"/>
+              <a:t>…</a:t>
+            </a:r>
+          </a:p>
+          <a:p>
+            <a:pPr marL="342900" indent="-342900">
+              <a:buAutoNum type="arabicPeriod"/>
+            </a:pPr>
+            <a:r>
+              <a:rPr lang="en-US" altLang="ko-KR" sz="1400" dirty="0"/>
+              <a:t>…</a:t>
+            </a:r>
+          </a:p>
+          <a:p>
+            <a:pPr marL="342900" indent="-342900">
+              <a:buAutoNum type="arabicPeriod"/>
+            </a:pPr>
+            <a:r>
+              <a:rPr lang="en-US" altLang="ko-KR" sz="1400" dirty="0"/>
+              <a:t>…</a:t>
+            </a:r>
+          </a:p>
+          <a:p>
+            <a:pPr marL="342900" indent="-342900">
+              <a:buAutoNum type="arabicPeriod"/>
+            </a:pPr>
+            <a:r>
+              <a:rPr lang="en-US" altLang="ko-KR" sz="1400" dirty="0"/>
+              <a:t>…</a:t>
+            </a:r>
+          </a:p>
+          <a:p>
+            <a:pPr marL="342900" indent="-342900">
+              <a:buAutoNum type="arabicPeriod"/>
+            </a:pPr>
+            <a:r>
+              <a:rPr lang="en-US" altLang="ko-KR" sz="1400" dirty="0"/>
+              <a:t>…</a:t>
+            </a:r>
+          </a:p>
+          <a:p>
+            <a:pPr marL="342900" indent="-342900">
+              <a:buAutoNum type="arabicPeriod"/>
+            </a:pPr>
+            <a:endParaRPr lang="en-US" altLang="ko-KR" sz="1400" dirty="0"/>
+          </a:p>
+          <a:p>
+            <a:r>
+              <a:rPr lang="ko-KR" altLang="en-US" sz="1400" dirty="0"/>
+              <a:t>기도해 주셔서 감사합니다</a:t>
+            </a:r>
+            <a:r>
+              <a:rPr lang="en-US" altLang="ko-KR" sz="1400" dirty="0"/>
+              <a:t>.</a:t>
+            </a:r>
+            <a:endParaRPr lang="ko-KR" altLang="en-US" sz="1400" dirty="0"/>
+          </a:p>
+        </p:txBody>
+      </p:sp>
+      <p:pic>
+        <p:nvPicPr>
+          <p:cNvPr id="8" name="그림 7" descr="텍스트, 스크린샷, 폰트, 디자인이(가) 표시된 사진&#10;&#10;AI가 생성한 콘텐츠는 부정확할 수 있습니다.">
+            <a:extLst>
+              <a:ext uri="{FF2B5EF4-FFF2-40B4-BE49-F238E27FC236}">
+                <a16:creationId xmlns:a16="http://schemas.microsoft.com/office/drawing/2014/main" id="{8A58BD8B-36BB-54AA-EBB6-00B5B06B5F58}"/>
+              </a:ext>
+            </a:extLst>
+          </p:cNvPr>
+          <p:cNvPicPr>
+            <a:picLocks noChangeAspect="1"/>
+          </p:cNvPicPr>
+          <p:nvPr/>
+        </p:nvPicPr>
+        <p:blipFill>
+          <a:blip r:embed="rId2">
+            <a:extLst>
+              <a:ext uri="{28A0092B-C50C-407E-A947-70E740481C1C}">
+                <a14:useLocalDpi xmlns:a14="http://schemas.microsoft.com/office/drawing/2010/main" val="0"/>
+              </a:ext>
+            </a:extLst>
+          </a:blip>
+          <a:srcRect l="2829" t="25170" r="65946" b="13470"/>
+          <a:stretch/>
+        </p:blipFill>
+        <p:spPr>
+          <a:xfrm>
+            <a:off x="170587" y="1586204"/>
+            <a:ext cx="4606686" cy="5092195"/>
+          </a:xfrm>
+          <a:prstGeom prst="rect">
+            <a:avLst/>
+          </a:prstGeom>
+        </p:spPr>
+      </p:pic>
+      <p:sp>
+        <p:nvSpPr>
+          <p:cNvPr id="10" name="TextBox 9">
+            <a:extLst>
+              <a:ext uri="{FF2B5EF4-FFF2-40B4-BE49-F238E27FC236}">
+                <a16:creationId xmlns:a16="http://schemas.microsoft.com/office/drawing/2014/main" id="{2ED128B3-9ADF-493B-80E9-F8BFFA1FD2CF}"/>
+              </a:ext>
+            </a:extLst>
+          </p:cNvPr>
+          <p:cNvSpPr txBox="1"/>
+          <p:nvPr/>
+        </p:nvSpPr>
+        <p:spPr>
+          <a:xfrm>
+            <a:off x="6096000" y="1428200"/>
+            <a:ext cx="787395" cy="369332"/>
+          </a:xfrm>
+          <a:prstGeom prst="rect">
+            <a:avLst/>
+          </a:prstGeom>
+          <a:noFill/>
+        </p:spPr>
+        <p:txBody>
+          <a:bodyPr wrap="none" rtlCol="0">
+            <a:spAutoFit/>
+          </a:bodyPr>
+          <a:lstStyle/>
+          <a:p>
+            <a:r>
+              <a:rPr lang="en-US" altLang="ko-KR" dirty="0"/>
+              <a:t>(</a:t>
+            </a:r>
+            <a:r>
+              <a:rPr lang="ko-KR" altLang="en-US" dirty="0"/>
+              <a:t>예시</a:t>
+            </a:r>
+            <a:r>
+              <a:rPr lang="en-US" altLang="ko-KR" dirty="0"/>
+              <a:t>)</a:t>
+            </a:r>
+            <a:endParaRPr lang="ko-KR" altLang="en-US" dirty="0"/>
+          </a:p>
+        </p:txBody>
+      </p:sp>
+      <p:sp>
+        <p:nvSpPr>
+          <p:cNvPr id="11" name="TextBox 10">
+            <a:extLst>
+              <a:ext uri="{FF2B5EF4-FFF2-40B4-BE49-F238E27FC236}">
+                <a16:creationId xmlns:a16="http://schemas.microsoft.com/office/drawing/2014/main" id="{3868EE15-AA9A-1FA4-922A-53507D735341}"/>
+              </a:ext>
+            </a:extLst>
+          </p:cNvPr>
+          <p:cNvSpPr txBox="1"/>
+          <p:nvPr/>
+        </p:nvSpPr>
+        <p:spPr>
+          <a:xfrm>
+            <a:off x="5307687" y="300748"/>
+            <a:ext cx="2969083" cy="923330"/>
+          </a:xfrm>
+          <a:prstGeom prst="rect">
+            <a:avLst/>
+          </a:prstGeom>
+          <a:noFill/>
+          <a:ln>
+            <a:solidFill>
+              <a:schemeClr val="accent1"/>
+            </a:solidFill>
+          </a:ln>
+        </p:spPr>
+        <p:txBody>
+          <a:bodyPr wrap="none" rtlCol="0">
+            <a:spAutoFit/>
+          </a:bodyPr>
+          <a:lstStyle/>
+          <a:p>
+            <a:r>
+              <a:rPr lang="ko-KR" altLang="en-US" dirty="0"/>
+              <a:t>재정적인 부담이 있다면</a:t>
+            </a:r>
+            <a:endParaRPr lang="en-US" altLang="ko-KR" dirty="0"/>
+          </a:p>
+          <a:p>
+            <a:r>
+              <a:rPr lang="ko-KR" altLang="en-US" dirty="0"/>
+              <a:t>재정 후원을 부탁하는 것도</a:t>
+            </a:r>
+            <a:endParaRPr lang="en-US" altLang="ko-KR" dirty="0"/>
+          </a:p>
+          <a:p>
+            <a:r>
+              <a:rPr lang="ko-KR" altLang="en-US" dirty="0"/>
+              <a:t>좋은 방법입니다</a:t>
+            </a:r>
+            <a:r>
+              <a:rPr lang="en-US" altLang="ko-KR" dirty="0"/>
+              <a:t>.</a:t>
+            </a:r>
+            <a:endParaRPr lang="ko-KR" altLang="en-US" dirty="0"/>
+          </a:p>
+        </p:txBody>
+      </p:sp>
+    </p:spTree>
+    <p:extLst>
+      <p:ext uri="{BB962C8B-B14F-4D97-AF65-F5344CB8AC3E}">
+        <p14:creationId xmlns:p14="http://schemas.microsoft.com/office/powerpoint/2010/main" val="3613234086"/>
+      </p:ext>
+    </p:extLst>
+  </p:cSld>
+  <p:clrMapOvr>
+    <a:masterClrMapping/>
+  </p:clrMapOvr>
+</p:sld>
+</file>
+
+<file path=ppt/slides/slide14.xml><?xml version="1.0" encoding="utf-8"?>
+<p:sld xmlns:a="http://schemas.openxmlformats.org/drawingml/2006/main" xmlns:r="http://schemas.openxmlformats.org/officeDocument/2006/relationships" xmlns:p="http://schemas.openxmlformats.org/presentationml/2006/main">
+  <p:cSld>
+    <p:spTree>
+      <p:nvGrpSpPr>
+        <p:cNvPr id="1" name="">
+          <a:extLst>
+            <a:ext uri="{FF2B5EF4-FFF2-40B4-BE49-F238E27FC236}">
+              <a16:creationId xmlns:a16="http://schemas.microsoft.com/office/drawing/2014/main" id="{F657D6BC-A85D-A6A2-4004-5D95324F5CE7}"/>
+            </a:ext>
+          </a:extLst>
+        </p:cNvPr>
+        <p:cNvGrpSpPr/>
+        <p:nvPr/>
+      </p:nvGrpSpPr>
+      <p:grpSpPr>
+        <a:xfrm>
+          <a:off x="0" y="0"/>
+          <a:ext cx="0" cy="0"/>
+          <a:chOff x="0" y="0"/>
+          <a:chExt cx="0" cy="0"/>
+        </a:xfrm>
+      </p:grpSpPr>
+      <p:sp>
+        <p:nvSpPr>
+          <p:cNvPr id="2" name="TextBox 1">
+            <a:extLst>
+              <a:ext uri="{FF2B5EF4-FFF2-40B4-BE49-F238E27FC236}">
+                <a16:creationId xmlns:a16="http://schemas.microsoft.com/office/drawing/2014/main" id="{E4F0F482-72F3-8E14-2F54-B13C8F80C626}"/>
+              </a:ext>
+            </a:extLst>
+          </p:cNvPr>
+          <p:cNvSpPr txBox="1"/>
+          <p:nvPr/>
+        </p:nvSpPr>
+        <p:spPr>
+          <a:xfrm>
+            <a:off x="350982" y="350982"/>
+            <a:ext cx="4782078" cy="1077218"/>
+          </a:xfrm>
+          <a:prstGeom prst="rect">
+            <a:avLst/>
+          </a:prstGeom>
+          <a:noFill/>
+        </p:spPr>
+        <p:txBody>
+          <a:bodyPr wrap="none" rtlCol="0">
+            <a:spAutoFit/>
+          </a:bodyPr>
+          <a:lstStyle/>
+          <a:p>
+            <a:r>
+              <a:rPr lang="ko-KR" altLang="en-US" sz="3200" dirty="0">
+                <a:latin typeface="HY견고딕" panose="02030600000101010101" pitchFamily="18" charset="-127"/>
+                <a:ea typeface="HY견고딕" panose="02030600000101010101" pitchFamily="18" charset="-127"/>
+              </a:rPr>
+              <a:t>기도편지 작성해보기</a:t>
+            </a:r>
+            <a:endParaRPr lang="en-US" altLang="ko-KR" sz="3200" dirty="0">
+              <a:latin typeface="HY견고딕" panose="02030600000101010101" pitchFamily="18" charset="-127"/>
+              <a:ea typeface="HY견고딕" panose="02030600000101010101" pitchFamily="18" charset="-127"/>
+            </a:endParaRPr>
+          </a:p>
+          <a:p>
+            <a:r>
+              <a:rPr lang="en-US" altLang="ko-KR" sz="3200" dirty="0">
+                <a:latin typeface="HY견고딕" panose="02030600000101010101" pitchFamily="18" charset="-127"/>
+                <a:ea typeface="HY견고딕" panose="02030600000101010101" pitchFamily="18" charset="-127"/>
+              </a:rPr>
+              <a:t>(5) </a:t>
+            </a:r>
+            <a:r>
+              <a:rPr lang="ko-KR" altLang="en-US" sz="3200" dirty="0">
+                <a:latin typeface="HY견고딕" panose="02030600000101010101" pitchFamily="18" charset="-127"/>
+                <a:ea typeface="HY견고딕" panose="02030600000101010101" pitchFamily="18" charset="-127"/>
+              </a:rPr>
+              <a:t>기도편지 공유해보기</a:t>
+            </a:r>
+          </a:p>
+        </p:txBody>
+      </p:sp>
+      <p:sp>
+        <p:nvSpPr>
+          <p:cNvPr id="3" name="TextBox 2">
+            <a:extLst>
+              <a:ext uri="{FF2B5EF4-FFF2-40B4-BE49-F238E27FC236}">
+                <a16:creationId xmlns:a16="http://schemas.microsoft.com/office/drawing/2014/main" id="{62AB0D6A-E3D5-E1C3-F4EF-7A1E06BE8043}"/>
+              </a:ext>
+            </a:extLst>
+          </p:cNvPr>
+          <p:cNvSpPr txBox="1"/>
+          <p:nvPr/>
+        </p:nvSpPr>
+        <p:spPr>
+          <a:xfrm>
+            <a:off x="350982" y="1922107"/>
+            <a:ext cx="2015295" cy="584775"/>
+          </a:xfrm>
+          <a:prstGeom prst="rect">
+            <a:avLst/>
+          </a:prstGeom>
+          <a:noFill/>
+        </p:spPr>
+        <p:txBody>
+          <a:bodyPr wrap="none" rtlCol="0">
+            <a:spAutoFit/>
+          </a:bodyPr>
+          <a:lstStyle/>
+          <a:p>
+            <a:r>
+              <a:rPr lang="ko-KR" altLang="en-US" sz="3200" dirty="0"/>
+              <a:t>누구에게</a:t>
+            </a:r>
+            <a:r>
+              <a:rPr lang="en-US" altLang="ko-KR" sz="3200" dirty="0"/>
+              <a:t>?</a:t>
+            </a:r>
+            <a:endParaRPr lang="ko-KR" altLang="en-US" sz="3200" dirty="0"/>
+          </a:p>
+        </p:txBody>
+      </p:sp>
+      <p:sp>
+        <p:nvSpPr>
+          <p:cNvPr id="9" name="직사각형 8">
+            <a:extLst>
+              <a:ext uri="{FF2B5EF4-FFF2-40B4-BE49-F238E27FC236}">
+                <a16:creationId xmlns:a16="http://schemas.microsoft.com/office/drawing/2014/main" id="{2306C8E7-390F-0C1A-C795-DDBD474B4A72}"/>
+              </a:ext>
+            </a:extLst>
+          </p:cNvPr>
+          <p:cNvSpPr/>
+          <p:nvPr/>
+        </p:nvSpPr>
+        <p:spPr>
+          <a:xfrm>
+            <a:off x="618836" y="3000790"/>
+            <a:ext cx="4378037" cy="2224354"/>
+          </a:xfrm>
+          <a:prstGeom prst="rect">
+            <a:avLst/>
+          </a:prstGeom>
+          <a:solidFill>
+            <a:schemeClr val="accent2">
+              <a:alpha val="50000"/>
+            </a:schemeClr>
+          </a:solidFill>
+          <a:ln>
+            <a:noFill/>
+          </a:ln>
+        </p:spPr>
+        <p:style>
+          <a:lnRef idx="0">
+            <a:scrgbClr r="0" g="0" b="0"/>
+          </a:lnRef>
+          <a:fillRef idx="0">
+            <a:scrgbClr r="0" g="0" b="0"/>
+          </a:fillRef>
+          <a:effectRef idx="0">
+            <a:scrgbClr r="0" g="0" b="0"/>
+          </a:effectRef>
+          <a:fontRef idx="minor">
+            <a:schemeClr val="lt1"/>
+          </a:fontRef>
+        </p:style>
+        <p:txBody>
+          <a:bodyPr rtlCol="0" anchor="ctr"/>
+          <a:lstStyle/>
+          <a:p>
+            <a:pPr algn="ctr"/>
+            <a:r>
+              <a:rPr lang="en-US" altLang="ko-KR" dirty="0">
+                <a:solidFill>
+                  <a:schemeClr val="tx1"/>
+                </a:solidFill>
+              </a:rPr>
+              <a:t>(</a:t>
+            </a:r>
+            <a:r>
+              <a:rPr lang="ko-KR" altLang="en-US" dirty="0">
+                <a:solidFill>
+                  <a:schemeClr val="tx1"/>
+                </a:solidFill>
+              </a:rPr>
+              <a:t>예시</a:t>
+            </a:r>
+            <a:r>
+              <a:rPr lang="en-US" altLang="ko-KR" dirty="0">
+                <a:solidFill>
+                  <a:schemeClr val="tx1"/>
+                </a:solidFill>
+              </a:rPr>
+              <a:t>)</a:t>
+            </a:r>
+          </a:p>
+          <a:p>
+            <a:pPr algn="ctr"/>
+            <a:r>
+              <a:rPr lang="ko-KR" altLang="en-US" dirty="0">
+                <a:solidFill>
+                  <a:schemeClr val="tx1"/>
+                </a:solidFill>
+              </a:rPr>
+              <a:t>가족</a:t>
+            </a:r>
+            <a:endParaRPr lang="en-US" altLang="ko-KR" dirty="0">
+              <a:solidFill>
+                <a:schemeClr val="tx1"/>
+              </a:solidFill>
+            </a:endParaRPr>
+          </a:p>
+          <a:p>
+            <a:pPr algn="ctr"/>
+            <a:r>
+              <a:rPr lang="en-US" altLang="ko-KR" dirty="0">
+                <a:solidFill>
+                  <a:schemeClr val="tx1"/>
+                </a:solidFill>
+              </a:rPr>
+              <a:t>IVF </a:t>
+            </a:r>
+            <a:r>
+              <a:rPr lang="ko-KR" altLang="en-US" dirty="0">
+                <a:solidFill>
+                  <a:schemeClr val="tx1"/>
+                </a:solidFill>
+              </a:rPr>
+              <a:t>친구들</a:t>
+            </a:r>
+            <a:endParaRPr lang="en-US" altLang="ko-KR" dirty="0">
+              <a:solidFill>
+                <a:schemeClr val="tx1"/>
+              </a:solidFill>
+            </a:endParaRPr>
+          </a:p>
+          <a:p>
+            <a:pPr algn="ctr"/>
+            <a:r>
+              <a:rPr lang="ko-KR" altLang="en-US" dirty="0">
+                <a:solidFill>
+                  <a:schemeClr val="tx1"/>
+                </a:solidFill>
+              </a:rPr>
+              <a:t>교회 친구들</a:t>
+            </a:r>
+          </a:p>
+        </p:txBody>
+      </p:sp>
+      <p:sp>
+        <p:nvSpPr>
+          <p:cNvPr id="12" name="사각형: 둥근 모서리 11">
+            <a:extLst>
+              <a:ext uri="{FF2B5EF4-FFF2-40B4-BE49-F238E27FC236}">
+                <a16:creationId xmlns:a16="http://schemas.microsoft.com/office/drawing/2014/main" id="{106CD299-1DFA-ED9B-F7DA-B3D3C7AB5AB4}"/>
+              </a:ext>
+            </a:extLst>
+          </p:cNvPr>
+          <p:cNvSpPr/>
+          <p:nvPr/>
+        </p:nvSpPr>
+        <p:spPr>
+          <a:xfrm>
+            <a:off x="1099127" y="2708401"/>
+            <a:ext cx="3454400" cy="584775"/>
+          </a:xfrm>
+          <a:prstGeom prst="roundRect">
+            <a:avLst/>
+          </a:prstGeom>
+          <a:solidFill>
+            <a:schemeClr val="accent2"/>
+          </a:solidFill>
+          <a:ln>
+            <a:noFill/>
+          </a:ln>
+        </p:spPr>
+        <p:style>
+          <a:lnRef idx="0">
+            <a:scrgbClr r="0" g="0" b="0"/>
+          </a:lnRef>
+          <a:fillRef idx="0">
+            <a:scrgbClr r="0" g="0" b="0"/>
+          </a:fillRef>
+          <a:effectRef idx="0">
+            <a:scrgbClr r="0" g="0" b="0"/>
+          </a:effectRef>
+          <a:fontRef idx="minor">
+            <a:schemeClr val="lt1"/>
+          </a:fontRef>
+        </p:style>
+        <p:txBody>
+          <a:bodyPr rtlCol="0" anchor="ctr"/>
+          <a:lstStyle/>
+          <a:p>
+            <a:pPr algn="ctr"/>
+            <a:r>
+              <a:rPr lang="ko-KR" altLang="en-US" dirty="0"/>
+              <a:t>가깝고 신뢰할 수 있는 사람들</a:t>
+            </a:r>
+          </a:p>
+        </p:txBody>
+      </p:sp>
+      <p:sp>
+        <p:nvSpPr>
+          <p:cNvPr id="13" name="직사각형 12">
+            <a:extLst>
+              <a:ext uri="{FF2B5EF4-FFF2-40B4-BE49-F238E27FC236}">
+                <a16:creationId xmlns:a16="http://schemas.microsoft.com/office/drawing/2014/main" id="{9FD72A57-D7A0-B7E4-180E-AFECDEA79E7A}"/>
+              </a:ext>
+            </a:extLst>
+          </p:cNvPr>
+          <p:cNvSpPr/>
+          <p:nvPr/>
+        </p:nvSpPr>
+        <p:spPr>
+          <a:xfrm>
+            <a:off x="6469130" y="3000790"/>
+            <a:ext cx="4378037" cy="2224354"/>
+          </a:xfrm>
+          <a:prstGeom prst="rect">
+            <a:avLst/>
+          </a:prstGeom>
+          <a:solidFill>
+            <a:schemeClr val="accent2">
+              <a:alpha val="50000"/>
+            </a:schemeClr>
+          </a:solidFill>
+          <a:ln>
+            <a:noFill/>
+          </a:ln>
+        </p:spPr>
+        <p:style>
+          <a:lnRef idx="0">
+            <a:scrgbClr r="0" g="0" b="0"/>
+          </a:lnRef>
+          <a:fillRef idx="0">
+            <a:scrgbClr r="0" g="0" b="0"/>
+          </a:fillRef>
+          <a:effectRef idx="0">
+            <a:scrgbClr r="0" g="0" b="0"/>
+          </a:effectRef>
+          <a:fontRef idx="minor">
+            <a:schemeClr val="lt1"/>
+          </a:fontRef>
+        </p:style>
+        <p:txBody>
+          <a:bodyPr rtlCol="0" anchor="ctr"/>
+          <a:lstStyle/>
+          <a:p>
+            <a:pPr algn="ctr"/>
+            <a:r>
+              <a:rPr lang="en-US" altLang="ko-KR" dirty="0">
+                <a:solidFill>
+                  <a:schemeClr val="tx1"/>
+                </a:solidFill>
+              </a:rPr>
+              <a:t>(</a:t>
+            </a:r>
+            <a:r>
+              <a:rPr lang="ko-KR" altLang="en-US" dirty="0">
+                <a:solidFill>
+                  <a:schemeClr val="tx1"/>
+                </a:solidFill>
+              </a:rPr>
+              <a:t>예시</a:t>
+            </a:r>
+            <a:r>
+              <a:rPr lang="en-US" altLang="ko-KR" dirty="0">
+                <a:solidFill>
+                  <a:schemeClr val="tx1"/>
+                </a:solidFill>
+              </a:rPr>
+              <a:t>)</a:t>
+            </a:r>
+          </a:p>
+          <a:p>
+            <a:pPr algn="ctr"/>
+            <a:r>
+              <a:rPr lang="en-US" altLang="ko-KR" dirty="0">
+                <a:solidFill>
+                  <a:schemeClr val="tx1"/>
+                </a:solidFill>
+              </a:rPr>
+              <a:t>Instagram</a:t>
+            </a:r>
+          </a:p>
+          <a:p>
+            <a:pPr algn="ctr"/>
+            <a:r>
+              <a:rPr lang="en-US" altLang="ko-KR" dirty="0">
+                <a:solidFill>
+                  <a:schemeClr val="tx1"/>
+                </a:solidFill>
+              </a:rPr>
+              <a:t>IVF </a:t>
+            </a:r>
+            <a:r>
+              <a:rPr lang="ko-KR" altLang="en-US" dirty="0">
+                <a:solidFill>
+                  <a:schemeClr val="tx1"/>
+                </a:solidFill>
+              </a:rPr>
+              <a:t>전체 </a:t>
+            </a:r>
+            <a:r>
+              <a:rPr lang="ko-KR" altLang="en-US" dirty="0" err="1">
+                <a:solidFill>
+                  <a:schemeClr val="tx1"/>
+                </a:solidFill>
+              </a:rPr>
+              <a:t>활동방</a:t>
+            </a:r>
+            <a:endParaRPr lang="en-US" altLang="ko-KR" dirty="0">
+              <a:solidFill>
+                <a:schemeClr val="tx1"/>
+              </a:solidFill>
+            </a:endParaRPr>
+          </a:p>
+        </p:txBody>
+      </p:sp>
+      <p:sp>
+        <p:nvSpPr>
+          <p:cNvPr id="14" name="사각형: 둥근 모서리 13">
+            <a:extLst>
+              <a:ext uri="{FF2B5EF4-FFF2-40B4-BE49-F238E27FC236}">
+                <a16:creationId xmlns:a16="http://schemas.microsoft.com/office/drawing/2014/main" id="{847FAAA7-7087-8B54-DCCD-8D391298AB22}"/>
+              </a:ext>
+            </a:extLst>
+          </p:cNvPr>
+          <p:cNvSpPr/>
+          <p:nvPr/>
+        </p:nvSpPr>
+        <p:spPr>
+          <a:xfrm>
+            <a:off x="6949421" y="2708401"/>
+            <a:ext cx="3454400" cy="584775"/>
+          </a:xfrm>
+          <a:prstGeom prst="roundRect">
+            <a:avLst/>
+          </a:prstGeom>
+          <a:solidFill>
+            <a:schemeClr val="accent2"/>
+          </a:solidFill>
+          <a:ln>
+            <a:noFill/>
+          </a:ln>
+        </p:spPr>
+        <p:style>
+          <a:lnRef idx="0">
+            <a:scrgbClr r="0" g="0" b="0"/>
+          </a:lnRef>
+          <a:fillRef idx="0">
+            <a:scrgbClr r="0" g="0" b="0"/>
+          </a:fillRef>
+          <a:effectRef idx="0">
+            <a:scrgbClr r="0" g="0" b="0"/>
+          </a:effectRef>
+          <a:fontRef idx="minor">
+            <a:schemeClr val="lt1"/>
+          </a:fontRef>
+        </p:style>
+        <p:txBody>
+          <a:bodyPr rtlCol="0" anchor="ctr"/>
+          <a:lstStyle/>
+          <a:p>
+            <a:pPr algn="ctr"/>
+            <a:r>
+              <a:rPr lang="ko-KR" altLang="en-US" dirty="0"/>
+              <a:t>불특정 다수</a:t>
+            </a:r>
+          </a:p>
+        </p:txBody>
+      </p:sp>
+      <p:sp>
+        <p:nvSpPr>
+          <p:cNvPr id="15" name="TextBox 14">
+            <a:extLst>
+              <a:ext uri="{FF2B5EF4-FFF2-40B4-BE49-F238E27FC236}">
+                <a16:creationId xmlns:a16="http://schemas.microsoft.com/office/drawing/2014/main" id="{136776D2-1889-9127-1ABA-577AB2DC648B}"/>
+              </a:ext>
+            </a:extLst>
+          </p:cNvPr>
+          <p:cNvSpPr txBox="1"/>
+          <p:nvPr/>
+        </p:nvSpPr>
+        <p:spPr>
+          <a:xfrm>
+            <a:off x="618836" y="5374433"/>
+            <a:ext cx="11208518" cy="923330"/>
+          </a:xfrm>
+          <a:prstGeom prst="rect">
+            <a:avLst/>
+          </a:prstGeom>
+          <a:noFill/>
+        </p:spPr>
+        <p:txBody>
+          <a:bodyPr wrap="none" rtlCol="0">
+            <a:spAutoFit/>
+          </a:bodyPr>
+          <a:lstStyle/>
+          <a:p>
+            <a:pPr marL="342900" indent="-342900">
+              <a:buAutoNum type="arabicPeriod"/>
+            </a:pPr>
+            <a:r>
+              <a:rPr lang="ko-KR" altLang="en-US" dirty="0"/>
+              <a:t>공유하는 것은 자율적으로 하시면 됩니다</a:t>
+            </a:r>
+            <a:r>
+              <a:rPr lang="en-US" altLang="ko-KR" dirty="0"/>
+              <a:t>. (</a:t>
+            </a:r>
+            <a:r>
+              <a:rPr lang="ko-KR" altLang="en-US" dirty="0"/>
+              <a:t>다만</a:t>
+            </a:r>
+            <a:r>
+              <a:rPr lang="en-US" altLang="ko-KR" dirty="0"/>
+              <a:t>, </a:t>
+            </a:r>
+            <a:r>
+              <a:rPr lang="ko-KR" altLang="en-US" dirty="0"/>
+              <a:t>우리 소그룹 안에서는 공유했으면 좋겠습니다</a:t>
+            </a:r>
+            <a:r>
+              <a:rPr lang="en-US" altLang="ko-KR" dirty="0"/>
+              <a:t>.)</a:t>
+            </a:r>
+          </a:p>
+          <a:p>
+            <a:pPr lvl="1"/>
+            <a:r>
+              <a:rPr lang="en-US" altLang="ko-KR" dirty="0"/>
+              <a:t>ex: </a:t>
+            </a:r>
+            <a:r>
+              <a:rPr lang="ko-KR" altLang="en-US" dirty="0" err="1"/>
+              <a:t>가족들한테</a:t>
+            </a:r>
+            <a:r>
+              <a:rPr lang="ko-KR" altLang="en-US" dirty="0"/>
+              <a:t> 기도 부탁하는 것은 편한데</a:t>
+            </a:r>
+            <a:r>
+              <a:rPr lang="en-US" altLang="ko-KR" dirty="0"/>
+              <a:t>, </a:t>
+            </a:r>
+            <a:r>
+              <a:rPr lang="ko-KR" altLang="en-US" dirty="0"/>
+              <a:t>불특정 다수가 볼 수 있는</a:t>
+            </a:r>
+            <a:r>
+              <a:rPr lang="en-US" altLang="ko-KR" dirty="0"/>
+              <a:t> </a:t>
+            </a:r>
+            <a:r>
+              <a:rPr lang="ko-KR" altLang="en-US" dirty="0"/>
+              <a:t>공개적인 곳에 올리는 것은 너무</a:t>
+            </a:r>
+            <a:endParaRPr lang="en-US" altLang="ko-KR" dirty="0"/>
+          </a:p>
+          <a:p>
+            <a:pPr lvl="1"/>
+            <a:r>
+              <a:rPr lang="en-US" altLang="ko-KR" dirty="0"/>
+              <a:t>    </a:t>
+            </a:r>
+            <a:r>
+              <a:rPr lang="ko-KR" altLang="en-US" dirty="0"/>
+              <a:t>많이 부담스럽다</a:t>
+            </a:r>
+            <a:r>
+              <a:rPr lang="en-US" altLang="ko-KR" dirty="0"/>
+              <a:t>..! -&gt; </a:t>
+            </a:r>
+            <a:r>
+              <a:rPr lang="ko-KR" altLang="en-US" dirty="0"/>
+              <a:t>가족한테만 기도 부탁해도 됩니다</a:t>
+            </a:r>
+            <a:r>
+              <a:rPr lang="en-US" altLang="ko-KR" dirty="0"/>
+              <a:t>. </a:t>
+            </a:r>
+          </a:p>
+        </p:txBody>
+      </p:sp>
+      <p:sp>
+        <p:nvSpPr>
+          <p:cNvPr id="16" name="TextBox 15">
+            <a:extLst>
+              <a:ext uri="{FF2B5EF4-FFF2-40B4-BE49-F238E27FC236}">
+                <a16:creationId xmlns:a16="http://schemas.microsoft.com/office/drawing/2014/main" id="{21EFA2F1-B7CA-0D51-7721-35805FD8C17E}"/>
+              </a:ext>
+            </a:extLst>
+          </p:cNvPr>
+          <p:cNvSpPr txBox="1"/>
+          <p:nvPr/>
+        </p:nvSpPr>
+        <p:spPr>
+          <a:xfrm>
+            <a:off x="618836" y="6312532"/>
+            <a:ext cx="7018268" cy="369332"/>
+          </a:xfrm>
+          <a:prstGeom prst="rect">
+            <a:avLst/>
+          </a:prstGeom>
+          <a:noFill/>
+        </p:spPr>
+        <p:txBody>
+          <a:bodyPr wrap="none" rtlCol="0">
+            <a:spAutoFit/>
+          </a:bodyPr>
+          <a:lstStyle/>
+          <a:p>
+            <a:r>
+              <a:rPr lang="en-US" altLang="ko-KR" dirty="0"/>
+              <a:t>2. </a:t>
+            </a:r>
+            <a:r>
+              <a:rPr lang="ko-KR" altLang="en-US" dirty="0"/>
+              <a:t>대상별로 기도편지의 내용을 조금씩 다르게 해서 보내도 됩니다</a:t>
+            </a:r>
+            <a:r>
+              <a:rPr lang="en-US" altLang="ko-KR" dirty="0"/>
+              <a:t>.</a:t>
+            </a:r>
+          </a:p>
+        </p:txBody>
+      </p:sp>
+    </p:spTree>
+    <p:extLst>
+      <p:ext uri="{BB962C8B-B14F-4D97-AF65-F5344CB8AC3E}">
+        <p14:creationId xmlns:p14="http://schemas.microsoft.com/office/powerpoint/2010/main" val="1888112292"/>
+      </p:ext>
+    </p:extLst>
+  </p:cSld>
+  <p:clrMapOvr>
+    <a:masterClrMapping/>
+  </p:clrMapOvr>
+</p:sld>
+</file>
+
+<file path=ppt/slides/slide15.xml><?xml version="1.0" encoding="utf-8"?>
+<p:sld xmlns:a="http://schemas.openxmlformats.org/drawingml/2006/main" xmlns:r="http://schemas.openxmlformats.org/officeDocument/2006/relationships" xmlns:p="http://schemas.openxmlformats.org/presentationml/2006/main">
+  <p:cSld>
+    <p:spTree>
+      <p:nvGrpSpPr>
+        <p:cNvPr id="1" name="">
+          <a:extLst>
+            <a:ext uri="{FF2B5EF4-FFF2-40B4-BE49-F238E27FC236}">
+              <a16:creationId xmlns:a16="http://schemas.microsoft.com/office/drawing/2014/main" id="{6E458C2F-7EFE-3776-AE42-27E085B5B09B}"/>
+            </a:ext>
+          </a:extLst>
+        </p:cNvPr>
+        <p:cNvGrpSpPr/>
+        <p:nvPr/>
+      </p:nvGrpSpPr>
+      <p:grpSpPr>
+        <a:xfrm>
+          <a:off x="0" y="0"/>
+          <a:ext cx="0" cy="0"/>
+          <a:chOff x="0" y="0"/>
+          <a:chExt cx="0" cy="0"/>
+        </a:xfrm>
+      </p:grpSpPr>
+      <p:sp>
+        <p:nvSpPr>
+          <p:cNvPr id="2" name="TextBox 1">
+            <a:extLst>
+              <a:ext uri="{FF2B5EF4-FFF2-40B4-BE49-F238E27FC236}">
+                <a16:creationId xmlns:a16="http://schemas.microsoft.com/office/drawing/2014/main" id="{D847D71B-F135-DCE7-3505-89F3418CC838}"/>
+              </a:ext>
+            </a:extLst>
+          </p:cNvPr>
+          <p:cNvSpPr txBox="1"/>
+          <p:nvPr/>
+        </p:nvSpPr>
+        <p:spPr>
+          <a:xfrm>
+            <a:off x="350982" y="350982"/>
+            <a:ext cx="1005403" cy="584775"/>
+          </a:xfrm>
+          <a:prstGeom prst="rect">
+            <a:avLst/>
+          </a:prstGeom>
+          <a:noFill/>
+        </p:spPr>
+        <p:txBody>
+          <a:bodyPr wrap="none" rtlCol="0">
+            <a:spAutoFit/>
+          </a:bodyPr>
+          <a:lstStyle/>
+          <a:p>
+            <a:r>
+              <a:rPr lang="ko-KR" altLang="en-US" sz="3200" dirty="0">
+                <a:latin typeface="HY견고딕" panose="02030600000101010101" pitchFamily="18" charset="-127"/>
+                <a:ea typeface="HY견고딕" panose="02030600000101010101" pitchFamily="18" charset="-127"/>
+              </a:rPr>
+              <a:t>숙제</a:t>
+            </a:r>
+          </a:p>
+        </p:txBody>
+      </p:sp>
+      <p:pic>
+        <p:nvPicPr>
+          <p:cNvPr id="8" name="그림 7">
+            <a:extLst>
+              <a:ext uri="{FF2B5EF4-FFF2-40B4-BE49-F238E27FC236}">
+                <a16:creationId xmlns:a16="http://schemas.microsoft.com/office/drawing/2014/main" id="{CA78AA15-D483-8CEE-D148-F5CE8E385D1A}"/>
+              </a:ext>
+            </a:extLst>
+          </p:cNvPr>
+          <p:cNvPicPr>
+            <a:picLocks noChangeAspect="1"/>
+          </p:cNvPicPr>
+          <p:nvPr/>
+        </p:nvPicPr>
+        <p:blipFill>
+          <a:blip r:embed="rId2"/>
+          <a:stretch>
+            <a:fillRect/>
+          </a:stretch>
+        </p:blipFill>
+        <p:spPr>
+          <a:xfrm>
+            <a:off x="2375968" y="835358"/>
+            <a:ext cx="7440063" cy="4515480"/>
+          </a:xfrm>
+          <a:prstGeom prst="rect">
+            <a:avLst/>
+          </a:prstGeom>
+        </p:spPr>
+      </p:pic>
+    </p:spTree>
+    <p:extLst>
+      <p:ext uri="{BB962C8B-B14F-4D97-AF65-F5344CB8AC3E}">
+        <p14:creationId xmlns:p14="http://schemas.microsoft.com/office/powerpoint/2010/main" val="3307861821"/>
+      </p:ext>
+    </p:extLst>
+  </p:cSld>
+  <p:clrMapOvr>
+    <a:masterClrMapping/>
+  </p:clrMapOvr>
+</p:sld>
+</file>
+
+<file path=ppt/slides/slide16.xml><?xml version="1.0" encoding="utf-8"?>
+<p:sld xmlns:a="http://schemas.openxmlformats.org/drawingml/2006/main" xmlns:r="http://schemas.openxmlformats.org/officeDocument/2006/relationships" xmlns:p="http://schemas.openxmlformats.org/presentationml/2006/main">
+  <p:cSld>
+    <p:spTree>
+      <p:nvGrpSpPr>
+        <p:cNvPr id="1" name="">
+          <a:extLst>
+            <a:ext uri="{FF2B5EF4-FFF2-40B4-BE49-F238E27FC236}">
+              <a16:creationId xmlns:a16="http://schemas.microsoft.com/office/drawing/2014/main" id="{810BFB62-A43B-6E26-3293-553A851E408B}"/>
+            </a:ext>
+          </a:extLst>
+        </p:cNvPr>
+        <p:cNvGrpSpPr/>
+        <p:nvPr/>
+      </p:nvGrpSpPr>
+      <p:grpSpPr>
+        <a:xfrm>
+          <a:off x="0" y="0"/>
+          <a:ext cx="0" cy="0"/>
+          <a:chOff x="0" y="0"/>
+          <a:chExt cx="0" cy="0"/>
+        </a:xfrm>
+      </p:grpSpPr>
+      <p:sp>
+        <p:nvSpPr>
+          <p:cNvPr id="2" name="TextBox 1">
+            <a:extLst>
+              <a:ext uri="{FF2B5EF4-FFF2-40B4-BE49-F238E27FC236}">
+                <a16:creationId xmlns:a16="http://schemas.microsoft.com/office/drawing/2014/main" id="{9F98C921-B1F2-1685-DE44-382B2271D542}"/>
+              </a:ext>
+            </a:extLst>
+          </p:cNvPr>
+          <p:cNvSpPr txBox="1"/>
+          <p:nvPr/>
+        </p:nvSpPr>
+        <p:spPr>
+          <a:xfrm>
+            <a:off x="350982" y="350982"/>
+            <a:ext cx="1005403" cy="584775"/>
+          </a:xfrm>
+          <a:prstGeom prst="rect">
+            <a:avLst/>
+          </a:prstGeom>
+          <a:noFill/>
+        </p:spPr>
+        <p:txBody>
+          <a:bodyPr wrap="none" rtlCol="0">
+            <a:spAutoFit/>
+          </a:bodyPr>
+          <a:lstStyle/>
+          <a:p>
+            <a:r>
+              <a:rPr lang="ko-KR" altLang="en-US" sz="3200" dirty="0">
+                <a:latin typeface="HY견고딕" panose="02030600000101010101" pitchFamily="18" charset="-127"/>
+                <a:ea typeface="HY견고딕" panose="02030600000101010101" pitchFamily="18" charset="-127"/>
+              </a:rPr>
+              <a:t>숙제</a:t>
+            </a:r>
+          </a:p>
+        </p:txBody>
+      </p:sp>
+      <p:pic>
+        <p:nvPicPr>
+          <p:cNvPr id="4" name="그림 3">
+            <a:extLst>
+              <a:ext uri="{FF2B5EF4-FFF2-40B4-BE49-F238E27FC236}">
+                <a16:creationId xmlns:a16="http://schemas.microsoft.com/office/drawing/2014/main" id="{14111383-141E-9DE1-2E06-F73432667576}"/>
+              </a:ext>
+            </a:extLst>
+          </p:cNvPr>
+          <p:cNvPicPr>
+            <a:picLocks noChangeAspect="1"/>
+          </p:cNvPicPr>
+          <p:nvPr/>
+        </p:nvPicPr>
+        <p:blipFill>
+          <a:blip r:embed="rId2"/>
+          <a:stretch>
+            <a:fillRect/>
+          </a:stretch>
+        </p:blipFill>
+        <p:spPr>
+          <a:xfrm>
+            <a:off x="2523626" y="733049"/>
+            <a:ext cx="7144747" cy="5391902"/>
+          </a:xfrm>
+          <a:prstGeom prst="rect">
+            <a:avLst/>
+          </a:prstGeom>
+        </p:spPr>
+      </p:pic>
+    </p:spTree>
+    <p:extLst>
+      <p:ext uri="{BB962C8B-B14F-4D97-AF65-F5344CB8AC3E}">
+        <p14:creationId xmlns:p14="http://schemas.microsoft.com/office/powerpoint/2010/main" val="3913597563"/>
+      </p:ext>
+    </p:extLst>
+  </p:cSld>
+  <p:clrMapOvr>
+    <a:masterClrMapping/>
+  </p:clrMapOvr>
+</p:sld>
+</file>
+
+<file path=ppt/slides/slide17.xml><?xml version="1.0" encoding="utf-8"?>
+<p:sld xmlns:a="http://schemas.openxmlformats.org/drawingml/2006/main" xmlns:r="http://schemas.openxmlformats.org/officeDocument/2006/relationships" xmlns:p="http://schemas.openxmlformats.org/presentationml/2006/main">
+  <p:cSld>
+    <p:spTree>
+      <p:nvGrpSpPr>
+        <p:cNvPr id="1" name="">
+          <a:extLst>
+            <a:ext uri="{FF2B5EF4-FFF2-40B4-BE49-F238E27FC236}">
+              <a16:creationId xmlns:a16="http://schemas.microsoft.com/office/drawing/2014/main" id="{11808B0C-F0A6-BA15-9C5E-A85A162B25EB}"/>
+            </a:ext>
+          </a:extLst>
+        </p:cNvPr>
+        <p:cNvGrpSpPr/>
+        <p:nvPr/>
+      </p:nvGrpSpPr>
+      <p:grpSpPr>
+        <a:xfrm>
+          <a:off x="0" y="0"/>
+          <a:ext cx="0" cy="0"/>
+          <a:chOff x="0" y="0"/>
+          <a:chExt cx="0" cy="0"/>
+        </a:xfrm>
+      </p:grpSpPr>
+      <p:sp>
+        <p:nvSpPr>
+          <p:cNvPr id="2" name="TextBox 1">
+            <a:extLst>
+              <a:ext uri="{FF2B5EF4-FFF2-40B4-BE49-F238E27FC236}">
+                <a16:creationId xmlns:a16="http://schemas.microsoft.com/office/drawing/2014/main" id="{438C3BF6-75ED-D672-B7EF-24DB2BF027B2}"/>
+              </a:ext>
+            </a:extLst>
+          </p:cNvPr>
+          <p:cNvSpPr txBox="1"/>
+          <p:nvPr/>
+        </p:nvSpPr>
+        <p:spPr>
+          <a:xfrm>
+            <a:off x="350982" y="350982"/>
+            <a:ext cx="1826141" cy="584775"/>
+          </a:xfrm>
+          <a:prstGeom prst="rect">
+            <a:avLst/>
+          </a:prstGeom>
+          <a:noFill/>
+        </p:spPr>
+        <p:txBody>
+          <a:bodyPr wrap="none" rtlCol="0">
+            <a:spAutoFit/>
+          </a:bodyPr>
+          <a:lstStyle/>
+          <a:p>
+            <a:r>
+              <a:rPr lang="ko-KR" altLang="en-US" sz="3200" dirty="0">
+                <a:latin typeface="HY견고딕" panose="02030600000101010101" pitchFamily="18" charset="-127"/>
+                <a:ea typeface="HY견고딕" panose="02030600000101010101" pitchFamily="18" charset="-127"/>
+              </a:rPr>
+              <a:t>논의사항</a:t>
+            </a:r>
+          </a:p>
+        </p:txBody>
+      </p:sp>
+      <p:pic>
+        <p:nvPicPr>
+          <p:cNvPr id="5" name="그림 4">
+            <a:extLst>
+              <a:ext uri="{FF2B5EF4-FFF2-40B4-BE49-F238E27FC236}">
+                <a16:creationId xmlns:a16="http://schemas.microsoft.com/office/drawing/2014/main" id="{ECA5F8B3-B849-5D43-3FA6-CDF2588C9574}"/>
+              </a:ext>
+            </a:extLst>
+          </p:cNvPr>
+          <p:cNvPicPr>
+            <a:picLocks noChangeAspect="1"/>
+          </p:cNvPicPr>
+          <p:nvPr/>
+        </p:nvPicPr>
+        <p:blipFill>
+          <a:blip r:embed="rId2"/>
+          <a:stretch>
+            <a:fillRect/>
+          </a:stretch>
+        </p:blipFill>
+        <p:spPr>
+          <a:xfrm>
+            <a:off x="3787020" y="0"/>
+            <a:ext cx="8404980" cy="6858000"/>
+          </a:xfrm>
+          <a:prstGeom prst="rect">
+            <a:avLst/>
+          </a:prstGeom>
+        </p:spPr>
+      </p:pic>
+      <p:cxnSp>
+        <p:nvCxnSpPr>
+          <p:cNvPr id="7" name="직선 화살표 연결선 6">
+            <a:extLst>
+              <a:ext uri="{FF2B5EF4-FFF2-40B4-BE49-F238E27FC236}">
+                <a16:creationId xmlns:a16="http://schemas.microsoft.com/office/drawing/2014/main" id="{4BACE272-3590-CAB6-B7C9-ABB17FD1F68C}"/>
+              </a:ext>
+            </a:extLst>
+          </p:cNvPr>
+          <p:cNvCxnSpPr/>
+          <p:nvPr/>
+        </p:nvCxnSpPr>
+        <p:spPr>
+          <a:xfrm>
+            <a:off x="7258612" y="2295331"/>
+            <a:ext cx="391886" cy="1133669"/>
+          </a:xfrm>
+          <a:prstGeom prst="straightConnector1">
+            <a:avLst/>
+          </a:prstGeom>
+          <a:ln w="76200">
+            <a:solidFill>
+              <a:srgbClr val="FF0000"/>
+            </a:solidFill>
+            <a:tailEnd type="triangle"/>
+          </a:ln>
+        </p:spPr>
+        <p:style>
+          <a:lnRef idx="2">
+            <a:schemeClr val="accent1"/>
+          </a:lnRef>
+          <a:fillRef idx="0">
+            <a:schemeClr val="accent1"/>
+          </a:fillRef>
+          <a:effectRef idx="1">
+            <a:schemeClr val="accent1"/>
+          </a:effectRef>
+          <a:fontRef idx="minor">
+            <a:schemeClr val="tx1"/>
+          </a:fontRef>
+        </p:style>
+      </p:cxnSp>
+      <p:cxnSp>
+        <p:nvCxnSpPr>
+          <p:cNvPr id="8" name="직선 화살표 연결선 7">
+            <a:extLst>
+              <a:ext uri="{FF2B5EF4-FFF2-40B4-BE49-F238E27FC236}">
+                <a16:creationId xmlns:a16="http://schemas.microsoft.com/office/drawing/2014/main" id="{2DEE2CCF-6BD1-CD0E-5F95-EEB60E0F70B5}"/>
+              </a:ext>
+            </a:extLst>
+          </p:cNvPr>
+          <p:cNvCxnSpPr>
+            <a:cxnSpLocks/>
+          </p:cNvCxnSpPr>
+          <p:nvPr/>
+        </p:nvCxnSpPr>
+        <p:spPr>
+          <a:xfrm>
+            <a:off x="7258612" y="2295331"/>
+            <a:ext cx="992155" cy="1562877"/>
+          </a:xfrm>
+          <a:prstGeom prst="straightConnector1">
+            <a:avLst/>
+          </a:prstGeom>
+          <a:ln w="76200">
+            <a:solidFill>
+              <a:srgbClr val="FF0000"/>
+            </a:solidFill>
+            <a:tailEnd type="triangle"/>
+          </a:ln>
+        </p:spPr>
+        <p:style>
+          <a:lnRef idx="2">
+            <a:schemeClr val="accent1"/>
+          </a:lnRef>
+          <a:fillRef idx="0">
+            <a:schemeClr val="accent1"/>
+          </a:fillRef>
+          <a:effectRef idx="1">
+            <a:schemeClr val="accent1"/>
+          </a:effectRef>
+          <a:fontRef idx="minor">
+            <a:schemeClr val="tx1"/>
+          </a:fontRef>
+        </p:style>
+      </p:cxnSp>
+      <p:sp>
+        <p:nvSpPr>
+          <p:cNvPr id="11" name="TextBox 10">
+            <a:extLst>
+              <a:ext uri="{FF2B5EF4-FFF2-40B4-BE49-F238E27FC236}">
+                <a16:creationId xmlns:a16="http://schemas.microsoft.com/office/drawing/2014/main" id="{3F1B9C4A-4E6E-AC9F-5DB2-F775C7928D5C}"/>
+              </a:ext>
+            </a:extLst>
+          </p:cNvPr>
+          <p:cNvSpPr txBox="1"/>
+          <p:nvPr/>
+        </p:nvSpPr>
+        <p:spPr>
+          <a:xfrm>
+            <a:off x="6437518" y="3244334"/>
+            <a:ext cx="1107996" cy="369332"/>
+          </a:xfrm>
+          <a:prstGeom prst="rect">
+            <a:avLst/>
+          </a:prstGeom>
+          <a:noFill/>
+        </p:spPr>
+        <p:txBody>
+          <a:bodyPr wrap="none" rtlCol="0">
+            <a:spAutoFit/>
+          </a:bodyPr>
+          <a:lstStyle/>
+          <a:p>
+            <a:r>
+              <a:rPr lang="ko-KR" altLang="en-US" dirty="0" err="1"/>
+              <a:t>보라카이</a:t>
+            </a:r>
+            <a:endParaRPr lang="ko-KR" altLang="en-US" dirty="0"/>
+          </a:p>
+        </p:txBody>
+      </p:sp>
+      <p:sp>
+        <p:nvSpPr>
+          <p:cNvPr id="12" name="TextBox 11">
+            <a:extLst>
+              <a:ext uri="{FF2B5EF4-FFF2-40B4-BE49-F238E27FC236}">
+                <a16:creationId xmlns:a16="http://schemas.microsoft.com/office/drawing/2014/main" id="{8FA228DC-0078-BF40-60F5-472A302DC007}"/>
+              </a:ext>
+            </a:extLst>
+          </p:cNvPr>
+          <p:cNvSpPr txBox="1"/>
+          <p:nvPr/>
+        </p:nvSpPr>
+        <p:spPr>
+          <a:xfrm>
+            <a:off x="8148426" y="3407620"/>
+            <a:ext cx="646331" cy="369332"/>
+          </a:xfrm>
+          <a:prstGeom prst="rect">
+            <a:avLst/>
+          </a:prstGeom>
+          <a:noFill/>
+        </p:spPr>
+        <p:txBody>
+          <a:bodyPr wrap="none" rtlCol="0">
+            <a:spAutoFit/>
+          </a:bodyPr>
+          <a:lstStyle/>
+          <a:p>
+            <a:r>
+              <a:rPr lang="ko-KR" altLang="en-US"/>
+              <a:t>세부</a:t>
+            </a:r>
+            <a:endParaRPr lang="ko-KR" altLang="en-US" dirty="0"/>
+          </a:p>
+        </p:txBody>
+      </p:sp>
+      <p:sp>
+        <p:nvSpPr>
+          <p:cNvPr id="13" name="TextBox 12">
+            <a:extLst>
+              <a:ext uri="{FF2B5EF4-FFF2-40B4-BE49-F238E27FC236}">
+                <a16:creationId xmlns:a16="http://schemas.microsoft.com/office/drawing/2014/main" id="{8A46A600-0A45-F714-7DEE-1637D1276251}"/>
+              </a:ext>
+            </a:extLst>
+          </p:cNvPr>
+          <p:cNvSpPr txBox="1"/>
+          <p:nvPr/>
+        </p:nvSpPr>
+        <p:spPr>
+          <a:xfrm>
+            <a:off x="450610" y="1119674"/>
+            <a:ext cx="2531462" cy="923330"/>
+          </a:xfrm>
+          <a:prstGeom prst="rect">
+            <a:avLst/>
+          </a:prstGeom>
+          <a:noFill/>
+        </p:spPr>
+        <p:txBody>
+          <a:bodyPr wrap="none" rtlCol="0">
+            <a:spAutoFit/>
+          </a:bodyPr>
+          <a:lstStyle/>
+          <a:p>
+            <a:r>
+              <a:rPr lang="ko-KR" altLang="en-US" dirty="0"/>
+              <a:t>어디를 놀러갈 것인가</a:t>
+            </a:r>
+            <a:r>
+              <a:rPr lang="en-US" altLang="ko-KR" dirty="0"/>
+              <a:t>?</a:t>
+            </a:r>
+          </a:p>
+          <a:p>
+            <a:r>
+              <a:rPr lang="en-US" altLang="ko-KR" dirty="0"/>
+              <a:t>(</a:t>
+            </a:r>
+            <a:r>
+              <a:rPr lang="ko-KR" altLang="en-US" dirty="0"/>
+              <a:t>필리핀 일정 종료 후</a:t>
+            </a:r>
+            <a:endParaRPr lang="en-US" altLang="ko-KR" dirty="0"/>
+          </a:p>
+          <a:p>
+            <a:r>
+              <a:rPr lang="en-US" altLang="ko-KR" dirty="0"/>
+              <a:t> 3</a:t>
+            </a:r>
+            <a:r>
+              <a:rPr lang="ko-KR" altLang="en-US" dirty="0"/>
+              <a:t>일 정도 예상</a:t>
+            </a:r>
+            <a:r>
+              <a:rPr lang="en-US" altLang="ko-KR" dirty="0"/>
+              <a:t>)</a:t>
+            </a:r>
+            <a:endParaRPr lang="ko-KR" altLang="en-US" dirty="0"/>
+          </a:p>
+        </p:txBody>
+      </p:sp>
+    </p:spTree>
+    <p:extLst>
+      <p:ext uri="{BB962C8B-B14F-4D97-AF65-F5344CB8AC3E}">
+        <p14:creationId xmlns:p14="http://schemas.microsoft.com/office/powerpoint/2010/main" val="1413980114"/>
       </p:ext>
     </p:extLst>
   </p:cSld>
@@ -3522,12 +7241,173 @@
           <a:chExt cx="0" cy="0"/>
         </a:xfrm>
       </p:grpSpPr>
+      <p:sp>
+        <p:nvSpPr>
+          <p:cNvPr id="2" name="TextBox 1">
+            <a:extLst>
+              <a:ext uri="{FF2B5EF4-FFF2-40B4-BE49-F238E27FC236}">
+                <a16:creationId xmlns:a16="http://schemas.microsoft.com/office/drawing/2014/main" id="{CCA76031-DAAE-01F1-E148-A690A328E995}"/>
+              </a:ext>
+            </a:extLst>
+          </p:cNvPr>
+          <p:cNvSpPr txBox="1"/>
+          <p:nvPr/>
+        </p:nvSpPr>
+        <p:spPr>
+          <a:xfrm>
+            <a:off x="1385455" y="2327564"/>
+            <a:ext cx="2690160" cy="1477328"/>
+          </a:xfrm>
+          <a:prstGeom prst="rect">
+            <a:avLst/>
+          </a:prstGeom>
+          <a:noFill/>
+        </p:spPr>
+        <p:txBody>
+          <a:bodyPr wrap="none" rtlCol="0">
+            <a:spAutoFit/>
+          </a:bodyPr>
+          <a:lstStyle/>
+          <a:p>
+            <a:pPr marL="342900" indent="-342900">
+              <a:buAutoNum type="arabicPeriod"/>
+            </a:pPr>
+            <a:r>
+              <a:rPr lang="ko-KR" altLang="en-US" dirty="0"/>
+              <a:t>대략적 일정</a:t>
+            </a:r>
+            <a:endParaRPr lang="en-US" altLang="ko-KR" dirty="0"/>
+          </a:p>
+          <a:p>
+            <a:pPr marL="342900" indent="-342900">
+              <a:buAutoNum type="arabicPeriod"/>
+            </a:pPr>
+            <a:r>
+              <a:rPr lang="ko-KR" altLang="en-US" dirty="0"/>
+              <a:t>지금 바로 할 일</a:t>
+            </a:r>
+            <a:endParaRPr lang="en-US" altLang="ko-KR" dirty="0"/>
+          </a:p>
+          <a:p>
+            <a:pPr marL="342900" indent="-342900">
+              <a:buAutoNum type="arabicPeriod"/>
+            </a:pPr>
+            <a:r>
+              <a:rPr lang="ko-KR" altLang="en-US" dirty="0"/>
+              <a:t>우리의 목표</a:t>
+            </a:r>
+            <a:endParaRPr lang="en-US" altLang="ko-KR" dirty="0"/>
+          </a:p>
+          <a:p>
+            <a:pPr marL="342900" indent="-342900">
+              <a:buAutoNum type="arabicPeriod"/>
+            </a:pPr>
+            <a:r>
+              <a:rPr lang="ko-KR" altLang="en-US" dirty="0"/>
+              <a:t>기도편지 작성해보기</a:t>
+            </a:r>
+            <a:endParaRPr lang="en-US" altLang="ko-KR" dirty="0"/>
+          </a:p>
+          <a:p>
+            <a:pPr marL="342900" indent="-342900">
+              <a:buAutoNum type="arabicPeriod"/>
+            </a:pPr>
+            <a:r>
+              <a:rPr lang="ko-KR" altLang="en-US" dirty="0"/>
+              <a:t>숙제</a:t>
+            </a:r>
+          </a:p>
+        </p:txBody>
+      </p:sp>
+    </p:spTree>
+    <p:extLst>
+      <p:ext uri="{BB962C8B-B14F-4D97-AF65-F5344CB8AC3E}">
+        <p14:creationId xmlns:p14="http://schemas.microsoft.com/office/powerpoint/2010/main" val="3779349785"/>
+      </p:ext>
+    </p:extLst>
+  </p:cSld>
+  <p:clrMapOvr>
+    <a:masterClrMapping/>
+  </p:clrMapOvr>
+</p:sld>
+</file>
+
+<file path=ppt/slides/slide3.xml><?xml version="1.0" encoding="utf-8"?>
+<p:sld xmlns:a="http://schemas.openxmlformats.org/drawingml/2006/main" xmlns:r="http://schemas.openxmlformats.org/officeDocument/2006/relationships" xmlns:p="http://schemas.openxmlformats.org/presentationml/2006/main">
+  <p:cSld>
+    <p:spTree>
+      <p:nvGrpSpPr>
+        <p:cNvPr id="1" name=""/>
+        <p:cNvGrpSpPr/>
+        <p:nvPr/>
+      </p:nvGrpSpPr>
+      <p:grpSpPr>
+        <a:xfrm>
+          <a:off x="0" y="0"/>
+          <a:ext cx="0" cy="0"/>
+          <a:chOff x="0" y="0"/>
+          <a:chExt cx="0" cy="0"/>
+        </a:xfrm>
+      </p:grpSpPr>
+      <p:sp>
+        <p:nvSpPr>
+          <p:cNvPr id="5" name="TextBox 4">
+            <a:extLst>
+              <a:ext uri="{FF2B5EF4-FFF2-40B4-BE49-F238E27FC236}">
+                <a16:creationId xmlns:a16="http://schemas.microsoft.com/office/drawing/2014/main" id="{134E6DA9-627D-5653-5B4E-CEB91DD3B486}"/>
+              </a:ext>
+            </a:extLst>
+          </p:cNvPr>
+          <p:cNvSpPr txBox="1"/>
+          <p:nvPr/>
+        </p:nvSpPr>
+        <p:spPr>
+          <a:xfrm>
+            <a:off x="1644073" y="5791200"/>
+            <a:ext cx="1316386" cy="646331"/>
+          </a:xfrm>
+          <a:prstGeom prst="rect">
+            <a:avLst/>
+          </a:prstGeom>
+          <a:noFill/>
+        </p:spPr>
+        <p:txBody>
+          <a:bodyPr wrap="none" rtlCol="0">
+            <a:spAutoFit/>
+          </a:bodyPr>
+          <a:lstStyle/>
+          <a:p>
+            <a:r>
+              <a:rPr lang="en-US" altLang="ko-KR" dirty="0"/>
+              <a:t>8</a:t>
+            </a:r>
+            <a:r>
+              <a:rPr lang="ko-KR" altLang="en-US" dirty="0"/>
+              <a:t>월 </a:t>
+            </a:r>
+            <a:r>
+              <a:rPr lang="en-US" altLang="ko-KR" dirty="0"/>
+              <a:t>1-7 or</a:t>
+            </a:r>
+          </a:p>
+          <a:p>
+            <a:r>
+              <a:rPr lang="en-US" altLang="ko-KR" dirty="0"/>
+              <a:t>8</a:t>
+            </a:r>
+            <a:r>
+              <a:rPr lang="ko-KR" altLang="en-US" dirty="0"/>
+              <a:t>월 말</a:t>
+            </a:r>
+          </a:p>
+        </p:txBody>
+      </p:sp>
       <p:pic>
         <p:nvPicPr>
-          <p:cNvPr id="3" name="그림 2">
-            <a:extLst>
-              <a:ext uri="{FF2B5EF4-FFF2-40B4-BE49-F238E27FC236}">
-                <a16:creationId xmlns:a16="http://schemas.microsoft.com/office/drawing/2014/main" id="{4C8B9A5D-0224-E85A-4A7A-01E256231E71}"/>
+          <p:cNvPr id="9" name="그림 8">
+            <a:extLst>
+              <a:ext uri="{FF2B5EF4-FFF2-40B4-BE49-F238E27FC236}">
+                <a16:creationId xmlns:a16="http://schemas.microsoft.com/office/drawing/2014/main" id="{11E7C8A3-59B3-76FD-63F4-C154F015F680}"/>
               </a:ext>
             </a:extLst>
           </p:cNvPr>
@@ -3544,8 +7424,8 @@
         </p:blipFill>
         <p:spPr>
           <a:xfrm>
-            <a:off x="327320" y="1426978"/>
-            <a:ext cx="6106377" cy="4706007"/>
+            <a:off x="828912" y="912613"/>
+            <a:ext cx="6354062" cy="4715533"/>
           </a:xfrm>
           <a:prstGeom prst="rect">
             <a:avLst/>
@@ -3556,6 +7436,2387 @@
     <p:extLst>
       <p:ext uri="{BB962C8B-B14F-4D97-AF65-F5344CB8AC3E}">
         <p14:creationId xmlns:p14="http://schemas.microsoft.com/office/powerpoint/2010/main" val="4218014288"/>
+      </p:ext>
+    </p:extLst>
+  </p:cSld>
+  <p:clrMapOvr>
+    <a:masterClrMapping/>
+  </p:clrMapOvr>
+</p:sld>
+</file>
+
+<file path=ppt/slides/slide4.xml><?xml version="1.0" encoding="utf-8"?>
+<p:sld xmlns:a="http://schemas.openxmlformats.org/drawingml/2006/main" xmlns:r="http://schemas.openxmlformats.org/officeDocument/2006/relationships" xmlns:p="http://schemas.openxmlformats.org/presentationml/2006/main">
+  <p:cSld>
+    <p:spTree>
+      <p:nvGrpSpPr>
+        <p:cNvPr id="1" name="">
+          <a:extLst>
+            <a:ext uri="{FF2B5EF4-FFF2-40B4-BE49-F238E27FC236}">
+              <a16:creationId xmlns:a16="http://schemas.microsoft.com/office/drawing/2014/main" id="{9EEACA61-A3B7-806F-AE72-9ED1374131CC}"/>
+            </a:ext>
+          </a:extLst>
+        </p:cNvPr>
+        <p:cNvGrpSpPr/>
+        <p:nvPr/>
+      </p:nvGrpSpPr>
+      <p:grpSpPr>
+        <a:xfrm>
+          <a:off x="0" y="0"/>
+          <a:ext cx="0" cy="0"/>
+          <a:chOff x="0" y="0"/>
+          <a:chExt cx="0" cy="0"/>
+        </a:xfrm>
+      </p:grpSpPr>
+      <p:sp>
+        <p:nvSpPr>
+          <p:cNvPr id="2" name="TextBox 1">
+            <a:extLst>
+              <a:ext uri="{FF2B5EF4-FFF2-40B4-BE49-F238E27FC236}">
+                <a16:creationId xmlns:a16="http://schemas.microsoft.com/office/drawing/2014/main" id="{4AD4EC8A-450A-9CCA-6496-B2184E01A05D}"/>
+              </a:ext>
+            </a:extLst>
+          </p:cNvPr>
+          <p:cNvSpPr txBox="1"/>
+          <p:nvPr/>
+        </p:nvSpPr>
+        <p:spPr>
+          <a:xfrm>
+            <a:off x="350982" y="350982"/>
+            <a:ext cx="5379999" cy="584775"/>
+          </a:xfrm>
+          <a:prstGeom prst="rect">
+            <a:avLst/>
+          </a:prstGeom>
+          <a:noFill/>
+        </p:spPr>
+        <p:txBody>
+          <a:bodyPr wrap="none" rtlCol="0">
+            <a:spAutoFit/>
+          </a:bodyPr>
+          <a:lstStyle/>
+          <a:p>
+            <a:r>
+              <a:rPr lang="ko-KR" altLang="en-US" sz="3200" dirty="0">
+                <a:latin typeface="HY견고딕" panose="02030600000101010101" pitchFamily="18" charset="-127"/>
+                <a:ea typeface="HY견고딕" panose="02030600000101010101" pitchFamily="18" charset="-127"/>
+              </a:rPr>
+              <a:t>지금 바로 할 일 </a:t>
+            </a:r>
+            <a:r>
+              <a:rPr lang="en-US" altLang="ko-KR" sz="3200" dirty="0">
+                <a:latin typeface="HY견고딕" panose="02030600000101010101" pitchFamily="18" charset="-127"/>
+                <a:ea typeface="HY견고딕" panose="02030600000101010101" pitchFamily="18" charset="-127"/>
+              </a:rPr>
+              <a:t>- </a:t>
+            </a:r>
+            <a:r>
+              <a:rPr lang="ko-KR" altLang="en-US" sz="3200" dirty="0">
+                <a:latin typeface="HY견고딕" panose="02030600000101010101" pitchFamily="18" charset="-127"/>
+                <a:ea typeface="HY견고딕" panose="02030600000101010101" pitchFamily="18" charset="-127"/>
+              </a:rPr>
+              <a:t>여권 발급</a:t>
+            </a:r>
+          </a:p>
+        </p:txBody>
+      </p:sp>
+      <p:pic>
+        <p:nvPicPr>
+          <p:cNvPr id="2050" name="Picture 2" descr="베트남 전자비자 사진 요구사항 및 크기 | EmbassyWorld.org">
+            <a:extLst>
+              <a:ext uri="{FF2B5EF4-FFF2-40B4-BE49-F238E27FC236}">
+                <a16:creationId xmlns:a16="http://schemas.microsoft.com/office/drawing/2014/main" id="{CCD32148-F55A-5C07-9940-9DDCE6AFD7BB}"/>
+              </a:ext>
+            </a:extLst>
+          </p:cNvPr>
+          <p:cNvPicPr>
+            <a:picLocks noChangeAspect="1" noChangeArrowheads="1"/>
+          </p:cNvPicPr>
+          <p:nvPr/>
+        </p:nvPicPr>
+        <p:blipFill>
+          <a:blip r:embed="rId2">
+            <a:extLst>
+              <a:ext uri="{28A0092B-C50C-407E-A947-70E740481C1C}">
+                <a14:useLocalDpi xmlns:a14="http://schemas.microsoft.com/office/drawing/2010/main" val="0"/>
+              </a:ext>
+            </a:extLst>
+          </a:blip>
+          <a:srcRect/>
+          <a:stretch>
+            <a:fillRect/>
+          </a:stretch>
+        </p:blipFill>
+        <p:spPr bwMode="auto">
+          <a:xfrm>
+            <a:off x="471200" y="1452562"/>
+            <a:ext cx="5781675" cy="3952875"/>
+          </a:xfrm>
+          <a:prstGeom prst="rect">
+            <a:avLst/>
+          </a:prstGeom>
+          <a:noFill/>
+          <a:extLst>
+            <a:ext uri="{909E8E84-426E-40DD-AFC4-6F175D3DCCD1}">
+              <a14:hiddenFill xmlns:a14="http://schemas.microsoft.com/office/drawing/2010/main">
+                <a:solidFill>
+                  <a:srgbClr val="FFFFFF"/>
+                </a:solidFill>
+              </a14:hiddenFill>
+            </a:ext>
+          </a:extLst>
+        </p:spPr>
+      </p:pic>
+      <p:sp>
+        <p:nvSpPr>
+          <p:cNvPr id="8" name="TextBox 7">
+            <a:extLst>
+              <a:ext uri="{FF2B5EF4-FFF2-40B4-BE49-F238E27FC236}">
+                <a16:creationId xmlns:a16="http://schemas.microsoft.com/office/drawing/2014/main" id="{26AFA366-B345-294C-F5F3-E13B10003C4F}"/>
+              </a:ext>
+            </a:extLst>
+          </p:cNvPr>
+          <p:cNvSpPr txBox="1"/>
+          <p:nvPr/>
+        </p:nvSpPr>
+        <p:spPr>
+          <a:xfrm>
+            <a:off x="1479528" y="5737576"/>
+            <a:ext cx="3122906" cy="369332"/>
+          </a:xfrm>
+          <a:prstGeom prst="rect">
+            <a:avLst/>
+          </a:prstGeom>
+          <a:noFill/>
+        </p:spPr>
+        <p:txBody>
+          <a:bodyPr wrap="none" rtlCol="0">
+            <a:spAutoFit/>
+          </a:bodyPr>
+          <a:lstStyle/>
+          <a:p>
+            <a:r>
+              <a:rPr lang="en-US" altLang="ko-KR" dirty="0"/>
+              <a:t>Bio page </a:t>
+            </a:r>
+            <a:r>
+              <a:rPr lang="ko-KR" altLang="en-US" dirty="0" err="1"/>
+              <a:t>개인톡으로</a:t>
+            </a:r>
+            <a:r>
+              <a:rPr lang="ko-KR" altLang="en-US" dirty="0"/>
+              <a:t> 보내기</a:t>
+            </a:r>
+          </a:p>
+        </p:txBody>
+      </p:sp>
+      <p:sp>
+        <p:nvSpPr>
+          <p:cNvPr id="9" name="TextBox 8">
+            <a:extLst>
+              <a:ext uri="{FF2B5EF4-FFF2-40B4-BE49-F238E27FC236}">
+                <a16:creationId xmlns:a16="http://schemas.microsoft.com/office/drawing/2014/main" id="{7336EE02-69CD-B8A5-5116-A65E8FF8D853}"/>
+              </a:ext>
+            </a:extLst>
+          </p:cNvPr>
+          <p:cNvSpPr txBox="1"/>
+          <p:nvPr/>
+        </p:nvSpPr>
+        <p:spPr>
+          <a:xfrm>
+            <a:off x="6557818" y="3059667"/>
+            <a:ext cx="503664" cy="369332"/>
+          </a:xfrm>
+          <a:prstGeom prst="rect">
+            <a:avLst/>
+          </a:prstGeom>
+          <a:noFill/>
+        </p:spPr>
+        <p:txBody>
+          <a:bodyPr wrap="none" rtlCol="0">
+            <a:spAutoFit/>
+          </a:bodyPr>
+          <a:lstStyle/>
+          <a:p>
+            <a:r>
+              <a:rPr lang="en-US" altLang="ko-KR" dirty="0"/>
+              <a:t>OR</a:t>
+            </a:r>
+            <a:endParaRPr lang="ko-KR" altLang="en-US" dirty="0"/>
+          </a:p>
+        </p:txBody>
+      </p:sp>
+      <p:sp>
+        <p:nvSpPr>
+          <p:cNvPr id="10" name="TextBox 9">
+            <a:extLst>
+              <a:ext uri="{FF2B5EF4-FFF2-40B4-BE49-F238E27FC236}">
+                <a16:creationId xmlns:a16="http://schemas.microsoft.com/office/drawing/2014/main" id="{CEF7F223-0F99-CEE1-2EC8-358792000FDE}"/>
+              </a:ext>
+            </a:extLst>
+          </p:cNvPr>
+          <p:cNvSpPr txBox="1"/>
+          <p:nvPr/>
+        </p:nvSpPr>
+        <p:spPr>
+          <a:xfrm>
+            <a:off x="7366425" y="2090171"/>
+            <a:ext cx="4193777" cy="2308324"/>
+          </a:xfrm>
+          <a:prstGeom prst="rect">
+            <a:avLst/>
+          </a:prstGeom>
+          <a:noFill/>
+        </p:spPr>
+        <p:txBody>
+          <a:bodyPr wrap="none" rtlCol="0">
+            <a:spAutoFit/>
+          </a:bodyPr>
+          <a:lstStyle/>
+          <a:p>
+            <a:r>
+              <a:rPr lang="ko-KR" altLang="en-US" dirty="0"/>
+              <a:t>여권상 영문 성</a:t>
+            </a:r>
+            <a:r>
+              <a:rPr lang="en-US" altLang="ko-KR" dirty="0"/>
+              <a:t>/</a:t>
+            </a:r>
+            <a:r>
+              <a:rPr lang="ko-KR" altLang="en-US" dirty="0"/>
+              <a:t>이름</a:t>
+            </a:r>
+            <a:endParaRPr lang="en-US" altLang="ko-KR" dirty="0"/>
+          </a:p>
+          <a:p>
+            <a:r>
+              <a:rPr lang="ko-KR" altLang="en-US" dirty="0"/>
+              <a:t>여권번호</a:t>
+            </a:r>
+            <a:endParaRPr lang="en-US" altLang="ko-KR" dirty="0"/>
+          </a:p>
+          <a:p>
+            <a:r>
+              <a:rPr lang="ko-KR" altLang="en-US" dirty="0"/>
+              <a:t>여권 발급일</a:t>
+            </a:r>
+            <a:r>
+              <a:rPr lang="en-US" altLang="ko-KR" dirty="0"/>
+              <a:t>/</a:t>
+            </a:r>
+            <a:r>
+              <a:rPr lang="ko-KR" altLang="en-US" dirty="0"/>
+              <a:t>만료일</a:t>
+            </a:r>
+            <a:endParaRPr lang="en-US" altLang="ko-KR" dirty="0"/>
+          </a:p>
+          <a:p>
+            <a:r>
+              <a:rPr lang="ko-KR" altLang="en-US" dirty="0"/>
+              <a:t>생년월일</a:t>
+            </a:r>
+            <a:r>
+              <a:rPr lang="en-US" altLang="ko-KR" dirty="0"/>
+              <a:t>(YYYY-MM-DD)</a:t>
+            </a:r>
+          </a:p>
+          <a:p>
+            <a:endParaRPr lang="en-US" altLang="ko-KR" dirty="0"/>
+          </a:p>
+          <a:p>
+            <a:r>
+              <a:rPr lang="ko-KR" altLang="en-US" dirty="0"/>
+              <a:t>정보 </a:t>
+            </a:r>
+            <a:r>
+              <a:rPr lang="ko-KR" altLang="en-US" dirty="0" err="1"/>
+              <a:t>개인톡으로</a:t>
+            </a:r>
+            <a:r>
+              <a:rPr lang="ko-KR" altLang="en-US" dirty="0"/>
+              <a:t> 보내기</a:t>
+            </a:r>
+            <a:endParaRPr lang="en-US" altLang="ko-KR" dirty="0"/>
+          </a:p>
+          <a:p>
+            <a:r>
+              <a:rPr lang="en-US" altLang="ko-KR" dirty="0"/>
+              <a:t>(</a:t>
+            </a:r>
+            <a:r>
+              <a:rPr lang="ko-KR" altLang="en-US" dirty="0"/>
+              <a:t>개인정보 보호의 측면에서 카카오톡이</a:t>
+            </a:r>
+            <a:endParaRPr lang="en-US" altLang="ko-KR" dirty="0"/>
+          </a:p>
+          <a:p>
+            <a:r>
+              <a:rPr lang="ko-KR" altLang="en-US" dirty="0"/>
+              <a:t>의심스럽다면</a:t>
+            </a:r>
+            <a:r>
+              <a:rPr lang="en-US" altLang="ko-KR" dirty="0"/>
+              <a:t>, </a:t>
+            </a:r>
+            <a:r>
+              <a:rPr lang="ko-KR" altLang="en-US" dirty="0" err="1"/>
+              <a:t>텔레그램도</a:t>
+            </a:r>
+            <a:r>
+              <a:rPr lang="ko-KR" altLang="en-US" dirty="0"/>
+              <a:t> 환영</a:t>
+            </a:r>
+            <a:r>
+              <a:rPr lang="en-US" altLang="ko-KR" dirty="0"/>
+              <a:t>)</a:t>
+            </a:r>
+            <a:endParaRPr lang="ko-KR" altLang="en-US" dirty="0"/>
+          </a:p>
+        </p:txBody>
+      </p:sp>
+    </p:spTree>
+    <p:extLst>
+      <p:ext uri="{BB962C8B-B14F-4D97-AF65-F5344CB8AC3E}">
+        <p14:creationId xmlns:p14="http://schemas.microsoft.com/office/powerpoint/2010/main" val="1851402356"/>
+      </p:ext>
+    </p:extLst>
+  </p:cSld>
+  <p:clrMapOvr>
+    <a:masterClrMapping/>
+  </p:clrMapOvr>
+</p:sld>
+</file>
+
+<file path=ppt/slides/slide5.xml><?xml version="1.0" encoding="utf-8"?>
+<p:sld xmlns:a="http://schemas.openxmlformats.org/drawingml/2006/main" xmlns:r="http://schemas.openxmlformats.org/officeDocument/2006/relationships" xmlns:p="http://schemas.openxmlformats.org/presentationml/2006/main">
+  <p:cSld>
+    <p:spTree>
+      <p:nvGrpSpPr>
+        <p:cNvPr id="1" name="">
+          <a:extLst>
+            <a:ext uri="{FF2B5EF4-FFF2-40B4-BE49-F238E27FC236}">
+              <a16:creationId xmlns:a16="http://schemas.microsoft.com/office/drawing/2014/main" id="{B7923919-8483-6176-9536-48AFCFBFC216}"/>
+            </a:ext>
+          </a:extLst>
+        </p:cNvPr>
+        <p:cNvGrpSpPr/>
+        <p:nvPr/>
+      </p:nvGrpSpPr>
+      <p:grpSpPr>
+        <a:xfrm>
+          <a:off x="0" y="0"/>
+          <a:ext cx="0" cy="0"/>
+          <a:chOff x="0" y="0"/>
+          <a:chExt cx="0" cy="0"/>
+        </a:xfrm>
+      </p:grpSpPr>
+      <p:sp>
+        <p:nvSpPr>
+          <p:cNvPr id="2" name="TextBox 1">
+            <a:extLst>
+              <a:ext uri="{FF2B5EF4-FFF2-40B4-BE49-F238E27FC236}">
+                <a16:creationId xmlns:a16="http://schemas.microsoft.com/office/drawing/2014/main" id="{DB058381-047C-96BA-3492-5BD51880A71D}"/>
+              </a:ext>
+            </a:extLst>
+          </p:cNvPr>
+          <p:cNvSpPr txBox="1"/>
+          <p:nvPr/>
+        </p:nvSpPr>
+        <p:spPr>
+          <a:xfrm>
+            <a:off x="350982" y="350982"/>
+            <a:ext cx="3055645" cy="584775"/>
+          </a:xfrm>
+          <a:prstGeom prst="rect">
+            <a:avLst/>
+          </a:prstGeom>
+          <a:noFill/>
+        </p:spPr>
+        <p:txBody>
+          <a:bodyPr wrap="none" rtlCol="0">
+            <a:spAutoFit/>
+          </a:bodyPr>
+          <a:lstStyle/>
+          <a:p>
+            <a:r>
+              <a:rPr lang="ko-KR" altLang="en-US" sz="3200" dirty="0">
+                <a:latin typeface="HY견고딕" panose="02030600000101010101" pitchFamily="18" charset="-127"/>
+                <a:ea typeface="HY견고딕" panose="02030600000101010101" pitchFamily="18" charset="-127"/>
+              </a:rPr>
+              <a:t>지금 바로 할 일</a:t>
+            </a:r>
+          </a:p>
+        </p:txBody>
+      </p:sp>
+      <p:sp>
+        <p:nvSpPr>
+          <p:cNvPr id="3" name="TextBox 2">
+            <a:extLst>
+              <a:ext uri="{FF2B5EF4-FFF2-40B4-BE49-F238E27FC236}">
+                <a16:creationId xmlns:a16="http://schemas.microsoft.com/office/drawing/2014/main" id="{DC5F2937-90CE-B72B-6F73-F20A968EAFDF}"/>
+              </a:ext>
+            </a:extLst>
+          </p:cNvPr>
+          <p:cNvSpPr txBox="1"/>
+          <p:nvPr/>
+        </p:nvSpPr>
+        <p:spPr>
+          <a:xfrm>
+            <a:off x="1003071" y="3626653"/>
+            <a:ext cx="3905236" cy="1200329"/>
+          </a:xfrm>
+          <a:prstGeom prst="rect">
+            <a:avLst/>
+          </a:prstGeom>
+          <a:noFill/>
+        </p:spPr>
+        <p:txBody>
+          <a:bodyPr wrap="none" rtlCol="0">
+            <a:spAutoFit/>
+          </a:bodyPr>
+          <a:lstStyle/>
+          <a:p>
+            <a:r>
+              <a:rPr lang="en-US" altLang="ko-KR" dirty="0"/>
+              <a:t>IVF SEED </a:t>
+            </a:r>
+            <a:r>
+              <a:rPr lang="ko-KR" altLang="en-US" dirty="0"/>
+              <a:t>소그룹 </a:t>
+            </a:r>
+            <a:r>
+              <a:rPr lang="ko-KR" altLang="en-US" dirty="0" err="1"/>
+              <a:t>톡방</a:t>
+            </a:r>
+            <a:r>
+              <a:rPr lang="ko-KR" altLang="en-US" dirty="0"/>
+              <a:t> </a:t>
+            </a:r>
+            <a:r>
+              <a:rPr lang="ko-KR" altLang="en-US" dirty="0" err="1"/>
+              <a:t>공지글에</a:t>
+            </a:r>
+            <a:endParaRPr lang="en-US" altLang="ko-KR" dirty="0"/>
+          </a:p>
+          <a:p>
+            <a:r>
+              <a:rPr lang="ko-KR" altLang="en-US" dirty="0"/>
+              <a:t>댓글로 전화번호 남기기</a:t>
+            </a:r>
+            <a:endParaRPr lang="en-US" altLang="ko-KR" dirty="0"/>
+          </a:p>
+          <a:p>
+            <a:endParaRPr lang="en-US" altLang="ko-KR" dirty="0"/>
+          </a:p>
+          <a:p>
+            <a:r>
+              <a:rPr lang="en-US" altLang="ko-KR" dirty="0"/>
+              <a:t>&gt; </a:t>
+            </a:r>
+            <a:r>
+              <a:rPr lang="ko-KR" altLang="en-US" dirty="0"/>
+              <a:t>다른 사람들 전화번호 저장해두기</a:t>
+            </a:r>
+          </a:p>
+        </p:txBody>
+      </p:sp>
+      <p:pic>
+        <p:nvPicPr>
+          <p:cNvPr id="8" name="그림 7">
+            <a:extLst>
+              <a:ext uri="{FF2B5EF4-FFF2-40B4-BE49-F238E27FC236}">
+                <a16:creationId xmlns:a16="http://schemas.microsoft.com/office/drawing/2014/main" id="{900DE293-93EB-B659-75FD-1F2C82BD0B63}"/>
+              </a:ext>
+            </a:extLst>
+          </p:cNvPr>
+          <p:cNvPicPr>
+            <a:picLocks noChangeAspect="1"/>
+          </p:cNvPicPr>
+          <p:nvPr/>
+        </p:nvPicPr>
+        <p:blipFill>
+          <a:blip r:embed="rId2"/>
+          <a:stretch>
+            <a:fillRect/>
+          </a:stretch>
+        </p:blipFill>
+        <p:spPr>
+          <a:xfrm>
+            <a:off x="1003071" y="2013576"/>
+            <a:ext cx="3277057" cy="1448002"/>
+          </a:xfrm>
+          <a:prstGeom prst="rect">
+            <a:avLst/>
+          </a:prstGeom>
+        </p:spPr>
+      </p:pic>
+      <p:pic>
+        <p:nvPicPr>
+          <p:cNvPr id="10" name="그림 9">
+            <a:extLst>
+              <a:ext uri="{FF2B5EF4-FFF2-40B4-BE49-F238E27FC236}">
+                <a16:creationId xmlns:a16="http://schemas.microsoft.com/office/drawing/2014/main" id="{BA2134C2-45BE-EA74-F392-7449ABD0CA8B}"/>
+              </a:ext>
+            </a:extLst>
+          </p:cNvPr>
+          <p:cNvPicPr>
+            <a:picLocks noChangeAspect="1"/>
+          </p:cNvPicPr>
+          <p:nvPr/>
+        </p:nvPicPr>
+        <p:blipFill>
+          <a:blip r:embed="rId3"/>
+          <a:stretch>
+            <a:fillRect/>
+          </a:stretch>
+        </p:blipFill>
+        <p:spPr>
+          <a:xfrm>
+            <a:off x="1003071" y="1334079"/>
+            <a:ext cx="1762371" cy="514422"/>
+          </a:xfrm>
+          <a:prstGeom prst="rect">
+            <a:avLst/>
+          </a:prstGeom>
+        </p:spPr>
+      </p:pic>
+    </p:spTree>
+    <p:extLst>
+      <p:ext uri="{BB962C8B-B14F-4D97-AF65-F5344CB8AC3E}">
+        <p14:creationId xmlns:p14="http://schemas.microsoft.com/office/powerpoint/2010/main" val="3424587766"/>
+      </p:ext>
+    </p:extLst>
+  </p:cSld>
+  <p:clrMapOvr>
+    <a:masterClrMapping/>
+  </p:clrMapOvr>
+</p:sld>
+</file>
+
+<file path=ppt/slides/slide6.xml><?xml version="1.0" encoding="utf-8"?>
+<p:sld xmlns:a="http://schemas.openxmlformats.org/drawingml/2006/main" xmlns:r="http://schemas.openxmlformats.org/officeDocument/2006/relationships" xmlns:p="http://schemas.openxmlformats.org/presentationml/2006/main">
+  <p:cSld>
+    <p:spTree>
+      <p:nvGrpSpPr>
+        <p:cNvPr id="1" name=""/>
+        <p:cNvGrpSpPr/>
+        <p:nvPr/>
+      </p:nvGrpSpPr>
+      <p:grpSpPr>
+        <a:xfrm>
+          <a:off x="0" y="0"/>
+          <a:ext cx="0" cy="0"/>
+          <a:chOff x="0" y="0"/>
+          <a:chExt cx="0" cy="0"/>
+        </a:xfrm>
+      </p:grpSpPr>
+      <p:sp>
+        <p:nvSpPr>
+          <p:cNvPr id="2" name="TextBox 1">
+            <a:extLst>
+              <a:ext uri="{FF2B5EF4-FFF2-40B4-BE49-F238E27FC236}">
+                <a16:creationId xmlns:a16="http://schemas.microsoft.com/office/drawing/2014/main" id="{31BA3D97-79FE-5C6A-E96F-4DC088BE46B8}"/>
+              </a:ext>
+            </a:extLst>
+          </p:cNvPr>
+          <p:cNvSpPr txBox="1"/>
+          <p:nvPr/>
+        </p:nvSpPr>
+        <p:spPr>
+          <a:xfrm>
+            <a:off x="350982" y="350982"/>
+            <a:ext cx="3055645" cy="584775"/>
+          </a:xfrm>
+          <a:prstGeom prst="rect">
+            <a:avLst/>
+          </a:prstGeom>
+          <a:noFill/>
+        </p:spPr>
+        <p:txBody>
+          <a:bodyPr wrap="none" rtlCol="0">
+            <a:spAutoFit/>
+          </a:bodyPr>
+          <a:lstStyle/>
+          <a:p>
+            <a:r>
+              <a:rPr lang="ko-KR" altLang="en-US" sz="3200" dirty="0">
+                <a:latin typeface="HY견고딕" panose="02030600000101010101" pitchFamily="18" charset="-127"/>
+                <a:ea typeface="HY견고딕" panose="02030600000101010101" pitchFamily="18" charset="-127"/>
+              </a:rPr>
+              <a:t>지금 바로 할 일</a:t>
+            </a:r>
+          </a:p>
+        </p:txBody>
+      </p:sp>
+      <p:pic>
+        <p:nvPicPr>
+          <p:cNvPr id="1026" name="Picture 2" descr="WhatsApp - Review 2025 - PCMag Australia">
+            <a:extLst>
+              <a:ext uri="{FF2B5EF4-FFF2-40B4-BE49-F238E27FC236}">
+                <a16:creationId xmlns:a16="http://schemas.microsoft.com/office/drawing/2014/main" id="{679EEE32-9E84-5D13-84B5-F25D04BC1E39}"/>
+              </a:ext>
+            </a:extLst>
+          </p:cNvPr>
+          <p:cNvPicPr>
+            <a:picLocks noChangeAspect="1" noChangeArrowheads="1"/>
+          </p:cNvPicPr>
+          <p:nvPr/>
+        </p:nvPicPr>
+        <p:blipFill>
+          <a:blip r:embed="rId2">
+            <a:extLst>
+              <a:ext uri="{28A0092B-C50C-407E-A947-70E740481C1C}">
+                <a14:useLocalDpi xmlns:a14="http://schemas.microsoft.com/office/drawing/2010/main" val="0"/>
+              </a:ext>
+            </a:extLst>
+          </a:blip>
+          <a:srcRect/>
+          <a:stretch>
+            <a:fillRect/>
+          </a:stretch>
+        </p:blipFill>
+        <p:spPr bwMode="auto">
+          <a:xfrm>
+            <a:off x="350982" y="1277937"/>
+            <a:ext cx="4088084" cy="2301154"/>
+          </a:xfrm>
+          <a:prstGeom prst="rect">
+            <a:avLst/>
+          </a:prstGeom>
+          <a:noFill/>
+          <a:extLst>
+            <a:ext uri="{909E8E84-426E-40DD-AFC4-6F175D3DCCD1}">
+              <a14:hiddenFill xmlns:a14="http://schemas.microsoft.com/office/drawing/2010/main">
+                <a:solidFill>
+                  <a:srgbClr val="FFFFFF"/>
+                </a:solidFill>
+              </a14:hiddenFill>
+            </a:ext>
+          </a:extLst>
+        </p:spPr>
+      </p:pic>
+      <p:sp>
+        <p:nvSpPr>
+          <p:cNvPr id="3" name="TextBox 2">
+            <a:extLst>
+              <a:ext uri="{FF2B5EF4-FFF2-40B4-BE49-F238E27FC236}">
+                <a16:creationId xmlns:a16="http://schemas.microsoft.com/office/drawing/2014/main" id="{62839C87-DDC6-E603-BA1D-41A488787485}"/>
+              </a:ext>
+            </a:extLst>
+          </p:cNvPr>
+          <p:cNvSpPr txBox="1"/>
+          <p:nvPr/>
+        </p:nvSpPr>
+        <p:spPr>
+          <a:xfrm>
+            <a:off x="831935" y="3736605"/>
+            <a:ext cx="3126177" cy="369332"/>
+          </a:xfrm>
+          <a:prstGeom prst="rect">
+            <a:avLst/>
+          </a:prstGeom>
+          <a:noFill/>
+        </p:spPr>
+        <p:txBody>
+          <a:bodyPr wrap="none" rtlCol="0">
+            <a:spAutoFit/>
+          </a:bodyPr>
+          <a:lstStyle/>
+          <a:p>
+            <a:r>
+              <a:rPr lang="en-US" altLang="ko-KR" dirty="0"/>
+              <a:t>WhatsApp </a:t>
+            </a:r>
+            <a:r>
+              <a:rPr lang="ko-KR" altLang="en-US" dirty="0"/>
+              <a:t>다운로드 및 가입</a:t>
+            </a:r>
+          </a:p>
+        </p:txBody>
+      </p:sp>
+      <p:sp>
+        <p:nvSpPr>
+          <p:cNvPr id="4" name="화살표: 오른쪽 3">
+            <a:extLst>
+              <a:ext uri="{FF2B5EF4-FFF2-40B4-BE49-F238E27FC236}">
+                <a16:creationId xmlns:a16="http://schemas.microsoft.com/office/drawing/2014/main" id="{546C83A5-ADA9-05F6-9B90-E156AB2F0D8B}"/>
+              </a:ext>
+            </a:extLst>
+          </p:cNvPr>
+          <p:cNvSpPr/>
+          <p:nvPr/>
+        </p:nvSpPr>
+        <p:spPr>
+          <a:xfrm>
+            <a:off x="5098473" y="2133600"/>
+            <a:ext cx="997527" cy="748145"/>
+          </a:xfrm>
+          <a:prstGeom prst="rightArrow">
+            <a:avLst/>
+          </a:prstGeom>
+        </p:spPr>
+        <p:style>
+          <a:lnRef idx="2">
+            <a:schemeClr val="accent1">
+              <a:shade val="15000"/>
+            </a:schemeClr>
+          </a:lnRef>
+          <a:fillRef idx="1">
+            <a:schemeClr val="accent1"/>
+          </a:fillRef>
+          <a:effectRef idx="0">
+            <a:schemeClr val="accent1"/>
+          </a:effectRef>
+          <a:fontRef idx="minor">
+            <a:schemeClr val="lt1"/>
+          </a:fontRef>
+        </p:style>
+        <p:txBody>
+          <a:bodyPr rtlCol="0" anchor="ctr"/>
+          <a:lstStyle/>
+          <a:p>
+            <a:pPr algn="ctr"/>
+            <a:endParaRPr lang="ko-KR" altLang="en-US"/>
+          </a:p>
+        </p:txBody>
+      </p:sp>
+      <p:sp>
+        <p:nvSpPr>
+          <p:cNvPr id="5" name="TextBox 4">
+            <a:extLst>
+              <a:ext uri="{FF2B5EF4-FFF2-40B4-BE49-F238E27FC236}">
+                <a16:creationId xmlns:a16="http://schemas.microsoft.com/office/drawing/2014/main" id="{4DF74013-D1AC-2E2F-636E-D7F4DC7E2723}"/>
+              </a:ext>
+            </a:extLst>
+          </p:cNvPr>
+          <p:cNvSpPr txBox="1"/>
+          <p:nvPr/>
+        </p:nvSpPr>
+        <p:spPr>
+          <a:xfrm>
+            <a:off x="6755407" y="1828349"/>
+            <a:ext cx="4509568" cy="1200329"/>
+          </a:xfrm>
+          <a:prstGeom prst="rect">
+            <a:avLst/>
+          </a:prstGeom>
+          <a:noFill/>
+        </p:spPr>
+        <p:txBody>
+          <a:bodyPr wrap="none" rtlCol="0">
+            <a:spAutoFit/>
+          </a:bodyPr>
+          <a:lstStyle/>
+          <a:p>
+            <a:r>
+              <a:rPr lang="en-US" altLang="ko-KR" dirty="0"/>
+              <a:t>+82 10-2651-3076</a:t>
+            </a:r>
+          </a:p>
+          <a:p>
+            <a:r>
+              <a:rPr lang="en-US" altLang="ko-KR" dirty="0"/>
+              <a:t>+44 7521-647551</a:t>
+            </a:r>
+          </a:p>
+          <a:p>
+            <a:endParaRPr lang="en-US" altLang="ko-KR" dirty="0"/>
+          </a:p>
+          <a:p>
+            <a:r>
+              <a:rPr lang="ko-KR" altLang="en-US" dirty="0"/>
+              <a:t>둘 중 한 번호로 메시지</a:t>
+            </a:r>
+            <a:r>
+              <a:rPr lang="en-US" altLang="ko-KR" dirty="0"/>
+              <a:t>(</a:t>
+            </a:r>
+            <a:r>
+              <a:rPr lang="ko-KR" altLang="en-US" dirty="0"/>
+              <a:t>본인 이름</a:t>
+            </a:r>
+            <a:r>
+              <a:rPr lang="en-US" altLang="ko-KR" dirty="0"/>
+              <a:t>) </a:t>
+            </a:r>
+            <a:r>
+              <a:rPr lang="ko-KR" altLang="en-US" dirty="0"/>
+              <a:t>보내기</a:t>
+            </a:r>
+          </a:p>
+        </p:txBody>
+      </p:sp>
+      <p:sp>
+        <p:nvSpPr>
+          <p:cNvPr id="6" name="화살표: 오른쪽 5">
+            <a:extLst>
+              <a:ext uri="{FF2B5EF4-FFF2-40B4-BE49-F238E27FC236}">
+                <a16:creationId xmlns:a16="http://schemas.microsoft.com/office/drawing/2014/main" id="{CA4CC5C3-CC20-9330-8972-215A0B858C4E}"/>
+              </a:ext>
+            </a:extLst>
+          </p:cNvPr>
+          <p:cNvSpPr/>
+          <p:nvPr/>
+        </p:nvSpPr>
+        <p:spPr>
+          <a:xfrm>
+            <a:off x="5098473" y="4692072"/>
+            <a:ext cx="997527" cy="748145"/>
+          </a:xfrm>
+          <a:prstGeom prst="rightArrow">
+            <a:avLst/>
+          </a:prstGeom>
+        </p:spPr>
+        <p:style>
+          <a:lnRef idx="2">
+            <a:schemeClr val="accent1">
+              <a:shade val="15000"/>
+            </a:schemeClr>
+          </a:lnRef>
+          <a:fillRef idx="1">
+            <a:schemeClr val="accent1"/>
+          </a:fillRef>
+          <a:effectRef idx="0">
+            <a:schemeClr val="accent1"/>
+          </a:effectRef>
+          <a:fontRef idx="minor">
+            <a:schemeClr val="lt1"/>
+          </a:fontRef>
+        </p:style>
+        <p:txBody>
+          <a:bodyPr rtlCol="0" anchor="ctr"/>
+          <a:lstStyle/>
+          <a:p>
+            <a:pPr algn="ctr"/>
+            <a:endParaRPr lang="ko-KR" altLang="en-US"/>
+          </a:p>
+        </p:txBody>
+      </p:sp>
+      <p:sp>
+        <p:nvSpPr>
+          <p:cNvPr id="7" name="TextBox 6">
+            <a:extLst>
+              <a:ext uri="{FF2B5EF4-FFF2-40B4-BE49-F238E27FC236}">
+                <a16:creationId xmlns:a16="http://schemas.microsoft.com/office/drawing/2014/main" id="{8FC2BEF9-83AD-A725-11FF-91C95C0B1D7F}"/>
+              </a:ext>
+            </a:extLst>
+          </p:cNvPr>
+          <p:cNvSpPr txBox="1"/>
+          <p:nvPr/>
+        </p:nvSpPr>
+        <p:spPr>
+          <a:xfrm>
+            <a:off x="6921662" y="4742978"/>
+            <a:ext cx="4035079" cy="646331"/>
+          </a:xfrm>
+          <a:prstGeom prst="rect">
+            <a:avLst/>
+          </a:prstGeom>
+          <a:noFill/>
+        </p:spPr>
+        <p:txBody>
+          <a:bodyPr wrap="none" rtlCol="0">
+            <a:spAutoFit/>
+          </a:bodyPr>
+          <a:lstStyle/>
+          <a:p>
+            <a:r>
+              <a:rPr lang="en-US" altLang="ko-KR" dirty="0"/>
+              <a:t>(4-5</a:t>
+            </a:r>
+            <a:r>
+              <a:rPr lang="ko-KR" altLang="en-US" dirty="0"/>
+              <a:t>월 중</a:t>
+            </a:r>
+            <a:r>
+              <a:rPr lang="en-US" altLang="ko-KR" dirty="0"/>
+              <a:t>)</a:t>
+            </a:r>
+          </a:p>
+          <a:p>
+            <a:r>
+              <a:rPr lang="en-US" altLang="ko-KR" dirty="0"/>
+              <a:t>IVF – KIVF </a:t>
+            </a:r>
+            <a:r>
+              <a:rPr lang="ko-KR" altLang="en-US" dirty="0"/>
+              <a:t>그룹채팅방 만들어질 예정</a:t>
+            </a:r>
+          </a:p>
+        </p:txBody>
+      </p:sp>
+    </p:spTree>
+    <p:extLst>
+      <p:ext uri="{BB962C8B-B14F-4D97-AF65-F5344CB8AC3E}">
+        <p14:creationId xmlns:p14="http://schemas.microsoft.com/office/powerpoint/2010/main" val="1525574411"/>
+      </p:ext>
+    </p:extLst>
+  </p:cSld>
+  <p:clrMapOvr>
+    <a:masterClrMapping/>
+  </p:clrMapOvr>
+</p:sld>
+</file>
+
+<file path=ppt/slides/slide7.xml><?xml version="1.0" encoding="utf-8"?>
+<p:sld xmlns:a="http://schemas.openxmlformats.org/drawingml/2006/main" xmlns:r="http://schemas.openxmlformats.org/officeDocument/2006/relationships" xmlns:p="http://schemas.openxmlformats.org/presentationml/2006/main">
+  <p:cSld>
+    <p:spTree>
+      <p:nvGrpSpPr>
+        <p:cNvPr id="1" name="">
+          <a:extLst>
+            <a:ext uri="{FF2B5EF4-FFF2-40B4-BE49-F238E27FC236}">
+              <a16:creationId xmlns:a16="http://schemas.microsoft.com/office/drawing/2014/main" id="{785B3582-F153-5239-B0A7-59A2F8A72353}"/>
+            </a:ext>
+          </a:extLst>
+        </p:cNvPr>
+        <p:cNvGrpSpPr/>
+        <p:nvPr/>
+      </p:nvGrpSpPr>
+      <p:grpSpPr>
+        <a:xfrm>
+          <a:off x="0" y="0"/>
+          <a:ext cx="0" cy="0"/>
+          <a:chOff x="0" y="0"/>
+          <a:chExt cx="0" cy="0"/>
+        </a:xfrm>
+      </p:grpSpPr>
+      <p:sp>
+        <p:nvSpPr>
+          <p:cNvPr id="2" name="TextBox 1">
+            <a:extLst>
+              <a:ext uri="{FF2B5EF4-FFF2-40B4-BE49-F238E27FC236}">
+                <a16:creationId xmlns:a16="http://schemas.microsoft.com/office/drawing/2014/main" id="{2FD70576-3812-B561-2A0D-689F1CCFBB01}"/>
+              </a:ext>
+            </a:extLst>
+          </p:cNvPr>
+          <p:cNvSpPr txBox="1"/>
+          <p:nvPr/>
+        </p:nvSpPr>
+        <p:spPr>
+          <a:xfrm>
+            <a:off x="350982" y="350982"/>
+            <a:ext cx="3740126" cy="584775"/>
+          </a:xfrm>
+          <a:prstGeom prst="rect">
+            <a:avLst/>
+          </a:prstGeom>
+          <a:noFill/>
+        </p:spPr>
+        <p:txBody>
+          <a:bodyPr wrap="none" rtlCol="0">
+            <a:spAutoFit/>
+          </a:bodyPr>
+          <a:lstStyle/>
+          <a:p>
+            <a:r>
+              <a:rPr lang="ko-KR" altLang="en-US" sz="3200" dirty="0">
+                <a:latin typeface="HY견고딕" panose="02030600000101010101" pitchFamily="18" charset="-127"/>
+                <a:ea typeface="HY견고딕" panose="02030600000101010101" pitchFamily="18" charset="-127"/>
+              </a:rPr>
+              <a:t>우리의 공통적 목표</a:t>
+            </a:r>
+          </a:p>
+        </p:txBody>
+      </p:sp>
+      <p:sp>
+        <p:nvSpPr>
+          <p:cNvPr id="4" name="직사각형 3">
+            <a:extLst>
+              <a:ext uri="{FF2B5EF4-FFF2-40B4-BE49-F238E27FC236}">
+                <a16:creationId xmlns:a16="http://schemas.microsoft.com/office/drawing/2014/main" id="{2A8B548D-640F-D5F8-80F2-C2D0FCA5157D}"/>
+              </a:ext>
+            </a:extLst>
+          </p:cNvPr>
+          <p:cNvSpPr/>
+          <p:nvPr/>
+        </p:nvSpPr>
+        <p:spPr>
+          <a:xfrm>
+            <a:off x="895927" y="1274618"/>
+            <a:ext cx="4378037" cy="3325091"/>
+          </a:xfrm>
+          <a:prstGeom prst="rect">
+            <a:avLst/>
+          </a:prstGeom>
+          <a:solidFill>
+            <a:schemeClr val="accent2">
+              <a:alpha val="50000"/>
+            </a:schemeClr>
+          </a:solidFill>
+          <a:ln>
+            <a:noFill/>
+          </a:ln>
+        </p:spPr>
+        <p:style>
+          <a:lnRef idx="0">
+            <a:scrgbClr r="0" g="0" b="0"/>
+          </a:lnRef>
+          <a:fillRef idx="0">
+            <a:scrgbClr r="0" g="0" b="0"/>
+          </a:fillRef>
+          <a:effectRef idx="0">
+            <a:scrgbClr r="0" g="0" b="0"/>
+          </a:effectRef>
+          <a:fontRef idx="minor">
+            <a:schemeClr val="lt1"/>
+          </a:fontRef>
+        </p:style>
+        <p:txBody>
+          <a:bodyPr rtlCol="0" anchor="ctr"/>
+          <a:lstStyle/>
+          <a:p>
+            <a:pPr algn="ctr"/>
+            <a:endParaRPr lang="ko-KR" altLang="en-US"/>
+          </a:p>
+        </p:txBody>
+      </p:sp>
+      <p:sp>
+        <p:nvSpPr>
+          <p:cNvPr id="5" name="타원 4">
+            <a:extLst>
+              <a:ext uri="{FF2B5EF4-FFF2-40B4-BE49-F238E27FC236}">
+                <a16:creationId xmlns:a16="http://schemas.microsoft.com/office/drawing/2014/main" id="{C6B1CEAF-36D1-69E1-3547-EA63C207CA5E}"/>
+              </a:ext>
+            </a:extLst>
+          </p:cNvPr>
+          <p:cNvSpPr/>
+          <p:nvPr/>
+        </p:nvSpPr>
+        <p:spPr>
+          <a:xfrm>
+            <a:off x="628073" y="935757"/>
+            <a:ext cx="748145" cy="748145"/>
+          </a:xfrm>
+          <a:prstGeom prst="ellipse">
+            <a:avLst/>
+          </a:prstGeom>
+          <a:gradFill flip="none" rotWithShape="1">
+            <a:gsLst>
+              <a:gs pos="0">
+                <a:schemeClr val="accent2">
+                  <a:lumMod val="67000"/>
+                </a:schemeClr>
+              </a:gs>
+              <a:gs pos="48000">
+                <a:schemeClr val="accent2">
+                  <a:lumMod val="97000"/>
+                  <a:lumOff val="3000"/>
+                </a:schemeClr>
+              </a:gs>
+              <a:gs pos="100000">
+                <a:schemeClr val="accent2">
+                  <a:lumMod val="60000"/>
+                  <a:lumOff val="40000"/>
+                </a:schemeClr>
+              </a:gs>
+            </a:gsLst>
+            <a:lin ang="16200000" scaled="1"/>
+            <a:tileRect/>
+          </a:gradFill>
+          <a:ln>
+            <a:noFill/>
+          </a:ln>
+        </p:spPr>
+        <p:style>
+          <a:lnRef idx="0">
+            <a:scrgbClr r="0" g="0" b="0"/>
+          </a:lnRef>
+          <a:fillRef idx="0">
+            <a:scrgbClr r="0" g="0" b="0"/>
+          </a:fillRef>
+          <a:effectRef idx="0">
+            <a:scrgbClr r="0" g="0" b="0"/>
+          </a:effectRef>
+          <a:fontRef idx="minor">
+            <a:schemeClr val="lt1"/>
+          </a:fontRef>
+        </p:style>
+        <p:txBody>
+          <a:bodyPr rtlCol="0" anchor="ctr"/>
+          <a:lstStyle/>
+          <a:p>
+            <a:pPr algn="ctr"/>
+            <a:r>
+              <a:rPr lang="en-US" altLang="ko-KR" dirty="0"/>
+              <a:t>1</a:t>
+            </a:r>
+            <a:endParaRPr lang="ko-KR" altLang="en-US" dirty="0"/>
+          </a:p>
+        </p:txBody>
+      </p:sp>
+      <p:sp>
+        <p:nvSpPr>
+          <p:cNvPr id="6" name="직사각형 5">
+            <a:extLst>
+              <a:ext uri="{FF2B5EF4-FFF2-40B4-BE49-F238E27FC236}">
+                <a16:creationId xmlns:a16="http://schemas.microsoft.com/office/drawing/2014/main" id="{F1B28AFF-78AE-2156-CAF4-D81EA1CC77EF}"/>
+              </a:ext>
+            </a:extLst>
+          </p:cNvPr>
+          <p:cNvSpPr/>
+          <p:nvPr/>
+        </p:nvSpPr>
+        <p:spPr>
+          <a:xfrm>
+            <a:off x="6705600" y="1274618"/>
+            <a:ext cx="4378037" cy="3325091"/>
+          </a:xfrm>
+          <a:prstGeom prst="rect">
+            <a:avLst/>
+          </a:prstGeom>
+          <a:solidFill>
+            <a:schemeClr val="accent2">
+              <a:alpha val="50000"/>
+            </a:schemeClr>
+          </a:solidFill>
+          <a:ln>
+            <a:noFill/>
+          </a:ln>
+        </p:spPr>
+        <p:style>
+          <a:lnRef idx="0">
+            <a:scrgbClr r="0" g="0" b="0"/>
+          </a:lnRef>
+          <a:fillRef idx="0">
+            <a:scrgbClr r="0" g="0" b="0"/>
+          </a:fillRef>
+          <a:effectRef idx="0">
+            <a:scrgbClr r="0" g="0" b="0"/>
+          </a:effectRef>
+          <a:fontRef idx="minor">
+            <a:schemeClr val="lt1"/>
+          </a:fontRef>
+        </p:style>
+        <p:txBody>
+          <a:bodyPr rtlCol="0" anchor="ctr"/>
+          <a:lstStyle/>
+          <a:p>
+            <a:pPr algn="ctr"/>
+            <a:endParaRPr lang="ko-KR" altLang="en-US"/>
+          </a:p>
+        </p:txBody>
+      </p:sp>
+      <p:sp>
+        <p:nvSpPr>
+          <p:cNvPr id="7" name="타원 6">
+            <a:extLst>
+              <a:ext uri="{FF2B5EF4-FFF2-40B4-BE49-F238E27FC236}">
+                <a16:creationId xmlns:a16="http://schemas.microsoft.com/office/drawing/2014/main" id="{9D24ABE2-0344-69C9-DF09-57AC0B0AF34A}"/>
+              </a:ext>
+            </a:extLst>
+          </p:cNvPr>
+          <p:cNvSpPr/>
+          <p:nvPr/>
+        </p:nvSpPr>
+        <p:spPr>
+          <a:xfrm>
+            <a:off x="6437746" y="935757"/>
+            <a:ext cx="748145" cy="748145"/>
+          </a:xfrm>
+          <a:prstGeom prst="ellipse">
+            <a:avLst/>
+          </a:prstGeom>
+          <a:gradFill flip="none" rotWithShape="1">
+            <a:gsLst>
+              <a:gs pos="0">
+                <a:schemeClr val="accent2">
+                  <a:lumMod val="67000"/>
+                </a:schemeClr>
+              </a:gs>
+              <a:gs pos="48000">
+                <a:schemeClr val="accent2">
+                  <a:lumMod val="97000"/>
+                  <a:lumOff val="3000"/>
+                </a:schemeClr>
+              </a:gs>
+              <a:gs pos="100000">
+                <a:schemeClr val="accent2">
+                  <a:lumMod val="60000"/>
+                  <a:lumOff val="40000"/>
+                </a:schemeClr>
+              </a:gs>
+            </a:gsLst>
+            <a:lin ang="16200000" scaled="1"/>
+            <a:tileRect/>
+          </a:gradFill>
+          <a:ln>
+            <a:noFill/>
+          </a:ln>
+        </p:spPr>
+        <p:style>
+          <a:lnRef idx="0">
+            <a:scrgbClr r="0" g="0" b="0"/>
+          </a:lnRef>
+          <a:fillRef idx="0">
+            <a:scrgbClr r="0" g="0" b="0"/>
+          </a:fillRef>
+          <a:effectRef idx="0">
+            <a:scrgbClr r="0" g="0" b="0"/>
+          </a:effectRef>
+          <a:fontRef idx="minor">
+            <a:schemeClr val="lt1"/>
+          </a:fontRef>
+        </p:style>
+        <p:txBody>
+          <a:bodyPr rtlCol="0" anchor="ctr"/>
+          <a:lstStyle/>
+          <a:p>
+            <a:pPr algn="ctr"/>
+            <a:r>
+              <a:rPr lang="en-US" altLang="ko-KR" dirty="0"/>
+              <a:t>2</a:t>
+            </a:r>
+            <a:endParaRPr lang="ko-KR" altLang="en-US" dirty="0"/>
+          </a:p>
+        </p:txBody>
+      </p:sp>
+      <p:sp>
+        <p:nvSpPr>
+          <p:cNvPr id="9" name="화살표: 오른쪽 8">
+            <a:extLst>
+              <a:ext uri="{FF2B5EF4-FFF2-40B4-BE49-F238E27FC236}">
+                <a16:creationId xmlns:a16="http://schemas.microsoft.com/office/drawing/2014/main" id="{EBF43136-AFA6-2BBA-DB6E-269A39A33B3D}"/>
+              </a:ext>
+            </a:extLst>
+          </p:cNvPr>
+          <p:cNvSpPr/>
+          <p:nvPr/>
+        </p:nvSpPr>
+        <p:spPr>
+          <a:xfrm>
+            <a:off x="350982" y="5320145"/>
+            <a:ext cx="1274618" cy="914400"/>
+          </a:xfrm>
+          <a:prstGeom prst="rightArrow">
+            <a:avLst/>
+          </a:prstGeom>
+          <a:solidFill>
+            <a:schemeClr val="accent3">
+              <a:alpha val="50000"/>
+            </a:schemeClr>
+          </a:solidFill>
+          <a:ln>
+            <a:noFill/>
+          </a:ln>
+        </p:spPr>
+        <p:style>
+          <a:lnRef idx="0">
+            <a:scrgbClr r="0" g="0" b="0"/>
+          </a:lnRef>
+          <a:fillRef idx="0">
+            <a:scrgbClr r="0" g="0" b="0"/>
+          </a:fillRef>
+          <a:effectRef idx="0">
+            <a:scrgbClr r="0" g="0" b="0"/>
+          </a:effectRef>
+          <a:fontRef idx="minor">
+            <a:schemeClr val="lt1"/>
+          </a:fontRef>
+        </p:style>
+        <p:txBody>
+          <a:bodyPr rtlCol="0" anchor="ctr"/>
+          <a:lstStyle/>
+          <a:p>
+            <a:pPr algn="ctr"/>
+            <a:endParaRPr lang="ko-KR" altLang="en-US"/>
+          </a:p>
+        </p:txBody>
+      </p:sp>
+      <p:sp>
+        <p:nvSpPr>
+          <p:cNvPr id="11" name="직사각형 10">
+            <a:extLst>
+              <a:ext uri="{FF2B5EF4-FFF2-40B4-BE49-F238E27FC236}">
+                <a16:creationId xmlns:a16="http://schemas.microsoft.com/office/drawing/2014/main" id="{E2EA2E5F-3C52-49F7-5074-9C6F42C2BE4F}"/>
+              </a:ext>
+            </a:extLst>
+          </p:cNvPr>
+          <p:cNvSpPr/>
+          <p:nvPr/>
+        </p:nvSpPr>
+        <p:spPr>
+          <a:xfrm>
+            <a:off x="1865745" y="4938570"/>
+            <a:ext cx="9901382" cy="1568448"/>
+          </a:xfrm>
+          <a:prstGeom prst="rect">
+            <a:avLst/>
+          </a:prstGeom>
+          <a:solidFill>
+            <a:schemeClr val="accent6">
+              <a:alpha val="50000"/>
+            </a:schemeClr>
+          </a:solidFill>
+          <a:ln>
+            <a:noFill/>
+          </a:ln>
+        </p:spPr>
+        <p:style>
+          <a:lnRef idx="0">
+            <a:scrgbClr r="0" g="0" b="0"/>
+          </a:lnRef>
+          <a:fillRef idx="0">
+            <a:scrgbClr r="0" g="0" b="0"/>
+          </a:fillRef>
+          <a:effectRef idx="0">
+            <a:scrgbClr r="0" g="0" b="0"/>
+          </a:effectRef>
+          <a:fontRef idx="minor">
+            <a:schemeClr val="lt1"/>
+          </a:fontRef>
+        </p:style>
+        <p:txBody>
+          <a:bodyPr rtlCol="0" anchor="ctr"/>
+          <a:lstStyle/>
+          <a:p>
+            <a:pPr marL="342900" indent="-342900">
+              <a:buAutoNum type="arabicPeriod"/>
+            </a:pPr>
+            <a:r>
+              <a:rPr lang="ko-KR" altLang="en-US" dirty="0">
+                <a:solidFill>
+                  <a:schemeClr val="tx1"/>
+                </a:solidFill>
+              </a:rPr>
+              <a:t>더 크고</a:t>
+            </a:r>
+            <a:r>
+              <a:rPr lang="en-US" altLang="ko-KR" dirty="0">
+                <a:solidFill>
+                  <a:schemeClr val="tx1"/>
+                </a:solidFill>
+              </a:rPr>
+              <a:t>, </a:t>
+            </a:r>
+            <a:r>
+              <a:rPr lang="ko-KR" altLang="en-US" dirty="0">
+                <a:solidFill>
+                  <a:schemeClr val="tx1"/>
+                </a:solidFill>
+              </a:rPr>
+              <a:t>더 넓고</a:t>
+            </a:r>
+            <a:r>
+              <a:rPr lang="en-US" altLang="ko-KR" dirty="0">
+                <a:solidFill>
+                  <a:schemeClr val="tx1"/>
+                </a:solidFill>
+              </a:rPr>
+              <a:t>, </a:t>
+            </a:r>
+            <a:r>
+              <a:rPr lang="ko-KR" altLang="en-US" dirty="0">
+                <a:solidFill>
+                  <a:schemeClr val="tx1"/>
+                </a:solidFill>
+              </a:rPr>
+              <a:t>더 깊게 일하실 수 있는 하나님을 한국의 문화에 가두고 있지는 않았는가</a:t>
+            </a:r>
+            <a:r>
+              <a:rPr lang="en-US" altLang="ko-KR" dirty="0">
+                <a:solidFill>
+                  <a:schemeClr val="tx1"/>
+                </a:solidFill>
+              </a:rPr>
+              <a:t>?</a:t>
+            </a:r>
+          </a:p>
+          <a:p>
+            <a:r>
+              <a:rPr lang="en-US" altLang="ko-KR" dirty="0">
+                <a:solidFill>
+                  <a:schemeClr val="tx1"/>
+                </a:solidFill>
+              </a:rPr>
+              <a:t>  (</a:t>
+            </a:r>
+            <a:r>
+              <a:rPr lang="ko-KR" altLang="en-US" dirty="0">
+                <a:solidFill>
+                  <a:schemeClr val="tx1"/>
+                </a:solidFill>
+              </a:rPr>
+              <a:t>하나님의 능력과 성품</a:t>
+            </a:r>
+            <a:r>
+              <a:rPr lang="en-US" altLang="ko-KR" dirty="0">
+                <a:solidFill>
+                  <a:schemeClr val="tx1"/>
+                </a:solidFill>
+              </a:rPr>
+              <a:t> </a:t>
+            </a:r>
+            <a:r>
+              <a:rPr lang="ko-KR" altLang="en-US" dirty="0">
+                <a:solidFill>
+                  <a:schemeClr val="tx1"/>
+                </a:solidFill>
+              </a:rPr>
+              <a:t>등을 우리의 생각</a:t>
+            </a:r>
+            <a:r>
+              <a:rPr lang="en-US" altLang="ko-KR" dirty="0">
+                <a:solidFill>
+                  <a:schemeClr val="tx1"/>
+                </a:solidFill>
+              </a:rPr>
+              <a:t>/</a:t>
+            </a:r>
+            <a:r>
+              <a:rPr lang="ko-KR" altLang="en-US" dirty="0">
+                <a:solidFill>
+                  <a:schemeClr val="tx1"/>
+                </a:solidFill>
+              </a:rPr>
+              <a:t>문화만을 기준으로 생각하고 </a:t>
+            </a:r>
+            <a:r>
+              <a:rPr lang="ko-KR" altLang="en-US" dirty="0" err="1">
+                <a:solidFill>
+                  <a:schemeClr val="tx1"/>
+                </a:solidFill>
+              </a:rPr>
+              <a:t>한정짓지는</a:t>
+            </a:r>
+            <a:r>
+              <a:rPr lang="ko-KR" altLang="en-US" dirty="0">
+                <a:solidFill>
+                  <a:schemeClr val="tx1"/>
+                </a:solidFill>
+              </a:rPr>
+              <a:t> 않았는가</a:t>
+            </a:r>
+            <a:r>
+              <a:rPr lang="en-US" altLang="ko-KR" dirty="0">
+                <a:solidFill>
+                  <a:schemeClr val="tx1"/>
+                </a:solidFill>
+              </a:rPr>
+              <a:t>?)</a:t>
+            </a:r>
+          </a:p>
+          <a:p>
+            <a:r>
+              <a:rPr lang="en-US" altLang="ko-KR" dirty="0">
+                <a:solidFill>
+                  <a:schemeClr val="tx1"/>
+                </a:solidFill>
+              </a:rPr>
+              <a:t>2. </a:t>
+            </a:r>
+            <a:r>
+              <a:rPr lang="ko-KR" altLang="en-US" dirty="0">
+                <a:solidFill>
+                  <a:schemeClr val="tx1"/>
+                </a:solidFill>
+              </a:rPr>
+              <a:t>우리는 무엇을 위해서</a:t>
+            </a:r>
+            <a:r>
+              <a:rPr lang="en-US" altLang="ko-KR" dirty="0">
+                <a:solidFill>
+                  <a:schemeClr val="tx1"/>
+                </a:solidFill>
+              </a:rPr>
+              <a:t>, </a:t>
+            </a:r>
+            <a:r>
+              <a:rPr lang="ko-KR" altLang="en-US" dirty="0">
+                <a:solidFill>
+                  <a:schemeClr val="tx1"/>
+                </a:solidFill>
+              </a:rPr>
+              <a:t>어떻게 기도해야 하는가</a:t>
+            </a:r>
+            <a:r>
+              <a:rPr lang="en-US" altLang="ko-KR" dirty="0">
+                <a:solidFill>
+                  <a:schemeClr val="tx1"/>
+                </a:solidFill>
+              </a:rPr>
+              <a:t>?</a:t>
+            </a:r>
+          </a:p>
+          <a:p>
+            <a:r>
+              <a:rPr lang="en-US" altLang="ko-KR" dirty="0">
+                <a:solidFill>
+                  <a:schemeClr val="tx1"/>
+                </a:solidFill>
+              </a:rPr>
+              <a:t>3. </a:t>
+            </a:r>
+            <a:r>
+              <a:rPr lang="ko-KR" altLang="en-US" dirty="0">
+                <a:solidFill>
+                  <a:schemeClr val="tx1"/>
+                </a:solidFill>
+              </a:rPr>
+              <a:t>하나님은 이 기회를 통해서 나에게 무엇을 가르쳐 주시려고 하는가</a:t>
+            </a:r>
+            <a:r>
+              <a:rPr lang="en-US" altLang="ko-KR" dirty="0">
+                <a:solidFill>
+                  <a:schemeClr val="tx1"/>
+                </a:solidFill>
+              </a:rPr>
+              <a:t>?</a:t>
+            </a:r>
+            <a:endParaRPr lang="ko-KR" altLang="en-US" dirty="0">
+              <a:solidFill>
+                <a:schemeClr val="tx1"/>
+              </a:solidFill>
+            </a:endParaRPr>
+          </a:p>
+        </p:txBody>
+      </p:sp>
+      <p:sp>
+        <p:nvSpPr>
+          <p:cNvPr id="12" name="사각형: 둥근 모서리 11">
+            <a:extLst>
+              <a:ext uri="{FF2B5EF4-FFF2-40B4-BE49-F238E27FC236}">
+                <a16:creationId xmlns:a16="http://schemas.microsoft.com/office/drawing/2014/main" id="{54040095-ECA9-6A99-BA83-E6B2B0F9F1FE}"/>
+              </a:ext>
+            </a:extLst>
+          </p:cNvPr>
+          <p:cNvSpPr/>
+          <p:nvPr/>
+        </p:nvSpPr>
+        <p:spPr>
+          <a:xfrm>
+            <a:off x="1376218" y="1683902"/>
+            <a:ext cx="3454400" cy="584775"/>
+          </a:xfrm>
+          <a:prstGeom prst="roundRect">
+            <a:avLst/>
+          </a:prstGeom>
+          <a:solidFill>
+            <a:schemeClr val="accent2"/>
+          </a:solidFill>
+          <a:ln>
+            <a:noFill/>
+          </a:ln>
+        </p:spPr>
+        <p:style>
+          <a:lnRef idx="0">
+            <a:scrgbClr r="0" g="0" b="0"/>
+          </a:lnRef>
+          <a:fillRef idx="0">
+            <a:scrgbClr r="0" g="0" b="0"/>
+          </a:fillRef>
+          <a:effectRef idx="0">
+            <a:scrgbClr r="0" g="0" b="0"/>
+          </a:effectRef>
+          <a:fontRef idx="minor">
+            <a:schemeClr val="lt1"/>
+          </a:fontRef>
+        </p:style>
+        <p:txBody>
+          <a:bodyPr rtlCol="0" anchor="ctr"/>
+          <a:lstStyle/>
+          <a:p>
+            <a:pPr algn="ctr"/>
+            <a:r>
+              <a:rPr lang="ko-KR" altLang="en-US"/>
+              <a:t>필리핀 가기</a:t>
+            </a:r>
+          </a:p>
+        </p:txBody>
+      </p:sp>
+      <p:sp>
+        <p:nvSpPr>
+          <p:cNvPr id="13" name="사각형: 둥근 모서리 12">
+            <a:extLst>
+              <a:ext uri="{FF2B5EF4-FFF2-40B4-BE49-F238E27FC236}">
+                <a16:creationId xmlns:a16="http://schemas.microsoft.com/office/drawing/2014/main" id="{1A0EB7C8-1877-6D4A-ABBE-3470D5793694}"/>
+              </a:ext>
+            </a:extLst>
+          </p:cNvPr>
+          <p:cNvSpPr/>
+          <p:nvPr/>
+        </p:nvSpPr>
+        <p:spPr>
+          <a:xfrm>
+            <a:off x="7185891" y="1683902"/>
+            <a:ext cx="3454400" cy="584775"/>
+          </a:xfrm>
+          <a:prstGeom prst="roundRect">
+            <a:avLst/>
+          </a:prstGeom>
+          <a:solidFill>
+            <a:schemeClr val="accent2"/>
+          </a:solidFill>
+          <a:ln>
+            <a:noFill/>
+          </a:ln>
+        </p:spPr>
+        <p:style>
+          <a:lnRef idx="0">
+            <a:scrgbClr r="0" g="0" b="0"/>
+          </a:lnRef>
+          <a:fillRef idx="0">
+            <a:scrgbClr r="0" g="0" b="0"/>
+          </a:fillRef>
+          <a:effectRef idx="0">
+            <a:scrgbClr r="0" g="0" b="0"/>
+          </a:effectRef>
+          <a:fontRef idx="minor">
+            <a:schemeClr val="lt1"/>
+          </a:fontRef>
+        </p:style>
+        <p:txBody>
+          <a:bodyPr rtlCol="0" anchor="ctr"/>
+          <a:lstStyle/>
+          <a:p>
+            <a:pPr algn="ctr"/>
+            <a:r>
+              <a:rPr lang="ko-KR" altLang="en-US" dirty="0"/>
+              <a:t>필리핀 친구들 맞이하기</a:t>
+            </a:r>
+          </a:p>
+        </p:txBody>
+      </p:sp>
+      <p:sp>
+        <p:nvSpPr>
+          <p:cNvPr id="14" name="TextBox 13">
+            <a:extLst>
+              <a:ext uri="{FF2B5EF4-FFF2-40B4-BE49-F238E27FC236}">
+                <a16:creationId xmlns:a16="http://schemas.microsoft.com/office/drawing/2014/main" id="{5D7BB78E-8904-4CF2-6FCF-089DE03E47DF}"/>
+              </a:ext>
+            </a:extLst>
+          </p:cNvPr>
+          <p:cNvSpPr txBox="1"/>
+          <p:nvPr/>
+        </p:nvSpPr>
+        <p:spPr>
+          <a:xfrm>
+            <a:off x="1108363" y="2425694"/>
+            <a:ext cx="4054764" cy="1477328"/>
+          </a:xfrm>
+          <a:prstGeom prst="rect">
+            <a:avLst/>
+          </a:prstGeom>
+          <a:noFill/>
+        </p:spPr>
+        <p:txBody>
+          <a:bodyPr wrap="square" rtlCol="0">
+            <a:spAutoFit/>
+          </a:bodyPr>
+          <a:lstStyle/>
+          <a:p>
+            <a:pPr marL="342900" indent="-342900">
+              <a:buAutoNum type="arabicPeriod"/>
+            </a:pPr>
+            <a:r>
+              <a:rPr lang="ko-KR" altLang="en-US" dirty="0">
+                <a:solidFill>
+                  <a:schemeClr val="tx1"/>
+                </a:solidFill>
+              </a:rPr>
+              <a:t>이 친구들은 어떤 문화에서 살고 있는가</a:t>
+            </a:r>
+            <a:r>
+              <a:rPr lang="en-US" altLang="ko-KR" dirty="0">
+                <a:solidFill>
+                  <a:schemeClr val="tx1"/>
+                </a:solidFill>
+              </a:rPr>
+              <a:t>?</a:t>
+            </a:r>
+          </a:p>
+          <a:p>
+            <a:pPr marL="342900" indent="-342900">
+              <a:buAutoNum type="arabicPeriod"/>
+            </a:pPr>
+            <a:r>
+              <a:rPr lang="ko-KR" altLang="en-US" dirty="0">
+                <a:solidFill>
+                  <a:schemeClr val="tx1"/>
+                </a:solidFill>
+              </a:rPr>
+              <a:t>다른 기후</a:t>
+            </a:r>
+            <a:r>
+              <a:rPr lang="en-US" altLang="ko-KR" dirty="0">
+                <a:solidFill>
+                  <a:schemeClr val="tx1"/>
+                </a:solidFill>
+              </a:rPr>
+              <a:t>, </a:t>
+            </a:r>
+            <a:r>
+              <a:rPr lang="ko-KR" altLang="en-US" dirty="0">
+                <a:solidFill>
+                  <a:schemeClr val="tx1"/>
+                </a:solidFill>
+              </a:rPr>
+              <a:t>다른 문화를 가진 다른 나라에서는 하나님을 어떻게</a:t>
+            </a:r>
+            <a:r>
+              <a:rPr lang="en-US" altLang="ko-KR" dirty="0"/>
+              <a:t> </a:t>
+            </a:r>
+            <a:r>
+              <a:rPr lang="ko-KR" altLang="en-US" dirty="0">
+                <a:solidFill>
+                  <a:schemeClr val="tx1"/>
+                </a:solidFill>
+              </a:rPr>
+              <a:t>예배하고</a:t>
+            </a:r>
+            <a:r>
+              <a:rPr lang="en-US" altLang="ko-KR" dirty="0">
+                <a:solidFill>
+                  <a:schemeClr val="tx1"/>
+                </a:solidFill>
+              </a:rPr>
+              <a:t> </a:t>
+            </a:r>
+            <a:r>
+              <a:rPr lang="ko-KR" altLang="en-US" dirty="0">
+                <a:solidFill>
+                  <a:schemeClr val="tx1"/>
+                </a:solidFill>
+              </a:rPr>
+              <a:t>있는가</a:t>
+            </a:r>
+            <a:r>
+              <a:rPr lang="en-US" altLang="ko-KR" dirty="0">
+                <a:solidFill>
+                  <a:schemeClr val="tx1"/>
+                </a:solidFill>
+              </a:rPr>
+              <a:t>?</a:t>
+            </a:r>
+          </a:p>
+        </p:txBody>
+      </p:sp>
+      <p:sp>
+        <p:nvSpPr>
+          <p:cNvPr id="15" name="TextBox 14">
+            <a:extLst>
+              <a:ext uri="{FF2B5EF4-FFF2-40B4-BE49-F238E27FC236}">
+                <a16:creationId xmlns:a16="http://schemas.microsoft.com/office/drawing/2014/main" id="{5B66A8FE-9551-F4D8-6ECF-44894EA7DED1}"/>
+              </a:ext>
+            </a:extLst>
+          </p:cNvPr>
+          <p:cNvSpPr txBox="1"/>
+          <p:nvPr/>
+        </p:nvSpPr>
+        <p:spPr>
+          <a:xfrm>
+            <a:off x="6898720" y="2425694"/>
+            <a:ext cx="3954008" cy="923330"/>
+          </a:xfrm>
+          <a:prstGeom prst="rect">
+            <a:avLst/>
+          </a:prstGeom>
+          <a:noFill/>
+        </p:spPr>
+        <p:txBody>
+          <a:bodyPr wrap="square" rtlCol="0">
+            <a:spAutoFit/>
+          </a:bodyPr>
+          <a:lstStyle/>
+          <a:p>
+            <a:pPr marL="342900" indent="-342900">
+              <a:buAutoNum type="arabicPeriod"/>
+            </a:pPr>
+            <a:r>
+              <a:rPr lang="ko-KR" altLang="en-US" dirty="0"/>
+              <a:t>지금까지 우리나라에서는 하나님이 어떻게 일하셨는가</a:t>
+            </a:r>
+            <a:r>
+              <a:rPr lang="en-US" altLang="ko-KR" dirty="0"/>
+              <a:t>?</a:t>
+            </a:r>
+          </a:p>
+          <a:p>
+            <a:pPr marL="342900" indent="-342900">
+              <a:buAutoNum type="arabicPeriod"/>
+            </a:pPr>
+            <a:r>
+              <a:rPr lang="ko-KR" altLang="en-US" dirty="0"/>
+              <a:t>어떻게 하면 잘 섬길 수 있는가</a:t>
+            </a:r>
+            <a:r>
+              <a:rPr lang="en-US" altLang="ko-KR" dirty="0"/>
+              <a:t>?</a:t>
+            </a:r>
+          </a:p>
+        </p:txBody>
+      </p:sp>
+      <p:sp>
+        <p:nvSpPr>
+          <p:cNvPr id="16" name="TextBox 15">
+            <a:extLst>
+              <a:ext uri="{FF2B5EF4-FFF2-40B4-BE49-F238E27FC236}">
+                <a16:creationId xmlns:a16="http://schemas.microsoft.com/office/drawing/2014/main" id="{275966D6-A99B-4457-39B9-273C40767B3A}"/>
+              </a:ext>
+            </a:extLst>
+          </p:cNvPr>
+          <p:cNvSpPr txBox="1"/>
+          <p:nvPr/>
+        </p:nvSpPr>
+        <p:spPr>
+          <a:xfrm>
+            <a:off x="4433455" y="412230"/>
+            <a:ext cx="7534435" cy="369332"/>
+          </a:xfrm>
+          <a:prstGeom prst="rect">
+            <a:avLst/>
+          </a:prstGeom>
+          <a:noFill/>
+        </p:spPr>
+        <p:txBody>
+          <a:bodyPr wrap="none" rtlCol="0">
+            <a:spAutoFit/>
+          </a:bodyPr>
+          <a:lstStyle/>
+          <a:p>
+            <a:r>
+              <a:rPr lang="en-US" altLang="ko-KR" dirty="0"/>
+              <a:t>(+ </a:t>
+            </a:r>
+            <a:r>
+              <a:rPr lang="ko-KR" altLang="en-US" dirty="0"/>
+              <a:t>여기에 덧붙여서 각자 개인적인 목표를 가지고 왔으리라 생각됩니다</a:t>
+            </a:r>
+            <a:r>
+              <a:rPr lang="en-US" altLang="ko-KR" dirty="0"/>
+              <a:t>)</a:t>
+            </a:r>
+            <a:endParaRPr lang="ko-KR" altLang="en-US" dirty="0"/>
+          </a:p>
+        </p:txBody>
+      </p:sp>
+    </p:spTree>
+    <p:extLst>
+      <p:ext uri="{BB962C8B-B14F-4D97-AF65-F5344CB8AC3E}">
+        <p14:creationId xmlns:p14="http://schemas.microsoft.com/office/powerpoint/2010/main" val="3637553105"/>
+      </p:ext>
+    </p:extLst>
+  </p:cSld>
+  <p:clrMapOvr>
+    <a:masterClrMapping/>
+  </p:clrMapOvr>
+</p:sld>
+</file>
+
+<file path=ppt/slides/slide8.xml><?xml version="1.0" encoding="utf-8"?>
+<p:sld xmlns:a="http://schemas.openxmlformats.org/drawingml/2006/main" xmlns:r="http://schemas.openxmlformats.org/officeDocument/2006/relationships" xmlns:p="http://schemas.openxmlformats.org/presentationml/2006/main">
+  <p:cSld>
+    <p:spTree>
+      <p:nvGrpSpPr>
+        <p:cNvPr id="1" name=""/>
+        <p:cNvGrpSpPr/>
+        <p:nvPr/>
+      </p:nvGrpSpPr>
+      <p:grpSpPr>
+        <a:xfrm>
+          <a:off x="0" y="0"/>
+          <a:ext cx="0" cy="0"/>
+          <a:chOff x="0" y="0"/>
+          <a:chExt cx="0" cy="0"/>
+        </a:xfrm>
+      </p:grpSpPr>
+      <p:sp>
+        <p:nvSpPr>
+          <p:cNvPr id="2" name="TextBox 1">
+            <a:extLst>
+              <a:ext uri="{FF2B5EF4-FFF2-40B4-BE49-F238E27FC236}">
+                <a16:creationId xmlns:a16="http://schemas.microsoft.com/office/drawing/2014/main" id="{FBE3F791-D1E7-1D22-A131-316A9F7F3756}"/>
+              </a:ext>
+            </a:extLst>
+          </p:cNvPr>
+          <p:cNvSpPr txBox="1"/>
+          <p:nvPr/>
+        </p:nvSpPr>
+        <p:spPr>
+          <a:xfrm>
+            <a:off x="4088880" y="3136613"/>
+            <a:ext cx="4014240" cy="584775"/>
+          </a:xfrm>
+          <a:prstGeom prst="rect">
+            <a:avLst/>
+          </a:prstGeom>
+          <a:noFill/>
+        </p:spPr>
+        <p:txBody>
+          <a:bodyPr wrap="none" rtlCol="0">
+            <a:spAutoFit/>
+          </a:bodyPr>
+          <a:lstStyle/>
+          <a:p>
+            <a:r>
+              <a:rPr lang="ko-KR" altLang="en-US" sz="3200" dirty="0">
+                <a:latin typeface="HY견고딕" panose="02030600000101010101" pitchFamily="18" charset="-127"/>
+                <a:ea typeface="HY견고딕" panose="02030600000101010101" pitchFamily="18" charset="-127"/>
+              </a:rPr>
+              <a:t>기도편지 작성해보기</a:t>
+            </a:r>
+          </a:p>
+        </p:txBody>
+      </p:sp>
+    </p:spTree>
+    <p:extLst>
+      <p:ext uri="{BB962C8B-B14F-4D97-AF65-F5344CB8AC3E}">
+        <p14:creationId xmlns:p14="http://schemas.microsoft.com/office/powerpoint/2010/main" val="3217445388"/>
+      </p:ext>
+    </p:extLst>
+  </p:cSld>
+  <p:clrMapOvr>
+    <a:masterClrMapping/>
+  </p:clrMapOvr>
+</p:sld>
+</file>
+
+<file path=ppt/slides/slide9.xml><?xml version="1.0" encoding="utf-8"?>
+<p:sld xmlns:a="http://schemas.openxmlformats.org/drawingml/2006/main" xmlns:r="http://schemas.openxmlformats.org/officeDocument/2006/relationships" xmlns:p="http://schemas.openxmlformats.org/presentationml/2006/main">
+  <p:cSld>
+    <p:spTree>
+      <p:nvGrpSpPr>
+        <p:cNvPr id="1" name=""/>
+        <p:cNvGrpSpPr/>
+        <p:nvPr/>
+      </p:nvGrpSpPr>
+      <p:grpSpPr>
+        <a:xfrm>
+          <a:off x="0" y="0"/>
+          <a:ext cx="0" cy="0"/>
+          <a:chOff x="0" y="0"/>
+          <a:chExt cx="0" cy="0"/>
+        </a:xfrm>
+      </p:grpSpPr>
+      <p:sp>
+        <p:nvSpPr>
+          <p:cNvPr id="2" name="직사각형 1">
+            <a:extLst>
+              <a:ext uri="{FF2B5EF4-FFF2-40B4-BE49-F238E27FC236}">
+                <a16:creationId xmlns:a16="http://schemas.microsoft.com/office/drawing/2014/main" id="{BE99E8C8-6E59-73A0-49CB-57314DE746DD}"/>
+              </a:ext>
+            </a:extLst>
+          </p:cNvPr>
+          <p:cNvSpPr/>
+          <p:nvPr/>
+        </p:nvSpPr>
+        <p:spPr>
+          <a:xfrm>
+            <a:off x="503853" y="466531"/>
+            <a:ext cx="2957804" cy="727787"/>
+          </a:xfrm>
+          <a:prstGeom prst="rect">
+            <a:avLst/>
+          </a:prstGeom>
+        </p:spPr>
+        <p:style>
+          <a:lnRef idx="2">
+            <a:schemeClr val="accent1">
+              <a:shade val="15000"/>
+            </a:schemeClr>
+          </a:lnRef>
+          <a:fillRef idx="1">
+            <a:schemeClr val="accent1"/>
+          </a:fillRef>
+          <a:effectRef idx="0">
+            <a:schemeClr val="accent1"/>
+          </a:effectRef>
+          <a:fontRef idx="minor">
+            <a:schemeClr val="lt1"/>
+          </a:fontRef>
+        </p:style>
+        <p:txBody>
+          <a:bodyPr rtlCol="0" anchor="ctr"/>
+          <a:lstStyle/>
+          <a:p>
+            <a:pPr algn="ctr"/>
+            <a:r>
+              <a:rPr lang="en-US" altLang="ko-KR" dirty="0"/>
+              <a:t>QUESTIONS</a:t>
+            </a:r>
+            <a:endParaRPr lang="ko-KR" altLang="en-US" dirty="0"/>
+          </a:p>
+        </p:txBody>
+      </p:sp>
+      <p:sp>
+        <p:nvSpPr>
+          <p:cNvPr id="3" name="화살표: 아래쪽 2">
+            <a:extLst>
+              <a:ext uri="{FF2B5EF4-FFF2-40B4-BE49-F238E27FC236}">
+                <a16:creationId xmlns:a16="http://schemas.microsoft.com/office/drawing/2014/main" id="{93217865-CB9F-27E8-020B-FF1A51232D54}"/>
+              </a:ext>
+            </a:extLst>
+          </p:cNvPr>
+          <p:cNvSpPr/>
+          <p:nvPr/>
+        </p:nvSpPr>
+        <p:spPr>
+          <a:xfrm>
+            <a:off x="1483567" y="1324947"/>
+            <a:ext cx="998376" cy="625151"/>
+          </a:xfrm>
+          <a:prstGeom prst="downArrow">
+            <a:avLst/>
+          </a:prstGeom>
+        </p:spPr>
+        <p:style>
+          <a:lnRef idx="2">
+            <a:schemeClr val="accent1">
+              <a:shade val="15000"/>
+            </a:schemeClr>
+          </a:lnRef>
+          <a:fillRef idx="1">
+            <a:schemeClr val="accent1"/>
+          </a:fillRef>
+          <a:effectRef idx="0">
+            <a:schemeClr val="accent1"/>
+          </a:effectRef>
+          <a:fontRef idx="minor">
+            <a:schemeClr val="lt1"/>
+          </a:fontRef>
+        </p:style>
+        <p:txBody>
+          <a:bodyPr rtlCol="0" anchor="ctr"/>
+          <a:lstStyle/>
+          <a:p>
+            <a:pPr algn="ctr"/>
+            <a:endParaRPr lang="ko-KR" altLang="en-US"/>
+          </a:p>
+        </p:txBody>
+      </p:sp>
+      <p:sp>
+        <p:nvSpPr>
+          <p:cNvPr id="4" name="직사각형 3">
+            <a:extLst>
+              <a:ext uri="{FF2B5EF4-FFF2-40B4-BE49-F238E27FC236}">
+                <a16:creationId xmlns:a16="http://schemas.microsoft.com/office/drawing/2014/main" id="{C3E71686-ECA1-93D0-036B-3423D8D04A3F}"/>
+              </a:ext>
+            </a:extLst>
+          </p:cNvPr>
+          <p:cNvSpPr/>
+          <p:nvPr/>
+        </p:nvSpPr>
+        <p:spPr>
+          <a:xfrm>
+            <a:off x="503853" y="2127380"/>
+            <a:ext cx="2957804" cy="4264089"/>
+          </a:xfrm>
+          <a:prstGeom prst="rect">
+            <a:avLst/>
+          </a:prstGeom>
+        </p:spPr>
+        <p:style>
+          <a:lnRef idx="2">
+            <a:schemeClr val="accent1">
+              <a:shade val="15000"/>
+            </a:schemeClr>
+          </a:lnRef>
+          <a:fillRef idx="1">
+            <a:schemeClr val="accent1"/>
+          </a:fillRef>
+          <a:effectRef idx="0">
+            <a:schemeClr val="accent1"/>
+          </a:effectRef>
+          <a:fontRef idx="minor">
+            <a:schemeClr val="lt1"/>
+          </a:fontRef>
+        </p:style>
+        <p:txBody>
+          <a:bodyPr rtlCol="0" anchor="ctr"/>
+          <a:lstStyle/>
+          <a:p>
+            <a:pPr algn="ctr"/>
+            <a:r>
+              <a:rPr lang="ko-KR" altLang="en-US" dirty="0"/>
+              <a:t>질문에 대해서</a:t>
+            </a:r>
+            <a:endParaRPr lang="en-US" altLang="ko-KR" dirty="0"/>
+          </a:p>
+          <a:p>
+            <a:pPr algn="ctr"/>
+            <a:r>
+              <a:rPr lang="ko-KR" altLang="en-US" dirty="0"/>
+              <a:t>숨김없이</a:t>
+            </a:r>
+            <a:r>
+              <a:rPr lang="en-US" altLang="ko-KR" dirty="0"/>
+              <a:t>, </a:t>
+            </a:r>
+            <a:r>
+              <a:rPr lang="ko-KR" altLang="en-US" dirty="0"/>
+              <a:t>솔직하게</a:t>
+            </a:r>
+            <a:endParaRPr lang="en-US" altLang="ko-KR" dirty="0"/>
+          </a:p>
+          <a:p>
+            <a:pPr algn="ctr"/>
+            <a:r>
+              <a:rPr lang="ko-KR" altLang="en-US" dirty="0"/>
+              <a:t>기록해 보기</a:t>
+            </a:r>
+            <a:endParaRPr lang="en-US" altLang="ko-KR" dirty="0"/>
+          </a:p>
+          <a:p>
+            <a:pPr algn="ctr"/>
+            <a:endParaRPr lang="en-US" altLang="ko-KR" dirty="0"/>
+          </a:p>
+          <a:p>
+            <a:pPr algn="ctr"/>
+            <a:r>
+              <a:rPr lang="en-US" altLang="ko-KR" dirty="0"/>
+              <a:t>(</a:t>
+            </a:r>
+            <a:r>
+              <a:rPr lang="ko-KR" altLang="en-US" dirty="0"/>
+              <a:t>자신만 볼 것</a:t>
+            </a:r>
+            <a:r>
+              <a:rPr lang="en-US" altLang="ko-KR" dirty="0"/>
+              <a:t>)</a:t>
+            </a:r>
+          </a:p>
+        </p:txBody>
+      </p:sp>
+      <p:sp>
+        <p:nvSpPr>
+          <p:cNvPr id="5" name="화살표: 오른쪽 4">
+            <a:extLst>
+              <a:ext uri="{FF2B5EF4-FFF2-40B4-BE49-F238E27FC236}">
+                <a16:creationId xmlns:a16="http://schemas.microsoft.com/office/drawing/2014/main" id="{1CDDD5E8-62C4-37F8-7EB6-C7154BE538D0}"/>
+              </a:ext>
+            </a:extLst>
+          </p:cNvPr>
+          <p:cNvSpPr/>
+          <p:nvPr/>
+        </p:nvSpPr>
+        <p:spPr>
+          <a:xfrm>
+            <a:off x="3739243" y="3429000"/>
+            <a:ext cx="681134" cy="1217645"/>
+          </a:xfrm>
+          <a:prstGeom prst="rightArrow">
+            <a:avLst/>
+          </a:prstGeom>
+        </p:spPr>
+        <p:style>
+          <a:lnRef idx="2">
+            <a:schemeClr val="accent1">
+              <a:shade val="15000"/>
+            </a:schemeClr>
+          </a:lnRef>
+          <a:fillRef idx="1">
+            <a:schemeClr val="accent1"/>
+          </a:fillRef>
+          <a:effectRef idx="0">
+            <a:schemeClr val="accent1"/>
+          </a:effectRef>
+          <a:fontRef idx="minor">
+            <a:schemeClr val="lt1"/>
+          </a:fontRef>
+        </p:style>
+        <p:txBody>
+          <a:bodyPr rtlCol="0" anchor="ctr"/>
+          <a:lstStyle/>
+          <a:p>
+            <a:pPr algn="ctr"/>
+            <a:endParaRPr lang="ko-KR" altLang="en-US"/>
+          </a:p>
+        </p:txBody>
+      </p:sp>
+      <p:sp>
+        <p:nvSpPr>
+          <p:cNvPr id="6" name="직사각형 5">
+            <a:extLst>
+              <a:ext uri="{FF2B5EF4-FFF2-40B4-BE49-F238E27FC236}">
+                <a16:creationId xmlns:a16="http://schemas.microsoft.com/office/drawing/2014/main" id="{B1DBA3EB-6735-AF12-3A47-478119D15FBA}"/>
+              </a:ext>
+            </a:extLst>
+          </p:cNvPr>
+          <p:cNvSpPr/>
+          <p:nvPr/>
+        </p:nvSpPr>
+        <p:spPr>
+          <a:xfrm>
+            <a:off x="4697963" y="2127380"/>
+            <a:ext cx="2957804" cy="4264089"/>
+          </a:xfrm>
+          <a:prstGeom prst="rect">
+            <a:avLst/>
+          </a:prstGeom>
+        </p:spPr>
+        <p:style>
+          <a:lnRef idx="2">
+            <a:schemeClr val="accent1">
+              <a:shade val="15000"/>
+            </a:schemeClr>
+          </a:lnRef>
+          <a:fillRef idx="1">
+            <a:schemeClr val="accent1"/>
+          </a:fillRef>
+          <a:effectRef idx="0">
+            <a:schemeClr val="accent1"/>
+          </a:effectRef>
+          <a:fontRef idx="minor">
+            <a:schemeClr val="lt1"/>
+          </a:fontRef>
+        </p:style>
+        <p:txBody>
+          <a:bodyPr rtlCol="0" anchor="ctr"/>
+          <a:lstStyle/>
+          <a:p>
+            <a:pPr algn="ctr"/>
+            <a:r>
+              <a:rPr lang="ko-KR" altLang="en-US" dirty="0"/>
+              <a:t>나눌 수 있는 것들만</a:t>
+            </a:r>
+            <a:endParaRPr lang="en-US" altLang="ko-KR" dirty="0"/>
+          </a:p>
+          <a:p>
+            <a:pPr algn="ctr"/>
+            <a:r>
+              <a:rPr lang="ko-KR" altLang="en-US" dirty="0" err="1"/>
+              <a:t>나누어보기</a:t>
+            </a:r>
+            <a:endParaRPr lang="en-US" altLang="ko-KR" dirty="0"/>
+          </a:p>
+        </p:txBody>
+      </p:sp>
+      <p:sp>
+        <p:nvSpPr>
+          <p:cNvPr id="7" name="화살표: 오른쪽 6">
+            <a:extLst>
+              <a:ext uri="{FF2B5EF4-FFF2-40B4-BE49-F238E27FC236}">
+                <a16:creationId xmlns:a16="http://schemas.microsoft.com/office/drawing/2014/main" id="{C97417E7-6387-97AF-1C7B-F9A322A94254}"/>
+              </a:ext>
+            </a:extLst>
+          </p:cNvPr>
+          <p:cNvSpPr/>
+          <p:nvPr/>
+        </p:nvSpPr>
+        <p:spPr>
+          <a:xfrm>
+            <a:off x="7933354" y="3429000"/>
+            <a:ext cx="681134" cy="1217645"/>
+          </a:xfrm>
+          <a:prstGeom prst="rightArrow">
+            <a:avLst/>
+          </a:prstGeom>
+        </p:spPr>
+        <p:style>
+          <a:lnRef idx="2">
+            <a:schemeClr val="accent1">
+              <a:shade val="15000"/>
+            </a:schemeClr>
+          </a:lnRef>
+          <a:fillRef idx="1">
+            <a:schemeClr val="accent1"/>
+          </a:fillRef>
+          <a:effectRef idx="0">
+            <a:schemeClr val="accent1"/>
+          </a:effectRef>
+          <a:fontRef idx="minor">
+            <a:schemeClr val="lt1"/>
+          </a:fontRef>
+        </p:style>
+        <p:txBody>
+          <a:bodyPr rtlCol="0" anchor="ctr"/>
+          <a:lstStyle/>
+          <a:p>
+            <a:pPr algn="ctr"/>
+            <a:endParaRPr lang="ko-KR" altLang="en-US"/>
+          </a:p>
+        </p:txBody>
+      </p:sp>
+      <p:sp>
+        <p:nvSpPr>
+          <p:cNvPr id="8" name="직사각형 7">
+            <a:extLst>
+              <a:ext uri="{FF2B5EF4-FFF2-40B4-BE49-F238E27FC236}">
+                <a16:creationId xmlns:a16="http://schemas.microsoft.com/office/drawing/2014/main" id="{E9C633BB-4042-51C4-3F0E-A41DF01A90E3}"/>
+              </a:ext>
+            </a:extLst>
+          </p:cNvPr>
+          <p:cNvSpPr/>
+          <p:nvPr/>
+        </p:nvSpPr>
+        <p:spPr>
+          <a:xfrm>
+            <a:off x="8892075" y="2127380"/>
+            <a:ext cx="2957804" cy="4264089"/>
+          </a:xfrm>
+          <a:prstGeom prst="rect">
+            <a:avLst/>
+          </a:prstGeom>
+        </p:spPr>
+        <p:style>
+          <a:lnRef idx="2">
+            <a:schemeClr val="accent1">
+              <a:shade val="15000"/>
+            </a:schemeClr>
+          </a:lnRef>
+          <a:fillRef idx="1">
+            <a:schemeClr val="accent1"/>
+          </a:fillRef>
+          <a:effectRef idx="0">
+            <a:schemeClr val="accent1"/>
+          </a:effectRef>
+          <a:fontRef idx="minor">
+            <a:schemeClr val="lt1"/>
+          </a:fontRef>
+        </p:style>
+        <p:txBody>
+          <a:bodyPr rtlCol="0" anchor="ctr"/>
+          <a:lstStyle/>
+          <a:p>
+            <a:pPr algn="ctr"/>
+            <a:r>
+              <a:rPr lang="ko-KR" altLang="en-US" dirty="0"/>
+              <a:t>공개적으로 공개할 수</a:t>
+            </a:r>
+            <a:endParaRPr lang="en-US" altLang="ko-KR" dirty="0"/>
+          </a:p>
+          <a:p>
+            <a:pPr algn="ctr"/>
+            <a:r>
+              <a:rPr lang="ko-KR" altLang="en-US" dirty="0"/>
+              <a:t>있는 것만</a:t>
+            </a:r>
+            <a:endParaRPr lang="en-US" altLang="ko-KR" dirty="0"/>
+          </a:p>
+          <a:p>
+            <a:pPr algn="ctr"/>
+            <a:r>
+              <a:rPr lang="ko-KR" altLang="en-US" dirty="0"/>
+              <a:t>기도편지에 작성</a:t>
+            </a:r>
+            <a:endParaRPr lang="en-US" altLang="ko-KR" dirty="0"/>
+          </a:p>
+          <a:p>
+            <a:pPr algn="ctr"/>
+            <a:endParaRPr lang="en-US" altLang="ko-KR" dirty="0"/>
+          </a:p>
+          <a:p>
+            <a:pPr algn="ctr"/>
+            <a:r>
+              <a:rPr lang="en-US" altLang="ko-KR" dirty="0"/>
+              <a:t>(</a:t>
+            </a:r>
+            <a:r>
+              <a:rPr lang="ko-KR" altLang="en-US" dirty="0"/>
+              <a:t>작성 후 공유</a:t>
+            </a:r>
+            <a:r>
+              <a:rPr lang="en-US" altLang="ko-KR" dirty="0"/>
+              <a:t>)</a:t>
+            </a:r>
+          </a:p>
+        </p:txBody>
+      </p:sp>
+    </p:spTree>
+    <p:extLst>
+      <p:ext uri="{BB962C8B-B14F-4D97-AF65-F5344CB8AC3E}">
+        <p14:creationId xmlns:p14="http://schemas.microsoft.com/office/powerpoint/2010/main" val="4098029286"/>
       </p:ext>
     </p:extLst>
   </p:cSld>

--- a/PPT/week3_OT, 기도편지 및 회의_20250318.pptx
+++ b/PPT/week3_OT, 기도편지 및 회의_20250318.pptx
@@ -22,6 +22,7 @@
     <p:sldId id="262" r:id="rId16"/>
     <p:sldId id="271" r:id="rId17"/>
     <p:sldId id="272" r:id="rId18"/>
+    <p:sldId id="273" r:id="rId19"/>
   </p:sldIdLst>
   <p:sldSz cx="12192000" cy="6858000"/>
   <p:notesSz cx="6858000" cy="9144000"/>
@@ -120,6 +121,11 @@
       </a:defRPr>
     </a:lvl9pPr>
   </p:defaultTextStyle>
+  <p:extLst>
+    <p:ext uri="{EFAFB233-063F-42B5-8137-9DF3F51BA10A}">
+      <p15:sldGuideLst xmlns:p15="http://schemas.microsoft.com/office/powerpoint/2012/main"/>
+    </p:ext>
+  </p:extLst>
 </p:presentation>
 </file>
 
@@ -270,7 +276,7 @@
           <a:p>
             <a:fld id="{31BC56AD-70B2-46BD-BB61-4D0D5F54A6B8}" type="datetimeFigureOut">
               <a:rPr lang="ko-KR" altLang="en-US" smtClean="0"/>
-              <a:t>2025-03-14</a:t>
+              <a:t>2025-03-17</a:t>
             </a:fld>
             <a:endParaRPr lang="ko-KR" altLang="en-US"/>
           </a:p>
@@ -468,7 +474,7 @@
           <a:p>
             <a:fld id="{31BC56AD-70B2-46BD-BB61-4D0D5F54A6B8}" type="datetimeFigureOut">
               <a:rPr lang="ko-KR" altLang="en-US" smtClean="0"/>
-              <a:t>2025-03-14</a:t>
+              <a:t>2025-03-17</a:t>
             </a:fld>
             <a:endParaRPr lang="ko-KR" altLang="en-US"/>
           </a:p>
@@ -676,7 +682,7 @@
           <a:p>
             <a:fld id="{31BC56AD-70B2-46BD-BB61-4D0D5F54A6B8}" type="datetimeFigureOut">
               <a:rPr lang="ko-KR" altLang="en-US" smtClean="0"/>
-              <a:t>2025-03-14</a:t>
+              <a:t>2025-03-17</a:t>
             </a:fld>
             <a:endParaRPr lang="ko-KR" altLang="en-US"/>
           </a:p>
@@ -874,7 +880,7 @@
           <a:p>
             <a:fld id="{31BC56AD-70B2-46BD-BB61-4D0D5F54A6B8}" type="datetimeFigureOut">
               <a:rPr lang="ko-KR" altLang="en-US" smtClean="0"/>
-              <a:t>2025-03-14</a:t>
+              <a:t>2025-03-17</a:t>
             </a:fld>
             <a:endParaRPr lang="ko-KR" altLang="en-US"/>
           </a:p>
@@ -1149,7 +1155,7 @@
           <a:p>
             <a:fld id="{31BC56AD-70B2-46BD-BB61-4D0D5F54A6B8}" type="datetimeFigureOut">
               <a:rPr lang="ko-KR" altLang="en-US" smtClean="0"/>
-              <a:t>2025-03-14</a:t>
+              <a:t>2025-03-17</a:t>
             </a:fld>
             <a:endParaRPr lang="ko-KR" altLang="en-US"/>
           </a:p>
@@ -1414,7 +1420,7 @@
           <a:p>
             <a:fld id="{31BC56AD-70B2-46BD-BB61-4D0D5F54A6B8}" type="datetimeFigureOut">
               <a:rPr lang="ko-KR" altLang="en-US" smtClean="0"/>
-              <a:t>2025-03-14</a:t>
+              <a:t>2025-03-17</a:t>
             </a:fld>
             <a:endParaRPr lang="ko-KR" altLang="en-US"/>
           </a:p>
@@ -1826,7 +1832,7 @@
           <a:p>
             <a:fld id="{31BC56AD-70B2-46BD-BB61-4D0D5F54A6B8}" type="datetimeFigureOut">
               <a:rPr lang="ko-KR" altLang="en-US" smtClean="0"/>
-              <a:t>2025-03-14</a:t>
+              <a:t>2025-03-17</a:t>
             </a:fld>
             <a:endParaRPr lang="ko-KR" altLang="en-US"/>
           </a:p>
@@ -1967,7 +1973,7 @@
           <a:p>
             <a:fld id="{31BC56AD-70B2-46BD-BB61-4D0D5F54A6B8}" type="datetimeFigureOut">
               <a:rPr lang="ko-KR" altLang="en-US" smtClean="0"/>
-              <a:t>2025-03-14</a:t>
+              <a:t>2025-03-17</a:t>
             </a:fld>
             <a:endParaRPr lang="ko-KR" altLang="en-US"/>
           </a:p>
@@ -2080,7 +2086,7 @@
           <a:p>
             <a:fld id="{31BC56AD-70B2-46BD-BB61-4D0D5F54A6B8}" type="datetimeFigureOut">
               <a:rPr lang="ko-KR" altLang="en-US" smtClean="0"/>
-              <a:t>2025-03-14</a:t>
+              <a:t>2025-03-17</a:t>
             </a:fld>
             <a:endParaRPr lang="ko-KR" altLang="en-US"/>
           </a:p>
@@ -2391,7 +2397,7 @@
           <a:p>
             <a:fld id="{31BC56AD-70B2-46BD-BB61-4D0D5F54A6B8}" type="datetimeFigureOut">
               <a:rPr lang="ko-KR" altLang="en-US" smtClean="0"/>
-              <a:t>2025-03-14</a:t>
+              <a:t>2025-03-17</a:t>
             </a:fld>
             <a:endParaRPr lang="ko-KR" altLang="en-US"/>
           </a:p>
@@ -2679,7 +2685,7 @@
           <a:p>
             <a:fld id="{31BC56AD-70B2-46BD-BB61-4D0D5F54A6B8}" type="datetimeFigureOut">
               <a:rPr lang="ko-KR" altLang="en-US" smtClean="0"/>
-              <a:t>2025-03-14</a:t>
+              <a:t>2025-03-17</a:t>
             </a:fld>
             <a:endParaRPr lang="ko-KR" altLang="en-US"/>
           </a:p>
@@ -2920,7 +2926,7 @@
           <a:p>
             <a:fld id="{31BC56AD-70B2-46BD-BB61-4D0D5F54A6B8}" type="datetimeFigureOut">
               <a:rPr lang="ko-KR" altLang="en-US" smtClean="0"/>
-              <a:t>2025-03-14</a:t>
+              <a:t>2025-03-17</a:t>
             </a:fld>
             <a:endParaRPr lang="ko-KR" altLang="en-US"/>
           </a:p>
@@ -7215,6 +7221,322 @@
     <p:extLst>
       <p:ext uri="{BB962C8B-B14F-4D97-AF65-F5344CB8AC3E}">
         <p14:creationId xmlns:p14="http://schemas.microsoft.com/office/powerpoint/2010/main" val="1413980114"/>
+      </p:ext>
+    </p:extLst>
+  </p:cSld>
+  <p:clrMapOvr>
+    <a:masterClrMapping/>
+  </p:clrMapOvr>
+</p:sld>
+</file>
+
+<file path=ppt/slides/slide18.xml><?xml version="1.0" encoding="utf-8"?>
+<p:sld xmlns:a="http://schemas.openxmlformats.org/drawingml/2006/main" xmlns:r="http://schemas.openxmlformats.org/officeDocument/2006/relationships" xmlns:p="http://schemas.openxmlformats.org/presentationml/2006/main">
+  <p:cSld>
+    <p:spTree>
+      <p:nvGrpSpPr>
+        <p:cNvPr id="1" name="">
+          <a:extLst>
+            <a:ext uri="{FF2B5EF4-FFF2-40B4-BE49-F238E27FC236}">
+              <a16:creationId xmlns:a16="http://schemas.microsoft.com/office/drawing/2014/main" id="{20D23930-1730-13E6-54D1-E92BEF27BFCB}"/>
+            </a:ext>
+          </a:extLst>
+        </p:cNvPr>
+        <p:cNvGrpSpPr/>
+        <p:nvPr/>
+      </p:nvGrpSpPr>
+      <p:grpSpPr>
+        <a:xfrm>
+          <a:off x="0" y="0"/>
+          <a:ext cx="0" cy="0"/>
+          <a:chOff x="0" y="0"/>
+          <a:chExt cx="0" cy="0"/>
+        </a:xfrm>
+      </p:grpSpPr>
+      <p:sp>
+        <p:nvSpPr>
+          <p:cNvPr id="2" name="TextBox 1">
+            <a:extLst>
+              <a:ext uri="{FF2B5EF4-FFF2-40B4-BE49-F238E27FC236}">
+                <a16:creationId xmlns:a16="http://schemas.microsoft.com/office/drawing/2014/main" id="{1055DE03-6328-EC1E-BDC8-E6ABDF6A1127}"/>
+              </a:ext>
+            </a:extLst>
+          </p:cNvPr>
+          <p:cNvSpPr txBox="1"/>
+          <p:nvPr/>
+        </p:nvSpPr>
+        <p:spPr>
+          <a:xfrm>
+            <a:off x="350982" y="350982"/>
+            <a:ext cx="2919389" cy="584775"/>
+          </a:xfrm>
+          <a:prstGeom prst="rect">
+            <a:avLst/>
+          </a:prstGeom>
+          <a:noFill/>
+        </p:spPr>
+        <p:txBody>
+          <a:bodyPr wrap="none" rtlCol="0">
+            <a:spAutoFit/>
+          </a:bodyPr>
+          <a:lstStyle/>
+          <a:p>
+            <a:r>
+              <a:rPr lang="ko-KR" altLang="en-US" sz="3200" dirty="0">
+                <a:latin typeface="HY견고딕" panose="02030600000101010101" pitchFamily="18" charset="-127"/>
+                <a:ea typeface="HY견고딕" panose="02030600000101010101" pitchFamily="18" charset="-127"/>
+              </a:rPr>
+              <a:t>다음 주 소그룹</a:t>
+            </a:r>
+          </a:p>
+        </p:txBody>
+      </p:sp>
+      <p:sp>
+        <p:nvSpPr>
+          <p:cNvPr id="3" name="TextBox 2">
+            <a:extLst>
+              <a:ext uri="{FF2B5EF4-FFF2-40B4-BE49-F238E27FC236}">
+                <a16:creationId xmlns:a16="http://schemas.microsoft.com/office/drawing/2014/main" id="{FF7AF42E-D959-FD34-C3FE-FCC9E1716C22}"/>
+              </a:ext>
+            </a:extLst>
+          </p:cNvPr>
+          <p:cNvSpPr txBox="1"/>
+          <p:nvPr/>
+        </p:nvSpPr>
+        <p:spPr>
+          <a:xfrm>
+            <a:off x="785091" y="1320800"/>
+            <a:ext cx="2887329" cy="1477328"/>
+          </a:xfrm>
+          <a:prstGeom prst="rect">
+            <a:avLst/>
+          </a:prstGeom>
+          <a:noFill/>
+        </p:spPr>
+        <p:txBody>
+          <a:bodyPr wrap="none" rtlCol="0">
+            <a:spAutoFit/>
+          </a:bodyPr>
+          <a:lstStyle/>
+          <a:p>
+            <a:r>
+              <a:rPr lang="ko-KR" altLang="en-US" dirty="0"/>
+              <a:t>상품 아이디어 생각해보기</a:t>
+            </a:r>
+            <a:endParaRPr lang="en-US" altLang="ko-KR" dirty="0"/>
+          </a:p>
+          <a:p>
+            <a:endParaRPr lang="en-US" altLang="ko-KR" dirty="0"/>
+          </a:p>
+          <a:p>
+            <a:pPr marL="285750" indent="-285750">
+              <a:buFontTx/>
+              <a:buChar char="-"/>
+            </a:pPr>
+            <a:r>
+              <a:rPr lang="ko-KR" altLang="en-US" dirty="0"/>
+              <a:t>예시</a:t>
+            </a:r>
+            <a:r>
+              <a:rPr lang="en-US" altLang="ko-KR" dirty="0"/>
+              <a:t>: </a:t>
+            </a:r>
+            <a:r>
+              <a:rPr lang="ko-KR" altLang="en-US" dirty="0"/>
+              <a:t>옷</a:t>
+            </a:r>
+            <a:r>
+              <a:rPr lang="en-US" altLang="ko-KR" dirty="0"/>
+              <a:t>, </a:t>
+            </a:r>
+            <a:r>
+              <a:rPr lang="ko-KR" altLang="en-US" dirty="0" err="1"/>
+              <a:t>키링</a:t>
+            </a:r>
+            <a:r>
+              <a:rPr lang="en-US" altLang="ko-KR" dirty="0"/>
+              <a:t>, </a:t>
+            </a:r>
+            <a:r>
+              <a:rPr lang="ko-KR" altLang="en-US" dirty="0"/>
+              <a:t>볼펜 등</a:t>
+            </a:r>
+            <a:endParaRPr lang="en-US" altLang="ko-KR" dirty="0"/>
+          </a:p>
+          <a:p>
+            <a:pPr marL="285750" indent="-285750">
+              <a:buFontTx/>
+              <a:buChar char="-"/>
+            </a:pPr>
+            <a:r>
+              <a:rPr lang="en-US" altLang="ko-KR" dirty="0"/>
+              <a:t>IVF </a:t>
+            </a:r>
+            <a:r>
+              <a:rPr lang="ko-KR" altLang="en-US" dirty="0"/>
+              <a:t>디자인 생각해오기</a:t>
+            </a:r>
+            <a:endParaRPr lang="en-US" altLang="ko-KR" dirty="0"/>
+          </a:p>
+          <a:p>
+            <a:pPr marL="285750" indent="-285750">
+              <a:buFontTx/>
+              <a:buChar char="-"/>
+            </a:pPr>
+            <a:r>
+              <a:rPr lang="ko-KR" altLang="en-US" dirty="0"/>
+              <a:t>단체복</a:t>
+            </a:r>
+            <a:r>
+              <a:rPr lang="en-US" altLang="ko-KR" dirty="0"/>
+              <a:t>?</a:t>
+            </a:r>
+          </a:p>
+        </p:txBody>
+      </p:sp>
+      <p:pic>
+        <p:nvPicPr>
+          <p:cNvPr id="1026" name="Picture 2" descr="대한민국 티셔츠 빅사이즈 외국인선물 단체티셔츠 - 인터파크 쇼핑">
+            <a:extLst>
+              <a:ext uri="{FF2B5EF4-FFF2-40B4-BE49-F238E27FC236}">
+                <a16:creationId xmlns:a16="http://schemas.microsoft.com/office/drawing/2014/main" id="{5DA32124-FA15-ED71-FB77-D14B569E52A8}"/>
+              </a:ext>
+            </a:extLst>
+          </p:cNvPr>
+          <p:cNvPicPr>
+            <a:picLocks noChangeAspect="1" noChangeArrowheads="1"/>
+          </p:cNvPicPr>
+          <p:nvPr/>
+        </p:nvPicPr>
+        <p:blipFill>
+          <a:blip r:embed="rId2">
+            <a:extLst>
+              <a:ext uri="{28A0092B-C50C-407E-A947-70E740481C1C}">
+                <a14:useLocalDpi xmlns:a14="http://schemas.microsoft.com/office/drawing/2010/main" val="0"/>
+              </a:ext>
+            </a:extLst>
+          </a:blip>
+          <a:srcRect/>
+          <a:stretch>
+            <a:fillRect/>
+          </a:stretch>
+        </p:blipFill>
+        <p:spPr bwMode="auto">
+          <a:xfrm>
+            <a:off x="463938" y="3298536"/>
+            <a:ext cx="3208482" cy="3208482"/>
+          </a:xfrm>
+          <a:prstGeom prst="rect">
+            <a:avLst/>
+          </a:prstGeom>
+          <a:noFill/>
+          <a:extLst>
+            <a:ext uri="{909E8E84-426E-40DD-AFC4-6F175D3DCCD1}">
+              <a14:hiddenFill xmlns:a14="http://schemas.microsoft.com/office/drawing/2010/main">
+                <a:solidFill>
+                  <a:srgbClr val="FFFFFF"/>
+                </a:solidFill>
+              </a14:hiddenFill>
+            </a:ext>
+          </a:extLst>
+        </p:spPr>
+      </p:pic>
+      <p:pic>
+        <p:nvPicPr>
+          <p:cNvPr id="1028" name="Picture 4" descr="팀팩토리 - 단체의류 커스텀 전문">
+            <a:extLst>
+              <a:ext uri="{FF2B5EF4-FFF2-40B4-BE49-F238E27FC236}">
+                <a16:creationId xmlns:a16="http://schemas.microsoft.com/office/drawing/2014/main" id="{2B7E0E25-D3C0-0C7C-1E63-D858208DD3F3}"/>
+              </a:ext>
+            </a:extLst>
+          </p:cNvPr>
+          <p:cNvPicPr>
+            <a:picLocks noChangeAspect="1" noChangeArrowheads="1"/>
+          </p:cNvPicPr>
+          <p:nvPr/>
+        </p:nvPicPr>
+        <p:blipFill rotWithShape="1">
+          <a:blip r:embed="rId3">
+            <a:extLst>
+              <a:ext uri="{28A0092B-C50C-407E-A947-70E740481C1C}">
+                <a14:useLocalDpi xmlns:a14="http://schemas.microsoft.com/office/drawing/2010/main" val="0"/>
+              </a:ext>
+            </a:extLst>
+          </a:blip>
+          <a:srcRect t="11103" b="18584"/>
+          <a:stretch/>
+        </p:blipFill>
+        <p:spPr bwMode="auto">
+          <a:xfrm>
+            <a:off x="3962400" y="2895600"/>
+            <a:ext cx="3448050" cy="3429000"/>
+          </a:xfrm>
+          <a:prstGeom prst="rect">
+            <a:avLst/>
+          </a:prstGeom>
+          <a:noFill/>
+          <a:extLst>
+            <a:ext uri="{909E8E84-426E-40DD-AFC4-6F175D3DCCD1}">
+              <a14:hiddenFill xmlns:a14="http://schemas.microsoft.com/office/drawing/2010/main">
+                <a:solidFill>
+                  <a:srgbClr val="FFFFFF"/>
+                </a:solidFill>
+              </a14:hiddenFill>
+            </a:ext>
+          </a:extLst>
+        </p:spPr>
+      </p:pic>
+      <p:pic>
+        <p:nvPicPr>
+          <p:cNvPr id="1030" name="Picture 6" descr="정직한 단체티 모모티">
+            <a:extLst>
+              <a:ext uri="{FF2B5EF4-FFF2-40B4-BE49-F238E27FC236}">
+                <a16:creationId xmlns:a16="http://schemas.microsoft.com/office/drawing/2014/main" id="{33DB29C5-D726-2E89-2E15-D63334C5D038}"/>
+              </a:ext>
+            </a:extLst>
+          </p:cNvPr>
+          <p:cNvPicPr>
+            <a:picLocks noChangeAspect="1" noChangeArrowheads="1"/>
+          </p:cNvPicPr>
+          <p:nvPr/>
+        </p:nvPicPr>
+        <p:blipFill>
+          <a:blip r:embed="rId4">
+            <a:extLst>
+              <a:ext uri="{28A0092B-C50C-407E-A947-70E740481C1C}">
+                <a14:useLocalDpi xmlns:a14="http://schemas.microsoft.com/office/drawing/2010/main" val="0"/>
+              </a:ext>
+            </a:extLst>
+          </a:blip>
+          <a:srcRect/>
+          <a:stretch>
+            <a:fillRect/>
+          </a:stretch>
+        </p:blipFill>
+        <p:spPr bwMode="auto">
+          <a:xfrm>
+            <a:off x="7781925" y="2895600"/>
+            <a:ext cx="3429000" cy="3429000"/>
+          </a:xfrm>
+          <a:prstGeom prst="rect">
+            <a:avLst/>
+          </a:prstGeom>
+          <a:noFill/>
+          <a:extLst>
+            <a:ext uri="{909E8E84-426E-40DD-AFC4-6F175D3DCCD1}">
+              <a14:hiddenFill xmlns:a14="http://schemas.microsoft.com/office/drawing/2010/main">
+                <a:solidFill>
+                  <a:srgbClr val="FFFFFF"/>
+                </a:solidFill>
+              </a14:hiddenFill>
+            </a:ext>
+          </a:extLst>
+        </p:spPr>
+      </p:pic>
+    </p:spTree>
+    <p:extLst>
+      <p:ext uri="{BB962C8B-B14F-4D97-AF65-F5344CB8AC3E}">
+        <p14:creationId xmlns:p14="http://schemas.microsoft.com/office/powerpoint/2010/main" val="3523862611"/>
       </p:ext>
     </p:extLst>
   </p:cSld>
